--- a/docs/posters/general_ICBO 2009/Poster.pptx
+++ b/docs/posters/general_ICBO 2009/Poster.pptx
@@ -1,6 +1,6 @@
 
 <file path=ppt/presentation.xml><?xml version="1.0" encoding="utf-8"?>
-<p:presentation xmlns:a="http://schemas.openxmlformats.org/drawingml/2006/main" xmlns:r="http://schemas.openxmlformats.org/officeDocument/2006/relationships" xmlns:p="http://schemas.openxmlformats.org/presentationml/2006/main" saveSubsetFonts="1">
+<p:presentation xmlns:a="http://schemas.openxmlformats.org/drawingml/2006/main" xmlns:r="http://schemas.openxmlformats.org/officeDocument/2006/relationships" xmlns:mc="http://schemas.openxmlformats.org/markup-compatibility/2006" xmlns:mv="urn:schemas-microsoft-com:mac:vml" xmlns:p="http://schemas.openxmlformats.org/presentationml/2006/main" mc:Ignorable="mv" mc:PreserveAttributes="mv:*" saveSubsetFonts="1">
   <p:sldMasterIdLst>
     <p:sldMasterId id="2147483648" r:id="rId1"/>
   </p:sldMasterIdLst>
@@ -110,8 +110,27 @@
 </p:presentation>
 </file>
 
+<file path=ppt/commentAuthors.xml><?xml version="1.0" encoding="utf-8"?>
+<p:cmAuthorLst xmlns:a="http://schemas.openxmlformats.org/drawingml/2006/main" xmlns:r="http://schemas.openxmlformats.org/officeDocument/2006/relationships" xmlns:mc="http://schemas.openxmlformats.org/markup-compatibility/2006" xmlns:mv="urn:schemas-microsoft-com:mac:vml" xmlns:p="http://schemas.openxmlformats.org/presentationml/2006/main" mc:Ignorable="mv" mc:PreserveAttributes="mv:*">
+  <p:cmAuthor id="0" name="Melanie Courtot" initials="CS" lastIdx="2" clrIdx="0"/>
+</p:cmAuthorLst>
+</file>
+
+<file path=ppt/comments/comment1.xml><?xml version="1.0" encoding="utf-8"?>
+<p:cmLst xmlns:a="http://schemas.openxmlformats.org/drawingml/2006/main" xmlns:r="http://schemas.openxmlformats.org/officeDocument/2006/relationships" xmlns:mc="http://schemas.openxmlformats.org/markup-compatibility/2006" xmlns:mv="urn:schemas-microsoft-com:mac:vml" xmlns:p="http://schemas.openxmlformats.org/presentationml/2006/main" mc:Ignorable="mv" mc:PreserveAttributes="mv:*">
+  <p:cm authorId="0" dt="2009-07-23T14:55:33.673" idx="1">
+    <p:pos x="2376" y="984"/>
+    <p:text>expand and cite</p:text>
+  </p:cm>
+  <p:cm authorId="0" dt="2009-07-23T15:01:04.813" idx="2">
+    <p:pos x="1568" y="1832"/>
+    <p:text>cite</p:text>
+  </p:cm>
+</p:cmLst>
+</file>
+
 <file path=ppt/notesMasters/notesMaster1.xml><?xml version="1.0" encoding="utf-8"?>
-<p:notesMaster xmlns:a="http://schemas.openxmlformats.org/drawingml/2006/main" xmlns:r="http://schemas.openxmlformats.org/officeDocument/2006/relationships" xmlns:p="http://schemas.openxmlformats.org/presentationml/2006/main">
+<p:notesMaster xmlns:a="http://schemas.openxmlformats.org/drawingml/2006/main" xmlns:r="http://schemas.openxmlformats.org/officeDocument/2006/relationships" xmlns:mc="http://schemas.openxmlformats.org/markup-compatibility/2006" xmlns:mv="urn:schemas-microsoft-com:mac:vml" xmlns:p="http://schemas.openxmlformats.org/presentationml/2006/main" mc:Ignorable="mv" mc:PreserveAttributes="mv:*">
   <p:cSld>
     <p:bg>
       <p:bgRef idx="1001">
@@ -192,7 +211,8 @@
           <a:p>
             <a:fld id="{C43C3973-7D2A-44FF-B793-9C9CC3912CA6}" type="datetimeFigureOut">
               <a:rPr lang="en-US" smtClean="0"/>
-              <a:t>7/23/2009</a:t>
+              <a:pPr/>
+              <a:t>7/23/09</a:t>
             </a:fld>
             <a:endParaRPr lang="en-US"/>
           </a:p>
@@ -353,6 +373,7 @@
           <a:p>
             <a:fld id="{24D32274-5F8A-47D3-BEE9-E4CB3AE0586D}" type="slidenum">
               <a:rPr lang="en-US" smtClean="0"/>
+              <a:pPr/>
               <a:t>‹#›</a:t>
             </a:fld>
             <a:endParaRPr lang="en-US"/>
@@ -458,7 +479,7 @@
 </file>
 
 <file path=ppt/notesSlides/notesSlide1.xml><?xml version="1.0" encoding="utf-8"?>
-<p:notes xmlns:a="http://schemas.openxmlformats.org/drawingml/2006/main" xmlns:r="http://schemas.openxmlformats.org/officeDocument/2006/relationships" xmlns:p="http://schemas.openxmlformats.org/presentationml/2006/main">
+<p:notes xmlns:a="http://schemas.openxmlformats.org/drawingml/2006/main" xmlns:r="http://schemas.openxmlformats.org/officeDocument/2006/relationships" xmlns:mc="http://schemas.openxmlformats.org/markup-compatibility/2006" xmlns:mv="urn:schemas-microsoft-com:mac:vml" xmlns:p="http://schemas.openxmlformats.org/presentationml/2006/main" mc:Ignorable="mv" mc:PreserveAttributes="mv:*">
   <p:cSld>
     <p:spTree>
       <p:nvGrpSpPr>
@@ -529,6 +550,7 @@
           <a:p>
             <a:fld id="{24D32274-5F8A-47D3-BEE9-E4CB3AE0586D}" type="slidenum">
               <a:rPr lang="en-US" smtClean="0"/>
+              <a:pPr/>
               <a:t>1</a:t>
             </a:fld>
             <a:endParaRPr lang="en-US"/>
@@ -544,7 +566,7 @@
 </file>
 
 <file path=ppt/slideLayouts/slideLayout1.xml><?xml version="1.0" encoding="utf-8"?>
-<p:sldLayout xmlns:a="http://schemas.openxmlformats.org/drawingml/2006/main" xmlns:r="http://schemas.openxmlformats.org/officeDocument/2006/relationships" xmlns:p="http://schemas.openxmlformats.org/presentationml/2006/main" type="title" preserve="1">
+<p:sldLayout xmlns:a="http://schemas.openxmlformats.org/drawingml/2006/main" xmlns:r="http://schemas.openxmlformats.org/officeDocument/2006/relationships" xmlns:mc="http://schemas.openxmlformats.org/markup-compatibility/2006" xmlns:mv="urn:schemas-microsoft-com:mac:vml" xmlns:p="http://schemas.openxmlformats.org/presentationml/2006/main" mc:Ignorable="mv" mc:PreserveAttributes="mv:*" type="title" preserve="1">
   <p:cSld name="Title Slide">
     <p:spTree>
       <p:nvGrpSpPr>
@@ -724,7 +746,8 @@
           <a:p>
             <a:fld id="{5857B85E-793F-44C6-87E5-E4AB0831A5C0}" type="datetimeFigureOut">
               <a:rPr lang="en-US" smtClean="0"/>
-              <a:t>7/23/2009</a:t>
+              <a:pPr/>
+              <a:t>7/23/09</a:t>
             </a:fld>
             <a:endParaRPr lang="en-US"/>
           </a:p>
@@ -766,6 +789,7 @@
           <a:p>
             <a:fld id="{FEE4A3A1-7EF4-4A77-8311-95E6C327EAAB}" type="slidenum">
               <a:rPr lang="en-US" smtClean="0"/>
+              <a:pPr/>
               <a:t>‹#›</a:t>
             </a:fld>
             <a:endParaRPr lang="en-US"/>
@@ -781,7 +805,7 @@
 </file>
 
 <file path=ppt/slideLayouts/slideLayout10.xml><?xml version="1.0" encoding="utf-8"?>
-<p:sldLayout xmlns:a="http://schemas.openxmlformats.org/drawingml/2006/main" xmlns:r="http://schemas.openxmlformats.org/officeDocument/2006/relationships" xmlns:p="http://schemas.openxmlformats.org/presentationml/2006/main" type="vertTx" preserve="1">
+<p:sldLayout xmlns:a="http://schemas.openxmlformats.org/drawingml/2006/main" xmlns:r="http://schemas.openxmlformats.org/officeDocument/2006/relationships" xmlns:mc="http://schemas.openxmlformats.org/markup-compatibility/2006" xmlns:mv="urn:schemas-microsoft-com:mac:vml" xmlns:p="http://schemas.openxmlformats.org/presentationml/2006/main" mc:Ignorable="mv" mc:PreserveAttributes="mv:*" type="vertTx" preserve="1">
   <p:cSld name="Title and Vertical Text">
     <p:spTree>
       <p:nvGrpSpPr>
@@ -889,7 +913,8 @@
           <a:p>
             <a:fld id="{5857B85E-793F-44C6-87E5-E4AB0831A5C0}" type="datetimeFigureOut">
               <a:rPr lang="en-US" smtClean="0"/>
-              <a:t>7/23/2009</a:t>
+              <a:pPr/>
+              <a:t>7/23/09</a:t>
             </a:fld>
             <a:endParaRPr lang="en-US"/>
           </a:p>
@@ -931,6 +956,7 @@
           <a:p>
             <a:fld id="{FEE4A3A1-7EF4-4A77-8311-95E6C327EAAB}" type="slidenum">
               <a:rPr lang="en-US" smtClean="0"/>
+              <a:pPr/>
               <a:t>‹#›</a:t>
             </a:fld>
             <a:endParaRPr lang="en-US"/>
@@ -946,7 +972,7 @@
 </file>
 
 <file path=ppt/slideLayouts/slideLayout11.xml><?xml version="1.0" encoding="utf-8"?>
-<p:sldLayout xmlns:a="http://schemas.openxmlformats.org/drawingml/2006/main" xmlns:r="http://schemas.openxmlformats.org/officeDocument/2006/relationships" xmlns:p="http://schemas.openxmlformats.org/presentationml/2006/main" type="vertTitleAndTx" preserve="1">
+<p:sldLayout xmlns:a="http://schemas.openxmlformats.org/drawingml/2006/main" xmlns:r="http://schemas.openxmlformats.org/officeDocument/2006/relationships" xmlns:mc="http://schemas.openxmlformats.org/markup-compatibility/2006" xmlns:mv="urn:schemas-microsoft-com:mac:vml" xmlns:p="http://schemas.openxmlformats.org/presentationml/2006/main" mc:Ignorable="mv" mc:PreserveAttributes="mv:*" type="vertTitleAndTx" preserve="1">
   <p:cSld name="Vertical Title and Text">
     <p:spTree>
       <p:nvGrpSpPr>
@@ -1064,7 +1090,8 @@
           <a:p>
             <a:fld id="{5857B85E-793F-44C6-87E5-E4AB0831A5C0}" type="datetimeFigureOut">
               <a:rPr lang="en-US" smtClean="0"/>
-              <a:t>7/23/2009</a:t>
+              <a:pPr/>
+              <a:t>7/23/09</a:t>
             </a:fld>
             <a:endParaRPr lang="en-US"/>
           </a:p>
@@ -1106,6 +1133,7 @@
           <a:p>
             <a:fld id="{FEE4A3A1-7EF4-4A77-8311-95E6C327EAAB}" type="slidenum">
               <a:rPr lang="en-US" smtClean="0"/>
+              <a:pPr/>
               <a:t>‹#›</a:t>
             </a:fld>
             <a:endParaRPr lang="en-US"/>
@@ -1121,7 +1149,7 @@
 </file>
 
 <file path=ppt/slideLayouts/slideLayout2.xml><?xml version="1.0" encoding="utf-8"?>
-<p:sldLayout xmlns:a="http://schemas.openxmlformats.org/drawingml/2006/main" xmlns:r="http://schemas.openxmlformats.org/officeDocument/2006/relationships" xmlns:p="http://schemas.openxmlformats.org/presentationml/2006/main" type="obj" preserve="1">
+<p:sldLayout xmlns:a="http://schemas.openxmlformats.org/drawingml/2006/main" xmlns:r="http://schemas.openxmlformats.org/officeDocument/2006/relationships" xmlns:mc="http://schemas.openxmlformats.org/markup-compatibility/2006" xmlns:mv="urn:schemas-microsoft-com:mac:vml" xmlns:p="http://schemas.openxmlformats.org/presentationml/2006/main" mc:Ignorable="mv" mc:PreserveAttributes="mv:*" type="obj" preserve="1">
   <p:cSld name="Title and Content">
     <p:spTree>
       <p:nvGrpSpPr>
@@ -1229,7 +1257,8 @@
           <a:p>
             <a:fld id="{5857B85E-793F-44C6-87E5-E4AB0831A5C0}" type="datetimeFigureOut">
               <a:rPr lang="en-US" smtClean="0"/>
-              <a:t>7/23/2009</a:t>
+              <a:pPr/>
+              <a:t>7/23/09</a:t>
             </a:fld>
             <a:endParaRPr lang="en-US"/>
           </a:p>
@@ -1271,6 +1300,7 @@
           <a:p>
             <a:fld id="{FEE4A3A1-7EF4-4A77-8311-95E6C327EAAB}" type="slidenum">
               <a:rPr lang="en-US" smtClean="0"/>
+              <a:pPr/>
               <a:t>‹#›</a:t>
             </a:fld>
             <a:endParaRPr lang="en-US"/>
@@ -1286,7 +1316,7 @@
 </file>
 
 <file path=ppt/slideLayouts/slideLayout3.xml><?xml version="1.0" encoding="utf-8"?>
-<p:sldLayout xmlns:a="http://schemas.openxmlformats.org/drawingml/2006/main" xmlns:r="http://schemas.openxmlformats.org/officeDocument/2006/relationships" xmlns:p="http://schemas.openxmlformats.org/presentationml/2006/main" type="secHead" preserve="1">
+<p:sldLayout xmlns:a="http://schemas.openxmlformats.org/drawingml/2006/main" xmlns:r="http://schemas.openxmlformats.org/officeDocument/2006/relationships" xmlns:mc="http://schemas.openxmlformats.org/markup-compatibility/2006" xmlns:mv="urn:schemas-microsoft-com:mac:vml" xmlns:p="http://schemas.openxmlformats.org/presentationml/2006/main" mc:Ignorable="mv" mc:PreserveAttributes="mv:*" type="secHead" preserve="1">
   <p:cSld name="Section Header">
     <p:spTree>
       <p:nvGrpSpPr>
@@ -1470,7 +1500,8 @@
           <a:p>
             <a:fld id="{5857B85E-793F-44C6-87E5-E4AB0831A5C0}" type="datetimeFigureOut">
               <a:rPr lang="en-US" smtClean="0"/>
-              <a:t>7/23/2009</a:t>
+              <a:pPr/>
+              <a:t>7/23/09</a:t>
             </a:fld>
             <a:endParaRPr lang="en-US"/>
           </a:p>
@@ -1512,6 +1543,7 @@
           <a:p>
             <a:fld id="{FEE4A3A1-7EF4-4A77-8311-95E6C327EAAB}" type="slidenum">
               <a:rPr lang="en-US" smtClean="0"/>
+              <a:pPr/>
               <a:t>‹#›</a:t>
             </a:fld>
             <a:endParaRPr lang="en-US"/>
@@ -1527,7 +1559,7 @@
 </file>
 
 <file path=ppt/slideLayouts/slideLayout4.xml><?xml version="1.0" encoding="utf-8"?>
-<p:sldLayout xmlns:a="http://schemas.openxmlformats.org/drawingml/2006/main" xmlns:r="http://schemas.openxmlformats.org/officeDocument/2006/relationships" xmlns:p="http://schemas.openxmlformats.org/presentationml/2006/main" type="twoObj" preserve="1">
+<p:sldLayout xmlns:a="http://schemas.openxmlformats.org/drawingml/2006/main" xmlns:r="http://schemas.openxmlformats.org/officeDocument/2006/relationships" xmlns:mc="http://schemas.openxmlformats.org/markup-compatibility/2006" xmlns:mv="urn:schemas-microsoft-com:mac:vml" xmlns:p="http://schemas.openxmlformats.org/presentationml/2006/main" mc:Ignorable="mv" mc:PreserveAttributes="mv:*" type="twoObj" preserve="1">
   <p:cSld name="Two Content">
     <p:spTree>
       <p:nvGrpSpPr>
@@ -1753,7 +1785,8 @@
           <a:p>
             <a:fld id="{5857B85E-793F-44C6-87E5-E4AB0831A5C0}" type="datetimeFigureOut">
               <a:rPr lang="en-US" smtClean="0"/>
-              <a:t>7/23/2009</a:t>
+              <a:pPr/>
+              <a:t>7/23/09</a:t>
             </a:fld>
             <a:endParaRPr lang="en-US"/>
           </a:p>
@@ -1795,6 +1828,7 @@
           <a:p>
             <a:fld id="{FEE4A3A1-7EF4-4A77-8311-95E6C327EAAB}" type="slidenum">
               <a:rPr lang="en-US" smtClean="0"/>
+              <a:pPr/>
               <a:t>‹#›</a:t>
             </a:fld>
             <a:endParaRPr lang="en-US"/>
@@ -1810,7 +1844,7 @@
 </file>
 
 <file path=ppt/slideLayouts/slideLayout5.xml><?xml version="1.0" encoding="utf-8"?>
-<p:sldLayout xmlns:a="http://schemas.openxmlformats.org/drawingml/2006/main" xmlns:r="http://schemas.openxmlformats.org/officeDocument/2006/relationships" xmlns:p="http://schemas.openxmlformats.org/presentationml/2006/main" type="twoTxTwoObj" preserve="1">
+<p:sldLayout xmlns:a="http://schemas.openxmlformats.org/drawingml/2006/main" xmlns:r="http://schemas.openxmlformats.org/officeDocument/2006/relationships" xmlns:mc="http://schemas.openxmlformats.org/markup-compatibility/2006" xmlns:mv="urn:schemas-microsoft-com:mac:vml" xmlns:p="http://schemas.openxmlformats.org/presentationml/2006/main" mc:Ignorable="mv" mc:PreserveAttributes="mv:*" type="twoTxTwoObj" preserve="1">
   <p:cSld name="Comparison">
     <p:spTree>
       <p:nvGrpSpPr>
@@ -2170,7 +2204,8 @@
           <a:p>
             <a:fld id="{5857B85E-793F-44C6-87E5-E4AB0831A5C0}" type="datetimeFigureOut">
               <a:rPr lang="en-US" smtClean="0"/>
-              <a:t>7/23/2009</a:t>
+              <a:pPr/>
+              <a:t>7/23/09</a:t>
             </a:fld>
             <a:endParaRPr lang="en-US"/>
           </a:p>
@@ -2212,6 +2247,7 @@
           <a:p>
             <a:fld id="{FEE4A3A1-7EF4-4A77-8311-95E6C327EAAB}" type="slidenum">
               <a:rPr lang="en-US" smtClean="0"/>
+              <a:pPr/>
               <a:t>‹#›</a:t>
             </a:fld>
             <a:endParaRPr lang="en-US"/>
@@ -2227,7 +2263,7 @@
 </file>
 
 <file path=ppt/slideLayouts/slideLayout6.xml><?xml version="1.0" encoding="utf-8"?>
-<p:sldLayout xmlns:a="http://schemas.openxmlformats.org/drawingml/2006/main" xmlns:r="http://schemas.openxmlformats.org/officeDocument/2006/relationships" xmlns:p="http://schemas.openxmlformats.org/presentationml/2006/main" type="titleOnly" preserve="1">
+<p:sldLayout xmlns:a="http://schemas.openxmlformats.org/drawingml/2006/main" xmlns:r="http://schemas.openxmlformats.org/officeDocument/2006/relationships" xmlns:mc="http://schemas.openxmlformats.org/markup-compatibility/2006" xmlns:mv="urn:schemas-microsoft-com:mac:vml" xmlns:p="http://schemas.openxmlformats.org/presentationml/2006/main" mc:Ignorable="mv" mc:PreserveAttributes="mv:*" type="titleOnly" preserve="1">
   <p:cSld name="Title Only">
     <p:spTree>
       <p:nvGrpSpPr>
@@ -2283,7 +2319,8 @@
           <a:p>
             <a:fld id="{5857B85E-793F-44C6-87E5-E4AB0831A5C0}" type="datetimeFigureOut">
               <a:rPr lang="en-US" smtClean="0"/>
-              <a:t>7/23/2009</a:t>
+              <a:pPr/>
+              <a:t>7/23/09</a:t>
             </a:fld>
             <a:endParaRPr lang="en-US"/>
           </a:p>
@@ -2325,6 +2362,7 @@
           <a:p>
             <a:fld id="{FEE4A3A1-7EF4-4A77-8311-95E6C327EAAB}" type="slidenum">
               <a:rPr lang="en-US" smtClean="0"/>
+              <a:pPr/>
               <a:t>‹#›</a:t>
             </a:fld>
             <a:endParaRPr lang="en-US"/>
@@ -2340,7 +2378,7 @@
 </file>
 
 <file path=ppt/slideLayouts/slideLayout7.xml><?xml version="1.0" encoding="utf-8"?>
-<p:sldLayout xmlns:a="http://schemas.openxmlformats.org/drawingml/2006/main" xmlns:r="http://schemas.openxmlformats.org/officeDocument/2006/relationships" xmlns:p="http://schemas.openxmlformats.org/presentationml/2006/main" type="blank" preserve="1">
+<p:sldLayout xmlns:a="http://schemas.openxmlformats.org/drawingml/2006/main" xmlns:r="http://schemas.openxmlformats.org/officeDocument/2006/relationships" xmlns:mc="http://schemas.openxmlformats.org/markup-compatibility/2006" xmlns:mv="urn:schemas-microsoft-com:mac:vml" xmlns:p="http://schemas.openxmlformats.org/presentationml/2006/main" mc:Ignorable="mv" mc:PreserveAttributes="mv:*" type="blank" preserve="1">
   <p:cSld name="Blank">
     <p:spTree>
       <p:nvGrpSpPr>
@@ -2373,7 +2411,8 @@
           <a:p>
             <a:fld id="{5857B85E-793F-44C6-87E5-E4AB0831A5C0}" type="datetimeFigureOut">
               <a:rPr lang="en-US" smtClean="0"/>
-              <a:t>7/23/2009</a:t>
+              <a:pPr/>
+              <a:t>7/23/09</a:t>
             </a:fld>
             <a:endParaRPr lang="en-US"/>
           </a:p>
@@ -2415,6 +2454,7 @@
           <a:p>
             <a:fld id="{FEE4A3A1-7EF4-4A77-8311-95E6C327EAAB}" type="slidenum">
               <a:rPr lang="en-US" smtClean="0"/>
+              <a:pPr/>
               <a:t>‹#›</a:t>
             </a:fld>
             <a:endParaRPr lang="en-US"/>
@@ -2430,7 +2470,7 @@
 </file>
 
 <file path=ppt/slideLayouts/slideLayout8.xml><?xml version="1.0" encoding="utf-8"?>
-<p:sldLayout xmlns:a="http://schemas.openxmlformats.org/drawingml/2006/main" xmlns:r="http://schemas.openxmlformats.org/officeDocument/2006/relationships" xmlns:p="http://schemas.openxmlformats.org/presentationml/2006/main" type="objTx" preserve="1">
+<p:sldLayout xmlns:a="http://schemas.openxmlformats.org/drawingml/2006/main" xmlns:r="http://schemas.openxmlformats.org/officeDocument/2006/relationships" xmlns:mc="http://schemas.openxmlformats.org/markup-compatibility/2006" xmlns:mv="urn:schemas-microsoft-com:mac:vml" xmlns:p="http://schemas.openxmlformats.org/presentationml/2006/main" mc:Ignorable="mv" mc:PreserveAttributes="mv:*" type="objTx" preserve="1">
   <p:cSld name="Content with Caption">
     <p:spTree>
       <p:nvGrpSpPr>
@@ -2645,7 +2685,8 @@
           <a:p>
             <a:fld id="{5857B85E-793F-44C6-87E5-E4AB0831A5C0}" type="datetimeFigureOut">
               <a:rPr lang="en-US" smtClean="0"/>
-              <a:t>7/23/2009</a:t>
+              <a:pPr/>
+              <a:t>7/23/09</a:t>
             </a:fld>
             <a:endParaRPr lang="en-US"/>
           </a:p>
@@ -2687,6 +2728,7 @@
           <a:p>
             <a:fld id="{FEE4A3A1-7EF4-4A77-8311-95E6C327EAAB}" type="slidenum">
               <a:rPr lang="en-US" smtClean="0"/>
+              <a:pPr/>
               <a:t>‹#›</a:t>
             </a:fld>
             <a:endParaRPr lang="en-US"/>
@@ -2702,7 +2744,7 @@
 </file>
 
 <file path=ppt/slideLayouts/slideLayout9.xml><?xml version="1.0" encoding="utf-8"?>
-<p:sldLayout xmlns:a="http://schemas.openxmlformats.org/drawingml/2006/main" xmlns:r="http://schemas.openxmlformats.org/officeDocument/2006/relationships" xmlns:p="http://schemas.openxmlformats.org/presentationml/2006/main" type="picTx" preserve="1">
+<p:sldLayout xmlns:a="http://schemas.openxmlformats.org/drawingml/2006/main" xmlns:r="http://schemas.openxmlformats.org/officeDocument/2006/relationships" xmlns:mc="http://schemas.openxmlformats.org/markup-compatibility/2006" xmlns:mv="urn:schemas-microsoft-com:mac:vml" xmlns:p="http://schemas.openxmlformats.org/presentationml/2006/main" mc:Ignorable="mv" mc:PreserveAttributes="mv:*" type="picTx" preserve="1">
   <p:cSld name="Picture with Caption">
     <p:spTree>
       <p:nvGrpSpPr>
@@ -2893,7 +2935,8 @@
           <a:p>
             <a:fld id="{5857B85E-793F-44C6-87E5-E4AB0831A5C0}" type="datetimeFigureOut">
               <a:rPr lang="en-US" smtClean="0"/>
-              <a:t>7/23/2009</a:t>
+              <a:pPr/>
+              <a:t>7/23/09</a:t>
             </a:fld>
             <a:endParaRPr lang="en-US"/>
           </a:p>
@@ -2935,6 +2978,7 @@
           <a:p>
             <a:fld id="{FEE4A3A1-7EF4-4A77-8311-95E6C327EAAB}" type="slidenum">
               <a:rPr lang="en-US" smtClean="0"/>
+              <a:pPr/>
               <a:t>‹#›</a:t>
             </a:fld>
             <a:endParaRPr lang="en-US"/>
@@ -2950,7 +2994,7 @@
 </file>
 
 <file path=ppt/slideMasters/slideMaster1.xml><?xml version="1.0" encoding="utf-8"?>
-<p:sldMaster xmlns:a="http://schemas.openxmlformats.org/drawingml/2006/main" xmlns:r="http://schemas.openxmlformats.org/officeDocument/2006/relationships" xmlns:p="http://schemas.openxmlformats.org/presentationml/2006/main">
+<p:sldMaster xmlns:a="http://schemas.openxmlformats.org/drawingml/2006/main" xmlns:r="http://schemas.openxmlformats.org/officeDocument/2006/relationships" xmlns:mc="http://schemas.openxmlformats.org/markup-compatibility/2006" xmlns:mv="urn:schemas-microsoft-com:mac:vml" xmlns:p="http://schemas.openxmlformats.org/presentationml/2006/main" mc:Ignorable="mv" mc:PreserveAttributes="mv:*">
   <p:cSld>
     <p:bg>
       <p:bgRef idx="1001">
@@ -3101,7 +3145,8 @@
           <a:p>
             <a:fld id="{5857B85E-793F-44C6-87E5-E4AB0831A5C0}" type="datetimeFigureOut">
               <a:rPr lang="en-US" smtClean="0"/>
-              <a:t>7/23/2009</a:t>
+              <a:pPr/>
+              <a:t>7/23/09</a:t>
             </a:fld>
             <a:endParaRPr lang="en-US"/>
           </a:p>
@@ -3179,6 +3224,7 @@
           <a:p>
             <a:fld id="{FEE4A3A1-7EF4-4A77-8311-95E6C327EAAB}" type="slidenum">
               <a:rPr lang="en-US" smtClean="0"/>
+              <a:pPr/>
               <a:t>‹#›</a:t>
             </a:fld>
             <a:endParaRPr lang="en-US"/>
@@ -3455,7 +3501,7 @@
 </file>
 
 <file path=ppt/slides/slide1.xml><?xml version="1.0" encoding="utf-8"?>
-<p:sld xmlns:a="http://schemas.openxmlformats.org/drawingml/2006/main" xmlns:r="http://schemas.openxmlformats.org/officeDocument/2006/relationships" xmlns:p="http://schemas.openxmlformats.org/presentationml/2006/main">
+<p:sld xmlns:a="http://schemas.openxmlformats.org/drawingml/2006/main" xmlns:r="http://schemas.openxmlformats.org/officeDocument/2006/relationships" xmlns:mc="http://schemas.openxmlformats.org/markup-compatibility/2006" xmlns:mv="urn:schemas-microsoft-com:mac:vml" xmlns:p="http://schemas.openxmlformats.org/presentationml/2006/main" mc:Ignorable="mv" mc:PreserveAttributes="mv:*">
   <p:cSld>
     <p:bg>
       <p:bgPr>
@@ -4228,15 +4274,7 @@
             <a:pPr algn="ctr"/>
             <a:r>
               <a:rPr lang="en-US" sz="1400" b="1" dirty="0" smtClean="0"/>
-              <a:t>The OBI Consortium</a:t>
-            </a:r>
-            <a:r>
-              <a:rPr lang="en-US" sz="1400" b="1" dirty="0" smtClean="0"/>
-              <a:t>*</a:t>
-            </a:r>
-            <a:r>
-              <a:rPr lang="en-US" sz="1400" b="1" dirty="0" smtClean="0"/>
-              <a:t>, </a:t>
+              <a:t>The OBI Consortium*, </a:t>
             </a:r>
             <a:r>
               <a:rPr lang="en-US" sz="1400" b="1" u="sng" dirty="0" smtClean="0"/>
@@ -4294,7 +4332,7 @@
         <p:spPr>
           <a:xfrm>
             <a:off x="152400" y="792540"/>
-            <a:ext cx="6553200" cy="1569660"/>
+            <a:ext cx="6553200" cy="1754327"/>
           </a:xfrm>
           <a:prstGeom prst="rect">
             <a:avLst/>
@@ -4310,11 +4348,7 @@
             <a:pPr algn="just"/>
             <a:r>
               <a:rPr lang="en-US" sz="1200" i="1" dirty="0" smtClean="0"/>
-              <a:t>The goal of OBI is to enable a formal representation of biomedical investigations that captures the experimental evidence on which their findings are based. </a:t>
-            </a:r>
-            <a:r>
-              <a:rPr lang="en-US" sz="1200" i="1" dirty="0" smtClean="0"/>
-              <a:t>OBI allows for the comparison of experimental data from the wide array of scientific disciplines represented by domain experts in the OBI consortium. OBI follows the principles laid out by the OBO foundry, and integrates tightly with other foundry candidate ontologies, such as GO and </a:t>
+              <a:t>The goal of OBI is to enable a formal representation of biomedical investigations that captures the experimental evidence on which their findings are based. OBI allows for the comparison of experimental data from the wide array of scientific disciplines represented by domain experts in the OBI consortium. OBI follows the principles laid out by the OBO foundry, and integrates tightly with other foundry candidate ontologies, such as GO and </a:t>
             </a:r>
             <a:r>
               <a:rPr lang="en-US" sz="1200" i="1" dirty="0" err="1" smtClean="0"/>
@@ -4326,7 +4360,15 @@
             </a:r>
             <a:r>
               <a:rPr lang="en-US" sz="1200" i="1" dirty="0" smtClean="0"/>
-              <a:t>whose terms are used to describe biological reality. The use of OBI by the scientific community to represent or annotate their investigations within electronic data resources will alleviate need for lower accuracy text mining and enable semantic web searches and third-party understanding of information related to life-science and clinical investigations.</a:t>
+              <a:t>whose terms are used to describe biological reality. The use of OBI by the scientific community to represent or annotate their investigations within electronic data resources will </a:t>
+            </a:r>
+            <a:r>
+              <a:rPr lang="en-US" sz="1200" i="1" dirty="0" smtClean="0"/>
+              <a:t>alleviate the </a:t>
+            </a:r>
+            <a:r>
+              <a:rPr lang="en-US" sz="1200" i="1" dirty="0" smtClean="0"/>
+              <a:t>need for lower accuracy text mining and enable semantic web searches and third-party understanding of information related to life-science and clinical investigations.</a:t>
             </a:r>
             <a:endParaRPr lang="en-US" sz="1200" dirty="0"/>
           </a:p>
@@ -4611,16 +4653,25 @@
               <a:rPr lang="en-US" sz="1400" b="1" dirty="0" smtClean="0"/>
               <a:t>Partial high-level is-a hierarchy of OBI classes. </a:t>
             </a:r>
+            <a:endParaRPr lang="en-US" sz="1400" b="1" dirty="0" smtClean="0"/>
           </a:p>
           <a:p>
             <a:pPr algn="just"/>
             <a:r>
+              <a:rPr lang="en-US" sz="1000" dirty="0" smtClean="0"/>
+              <a:t>Under the Basic Formal Ontology (BFO) </a:t>
+            </a:r>
+            <a:r>
               <a:rPr lang="en-US" sz="1000" i="1" dirty="0" smtClean="0"/>
-              <a:t>material entity </a:t>
+              <a:t>material entity, </a:t>
             </a:r>
             <a:r>
               <a:rPr lang="en-US" sz="1000" dirty="0" smtClean="0"/>
-              <a:t>is a BFO class, and incorporates all entities with mass. As children, several classes are imported from outside ontologies (indicated in red). The </a:t>
+              <a:t>several </a:t>
+            </a:r>
+            <a:r>
+              <a:rPr lang="en-US" sz="1000" dirty="0" smtClean="0"/>
+              <a:t>classes are imported from outside ontologies (indicated in red). The </a:t>
             </a:r>
             <a:r>
               <a:rPr lang="en-US" sz="1000" i="1" dirty="0" smtClean="0"/>
@@ -4628,7 +4679,23 @@
             </a:r>
             <a:r>
               <a:rPr lang="en-US" sz="1000" dirty="0" smtClean="0"/>
-              <a:t> class entities that were generated in a planned process, meaning that they were intentionally created. </a:t>
+              <a:t> class</a:t>
+            </a:r>
+            <a:r>
+              <a:rPr lang="en-US" sz="1000" dirty="0" smtClean="0"/>
+              <a:t> represents entities </a:t>
+            </a:r>
+            <a:r>
+              <a:rPr lang="en-US" sz="1000" dirty="0" smtClean="0"/>
+              <a:t>that were generated in a planned </a:t>
+            </a:r>
+            <a:r>
+              <a:rPr lang="en-US" sz="1000" dirty="0" smtClean="0"/>
+              <a:t>process</a:t>
+            </a:r>
+            <a:r>
+              <a:rPr lang="en-US" sz="1000" dirty="0" smtClean="0"/>
+              <a:t>, meaning that they were intentionally created. </a:t>
             </a:r>
           </a:p>
           <a:p>

--- a/docs/posters/general_ICBO 2009/Poster.pptx
+++ b/docs/posters/general_ICBO 2009/Poster.pptx
@@ -1,6 +1,6 @@
 
 <file path=ppt/presentation.xml><?xml version="1.0" encoding="utf-8"?>
-<p:presentation xmlns:a="http://schemas.openxmlformats.org/drawingml/2006/main" xmlns:r="http://schemas.openxmlformats.org/officeDocument/2006/relationships" xmlns:mc="http://schemas.openxmlformats.org/markup-compatibility/2006" xmlns:mv="urn:schemas-microsoft-com:mac:vml" xmlns:p="http://schemas.openxmlformats.org/presentationml/2006/main" mc:Ignorable="mv" mc:PreserveAttributes="mv:*" saveSubsetFonts="1">
+<p:presentation xmlns:a="http://schemas.openxmlformats.org/drawingml/2006/main" xmlns:r="http://schemas.openxmlformats.org/officeDocument/2006/relationships" xmlns:p="http://schemas.openxmlformats.org/presentationml/2006/main" saveSubsetFonts="1">
   <p:sldMasterIdLst>
     <p:sldMasterId id="2147483648" r:id="rId1"/>
   </p:sldMasterIdLst>
@@ -111,26 +111,13 @@
 </file>
 
 <file path=ppt/commentAuthors.xml><?xml version="1.0" encoding="utf-8"?>
-<p:cmAuthorLst xmlns:a="http://schemas.openxmlformats.org/drawingml/2006/main" xmlns:r="http://schemas.openxmlformats.org/officeDocument/2006/relationships" xmlns:mc="http://schemas.openxmlformats.org/markup-compatibility/2006" xmlns:mv="urn:schemas-microsoft-com:mac:vml" xmlns:p="http://schemas.openxmlformats.org/presentationml/2006/main" mc:Ignorable="mv" mc:PreserveAttributes="mv:*">
+<p:cmAuthorLst xmlns:a="http://schemas.openxmlformats.org/drawingml/2006/main" xmlns:r="http://schemas.openxmlformats.org/officeDocument/2006/relationships" xmlns:p="http://schemas.openxmlformats.org/presentationml/2006/main">
   <p:cmAuthor id="0" name="Melanie Courtot" initials="CS" lastIdx="2" clrIdx="0"/>
 </p:cmAuthorLst>
 </file>
 
-<file path=ppt/comments/comment1.xml><?xml version="1.0" encoding="utf-8"?>
-<p:cmLst xmlns:a="http://schemas.openxmlformats.org/drawingml/2006/main" xmlns:r="http://schemas.openxmlformats.org/officeDocument/2006/relationships" xmlns:mc="http://schemas.openxmlformats.org/markup-compatibility/2006" xmlns:mv="urn:schemas-microsoft-com:mac:vml" xmlns:p="http://schemas.openxmlformats.org/presentationml/2006/main" mc:Ignorable="mv" mc:PreserveAttributes="mv:*">
-  <p:cm authorId="0" dt="2009-07-23T14:55:33.673" idx="1">
-    <p:pos x="2376" y="984"/>
-    <p:text>expand and cite</p:text>
-  </p:cm>
-  <p:cm authorId="0" dt="2009-07-23T15:01:04.813" idx="2">
-    <p:pos x="1568" y="1832"/>
-    <p:text>cite</p:text>
-  </p:cm>
-</p:cmLst>
-</file>
-
 <file path=ppt/notesMasters/notesMaster1.xml><?xml version="1.0" encoding="utf-8"?>
-<p:notesMaster xmlns:a="http://schemas.openxmlformats.org/drawingml/2006/main" xmlns:r="http://schemas.openxmlformats.org/officeDocument/2006/relationships" xmlns:mc="http://schemas.openxmlformats.org/markup-compatibility/2006" xmlns:mv="urn:schemas-microsoft-com:mac:vml" xmlns:p="http://schemas.openxmlformats.org/presentationml/2006/main" mc:Ignorable="mv" mc:PreserveAttributes="mv:*">
+<p:notesMaster xmlns:a="http://schemas.openxmlformats.org/drawingml/2006/main" xmlns:r="http://schemas.openxmlformats.org/officeDocument/2006/relationships" xmlns:p="http://schemas.openxmlformats.org/presentationml/2006/main">
   <p:cSld>
     <p:bg>
       <p:bgRef idx="1001">
@@ -212,7 +199,7 @@
             <a:fld id="{C43C3973-7D2A-44FF-B793-9C9CC3912CA6}" type="datetimeFigureOut">
               <a:rPr lang="en-US" smtClean="0"/>
               <a:pPr/>
-              <a:t>7/23/09</a:t>
+              <a:t>7/24/2009</a:t>
             </a:fld>
             <a:endParaRPr lang="en-US"/>
           </a:p>
@@ -479,7 +466,7 @@
 </file>
 
 <file path=ppt/notesSlides/notesSlide1.xml><?xml version="1.0" encoding="utf-8"?>
-<p:notes xmlns:a="http://schemas.openxmlformats.org/drawingml/2006/main" xmlns:r="http://schemas.openxmlformats.org/officeDocument/2006/relationships" xmlns:mc="http://schemas.openxmlformats.org/markup-compatibility/2006" xmlns:mv="urn:schemas-microsoft-com:mac:vml" xmlns:p="http://schemas.openxmlformats.org/presentationml/2006/main" mc:Ignorable="mv" mc:PreserveAttributes="mv:*">
+<p:notes xmlns:a="http://schemas.openxmlformats.org/drawingml/2006/main" xmlns:r="http://schemas.openxmlformats.org/officeDocument/2006/relationships" xmlns:p="http://schemas.openxmlformats.org/presentationml/2006/main">
   <p:cSld>
     <p:spTree>
       <p:nvGrpSpPr>
@@ -566,7 +553,7 @@
 </file>
 
 <file path=ppt/slideLayouts/slideLayout1.xml><?xml version="1.0" encoding="utf-8"?>
-<p:sldLayout xmlns:a="http://schemas.openxmlformats.org/drawingml/2006/main" xmlns:r="http://schemas.openxmlformats.org/officeDocument/2006/relationships" xmlns:mc="http://schemas.openxmlformats.org/markup-compatibility/2006" xmlns:mv="urn:schemas-microsoft-com:mac:vml" xmlns:p="http://schemas.openxmlformats.org/presentationml/2006/main" mc:Ignorable="mv" mc:PreserveAttributes="mv:*" type="title" preserve="1">
+<p:sldLayout xmlns:a="http://schemas.openxmlformats.org/drawingml/2006/main" xmlns:r="http://schemas.openxmlformats.org/officeDocument/2006/relationships" xmlns:p="http://schemas.openxmlformats.org/presentationml/2006/main" type="title" preserve="1">
   <p:cSld name="Title Slide">
     <p:spTree>
       <p:nvGrpSpPr>
@@ -747,7 +734,7 @@
             <a:fld id="{5857B85E-793F-44C6-87E5-E4AB0831A5C0}" type="datetimeFigureOut">
               <a:rPr lang="en-US" smtClean="0"/>
               <a:pPr/>
-              <a:t>7/23/09</a:t>
+              <a:t>7/24/2009</a:t>
             </a:fld>
             <a:endParaRPr lang="en-US"/>
           </a:p>
@@ -805,7 +792,7 @@
 </file>
 
 <file path=ppt/slideLayouts/slideLayout10.xml><?xml version="1.0" encoding="utf-8"?>
-<p:sldLayout xmlns:a="http://schemas.openxmlformats.org/drawingml/2006/main" xmlns:r="http://schemas.openxmlformats.org/officeDocument/2006/relationships" xmlns:mc="http://schemas.openxmlformats.org/markup-compatibility/2006" xmlns:mv="urn:schemas-microsoft-com:mac:vml" xmlns:p="http://schemas.openxmlformats.org/presentationml/2006/main" mc:Ignorable="mv" mc:PreserveAttributes="mv:*" type="vertTx" preserve="1">
+<p:sldLayout xmlns:a="http://schemas.openxmlformats.org/drawingml/2006/main" xmlns:r="http://schemas.openxmlformats.org/officeDocument/2006/relationships" xmlns:p="http://schemas.openxmlformats.org/presentationml/2006/main" type="vertTx" preserve="1">
   <p:cSld name="Title and Vertical Text">
     <p:spTree>
       <p:nvGrpSpPr>
@@ -914,7 +901,7 @@
             <a:fld id="{5857B85E-793F-44C6-87E5-E4AB0831A5C0}" type="datetimeFigureOut">
               <a:rPr lang="en-US" smtClean="0"/>
               <a:pPr/>
-              <a:t>7/23/09</a:t>
+              <a:t>7/24/2009</a:t>
             </a:fld>
             <a:endParaRPr lang="en-US"/>
           </a:p>
@@ -972,7 +959,7 @@
 </file>
 
 <file path=ppt/slideLayouts/slideLayout11.xml><?xml version="1.0" encoding="utf-8"?>
-<p:sldLayout xmlns:a="http://schemas.openxmlformats.org/drawingml/2006/main" xmlns:r="http://schemas.openxmlformats.org/officeDocument/2006/relationships" xmlns:mc="http://schemas.openxmlformats.org/markup-compatibility/2006" xmlns:mv="urn:schemas-microsoft-com:mac:vml" xmlns:p="http://schemas.openxmlformats.org/presentationml/2006/main" mc:Ignorable="mv" mc:PreserveAttributes="mv:*" type="vertTitleAndTx" preserve="1">
+<p:sldLayout xmlns:a="http://schemas.openxmlformats.org/drawingml/2006/main" xmlns:r="http://schemas.openxmlformats.org/officeDocument/2006/relationships" xmlns:p="http://schemas.openxmlformats.org/presentationml/2006/main" type="vertTitleAndTx" preserve="1">
   <p:cSld name="Vertical Title and Text">
     <p:spTree>
       <p:nvGrpSpPr>
@@ -1091,7 +1078,7 @@
             <a:fld id="{5857B85E-793F-44C6-87E5-E4AB0831A5C0}" type="datetimeFigureOut">
               <a:rPr lang="en-US" smtClean="0"/>
               <a:pPr/>
-              <a:t>7/23/09</a:t>
+              <a:t>7/24/2009</a:t>
             </a:fld>
             <a:endParaRPr lang="en-US"/>
           </a:p>
@@ -1149,7 +1136,7 @@
 </file>
 
 <file path=ppt/slideLayouts/slideLayout2.xml><?xml version="1.0" encoding="utf-8"?>
-<p:sldLayout xmlns:a="http://schemas.openxmlformats.org/drawingml/2006/main" xmlns:r="http://schemas.openxmlformats.org/officeDocument/2006/relationships" xmlns:mc="http://schemas.openxmlformats.org/markup-compatibility/2006" xmlns:mv="urn:schemas-microsoft-com:mac:vml" xmlns:p="http://schemas.openxmlformats.org/presentationml/2006/main" mc:Ignorable="mv" mc:PreserveAttributes="mv:*" type="obj" preserve="1">
+<p:sldLayout xmlns:a="http://schemas.openxmlformats.org/drawingml/2006/main" xmlns:r="http://schemas.openxmlformats.org/officeDocument/2006/relationships" xmlns:p="http://schemas.openxmlformats.org/presentationml/2006/main" type="obj" preserve="1">
   <p:cSld name="Title and Content">
     <p:spTree>
       <p:nvGrpSpPr>
@@ -1258,7 +1245,7 @@
             <a:fld id="{5857B85E-793F-44C6-87E5-E4AB0831A5C0}" type="datetimeFigureOut">
               <a:rPr lang="en-US" smtClean="0"/>
               <a:pPr/>
-              <a:t>7/23/09</a:t>
+              <a:t>7/24/2009</a:t>
             </a:fld>
             <a:endParaRPr lang="en-US"/>
           </a:p>
@@ -1316,7 +1303,7 @@
 </file>
 
 <file path=ppt/slideLayouts/slideLayout3.xml><?xml version="1.0" encoding="utf-8"?>
-<p:sldLayout xmlns:a="http://schemas.openxmlformats.org/drawingml/2006/main" xmlns:r="http://schemas.openxmlformats.org/officeDocument/2006/relationships" xmlns:mc="http://schemas.openxmlformats.org/markup-compatibility/2006" xmlns:mv="urn:schemas-microsoft-com:mac:vml" xmlns:p="http://schemas.openxmlformats.org/presentationml/2006/main" mc:Ignorable="mv" mc:PreserveAttributes="mv:*" type="secHead" preserve="1">
+<p:sldLayout xmlns:a="http://schemas.openxmlformats.org/drawingml/2006/main" xmlns:r="http://schemas.openxmlformats.org/officeDocument/2006/relationships" xmlns:p="http://schemas.openxmlformats.org/presentationml/2006/main" type="secHead" preserve="1">
   <p:cSld name="Section Header">
     <p:spTree>
       <p:nvGrpSpPr>
@@ -1501,7 +1488,7 @@
             <a:fld id="{5857B85E-793F-44C6-87E5-E4AB0831A5C0}" type="datetimeFigureOut">
               <a:rPr lang="en-US" smtClean="0"/>
               <a:pPr/>
-              <a:t>7/23/09</a:t>
+              <a:t>7/24/2009</a:t>
             </a:fld>
             <a:endParaRPr lang="en-US"/>
           </a:p>
@@ -1559,7 +1546,7 @@
 </file>
 
 <file path=ppt/slideLayouts/slideLayout4.xml><?xml version="1.0" encoding="utf-8"?>
-<p:sldLayout xmlns:a="http://schemas.openxmlformats.org/drawingml/2006/main" xmlns:r="http://schemas.openxmlformats.org/officeDocument/2006/relationships" xmlns:mc="http://schemas.openxmlformats.org/markup-compatibility/2006" xmlns:mv="urn:schemas-microsoft-com:mac:vml" xmlns:p="http://schemas.openxmlformats.org/presentationml/2006/main" mc:Ignorable="mv" mc:PreserveAttributes="mv:*" type="twoObj" preserve="1">
+<p:sldLayout xmlns:a="http://schemas.openxmlformats.org/drawingml/2006/main" xmlns:r="http://schemas.openxmlformats.org/officeDocument/2006/relationships" xmlns:p="http://schemas.openxmlformats.org/presentationml/2006/main" type="twoObj" preserve="1">
   <p:cSld name="Two Content">
     <p:spTree>
       <p:nvGrpSpPr>
@@ -1786,7 +1773,7 @@
             <a:fld id="{5857B85E-793F-44C6-87E5-E4AB0831A5C0}" type="datetimeFigureOut">
               <a:rPr lang="en-US" smtClean="0"/>
               <a:pPr/>
-              <a:t>7/23/09</a:t>
+              <a:t>7/24/2009</a:t>
             </a:fld>
             <a:endParaRPr lang="en-US"/>
           </a:p>
@@ -1844,7 +1831,7 @@
 </file>
 
 <file path=ppt/slideLayouts/slideLayout5.xml><?xml version="1.0" encoding="utf-8"?>
-<p:sldLayout xmlns:a="http://schemas.openxmlformats.org/drawingml/2006/main" xmlns:r="http://schemas.openxmlformats.org/officeDocument/2006/relationships" xmlns:mc="http://schemas.openxmlformats.org/markup-compatibility/2006" xmlns:mv="urn:schemas-microsoft-com:mac:vml" xmlns:p="http://schemas.openxmlformats.org/presentationml/2006/main" mc:Ignorable="mv" mc:PreserveAttributes="mv:*" type="twoTxTwoObj" preserve="1">
+<p:sldLayout xmlns:a="http://schemas.openxmlformats.org/drawingml/2006/main" xmlns:r="http://schemas.openxmlformats.org/officeDocument/2006/relationships" xmlns:p="http://schemas.openxmlformats.org/presentationml/2006/main" type="twoTxTwoObj" preserve="1">
   <p:cSld name="Comparison">
     <p:spTree>
       <p:nvGrpSpPr>
@@ -2205,7 +2192,7 @@
             <a:fld id="{5857B85E-793F-44C6-87E5-E4AB0831A5C0}" type="datetimeFigureOut">
               <a:rPr lang="en-US" smtClean="0"/>
               <a:pPr/>
-              <a:t>7/23/09</a:t>
+              <a:t>7/24/2009</a:t>
             </a:fld>
             <a:endParaRPr lang="en-US"/>
           </a:p>
@@ -2263,7 +2250,7 @@
 </file>
 
 <file path=ppt/slideLayouts/slideLayout6.xml><?xml version="1.0" encoding="utf-8"?>
-<p:sldLayout xmlns:a="http://schemas.openxmlformats.org/drawingml/2006/main" xmlns:r="http://schemas.openxmlformats.org/officeDocument/2006/relationships" xmlns:mc="http://schemas.openxmlformats.org/markup-compatibility/2006" xmlns:mv="urn:schemas-microsoft-com:mac:vml" xmlns:p="http://schemas.openxmlformats.org/presentationml/2006/main" mc:Ignorable="mv" mc:PreserveAttributes="mv:*" type="titleOnly" preserve="1">
+<p:sldLayout xmlns:a="http://schemas.openxmlformats.org/drawingml/2006/main" xmlns:r="http://schemas.openxmlformats.org/officeDocument/2006/relationships" xmlns:p="http://schemas.openxmlformats.org/presentationml/2006/main" type="titleOnly" preserve="1">
   <p:cSld name="Title Only">
     <p:spTree>
       <p:nvGrpSpPr>
@@ -2320,7 +2307,7 @@
             <a:fld id="{5857B85E-793F-44C6-87E5-E4AB0831A5C0}" type="datetimeFigureOut">
               <a:rPr lang="en-US" smtClean="0"/>
               <a:pPr/>
-              <a:t>7/23/09</a:t>
+              <a:t>7/24/2009</a:t>
             </a:fld>
             <a:endParaRPr lang="en-US"/>
           </a:p>
@@ -2378,7 +2365,7 @@
 </file>
 
 <file path=ppt/slideLayouts/slideLayout7.xml><?xml version="1.0" encoding="utf-8"?>
-<p:sldLayout xmlns:a="http://schemas.openxmlformats.org/drawingml/2006/main" xmlns:r="http://schemas.openxmlformats.org/officeDocument/2006/relationships" xmlns:mc="http://schemas.openxmlformats.org/markup-compatibility/2006" xmlns:mv="urn:schemas-microsoft-com:mac:vml" xmlns:p="http://schemas.openxmlformats.org/presentationml/2006/main" mc:Ignorable="mv" mc:PreserveAttributes="mv:*" type="blank" preserve="1">
+<p:sldLayout xmlns:a="http://schemas.openxmlformats.org/drawingml/2006/main" xmlns:r="http://schemas.openxmlformats.org/officeDocument/2006/relationships" xmlns:p="http://schemas.openxmlformats.org/presentationml/2006/main" type="blank" preserve="1">
   <p:cSld name="Blank">
     <p:spTree>
       <p:nvGrpSpPr>
@@ -2412,7 +2399,7 @@
             <a:fld id="{5857B85E-793F-44C6-87E5-E4AB0831A5C0}" type="datetimeFigureOut">
               <a:rPr lang="en-US" smtClean="0"/>
               <a:pPr/>
-              <a:t>7/23/09</a:t>
+              <a:t>7/24/2009</a:t>
             </a:fld>
             <a:endParaRPr lang="en-US"/>
           </a:p>
@@ -2470,7 +2457,7 @@
 </file>
 
 <file path=ppt/slideLayouts/slideLayout8.xml><?xml version="1.0" encoding="utf-8"?>
-<p:sldLayout xmlns:a="http://schemas.openxmlformats.org/drawingml/2006/main" xmlns:r="http://schemas.openxmlformats.org/officeDocument/2006/relationships" xmlns:mc="http://schemas.openxmlformats.org/markup-compatibility/2006" xmlns:mv="urn:schemas-microsoft-com:mac:vml" xmlns:p="http://schemas.openxmlformats.org/presentationml/2006/main" mc:Ignorable="mv" mc:PreserveAttributes="mv:*" type="objTx" preserve="1">
+<p:sldLayout xmlns:a="http://schemas.openxmlformats.org/drawingml/2006/main" xmlns:r="http://schemas.openxmlformats.org/officeDocument/2006/relationships" xmlns:p="http://schemas.openxmlformats.org/presentationml/2006/main" type="objTx" preserve="1">
   <p:cSld name="Content with Caption">
     <p:spTree>
       <p:nvGrpSpPr>
@@ -2686,7 +2673,7 @@
             <a:fld id="{5857B85E-793F-44C6-87E5-E4AB0831A5C0}" type="datetimeFigureOut">
               <a:rPr lang="en-US" smtClean="0"/>
               <a:pPr/>
-              <a:t>7/23/09</a:t>
+              <a:t>7/24/2009</a:t>
             </a:fld>
             <a:endParaRPr lang="en-US"/>
           </a:p>
@@ -2744,7 +2731,7 @@
 </file>
 
 <file path=ppt/slideLayouts/slideLayout9.xml><?xml version="1.0" encoding="utf-8"?>
-<p:sldLayout xmlns:a="http://schemas.openxmlformats.org/drawingml/2006/main" xmlns:r="http://schemas.openxmlformats.org/officeDocument/2006/relationships" xmlns:mc="http://schemas.openxmlformats.org/markup-compatibility/2006" xmlns:mv="urn:schemas-microsoft-com:mac:vml" xmlns:p="http://schemas.openxmlformats.org/presentationml/2006/main" mc:Ignorable="mv" mc:PreserveAttributes="mv:*" type="picTx" preserve="1">
+<p:sldLayout xmlns:a="http://schemas.openxmlformats.org/drawingml/2006/main" xmlns:r="http://schemas.openxmlformats.org/officeDocument/2006/relationships" xmlns:p="http://schemas.openxmlformats.org/presentationml/2006/main" type="picTx" preserve="1">
   <p:cSld name="Picture with Caption">
     <p:spTree>
       <p:nvGrpSpPr>
@@ -2936,7 +2923,7 @@
             <a:fld id="{5857B85E-793F-44C6-87E5-E4AB0831A5C0}" type="datetimeFigureOut">
               <a:rPr lang="en-US" smtClean="0"/>
               <a:pPr/>
-              <a:t>7/23/09</a:t>
+              <a:t>7/24/2009</a:t>
             </a:fld>
             <a:endParaRPr lang="en-US"/>
           </a:p>
@@ -2994,7 +2981,7 @@
 </file>
 
 <file path=ppt/slideMasters/slideMaster1.xml><?xml version="1.0" encoding="utf-8"?>
-<p:sldMaster xmlns:a="http://schemas.openxmlformats.org/drawingml/2006/main" xmlns:r="http://schemas.openxmlformats.org/officeDocument/2006/relationships" xmlns:mc="http://schemas.openxmlformats.org/markup-compatibility/2006" xmlns:mv="urn:schemas-microsoft-com:mac:vml" xmlns:p="http://schemas.openxmlformats.org/presentationml/2006/main" mc:Ignorable="mv" mc:PreserveAttributes="mv:*">
+<p:sldMaster xmlns:a="http://schemas.openxmlformats.org/drawingml/2006/main" xmlns:r="http://schemas.openxmlformats.org/officeDocument/2006/relationships" xmlns:p="http://schemas.openxmlformats.org/presentationml/2006/main">
   <p:cSld>
     <p:bg>
       <p:bgRef idx="1001">
@@ -3146,7 +3133,7 @@
             <a:fld id="{5857B85E-793F-44C6-87E5-E4AB0831A5C0}" type="datetimeFigureOut">
               <a:rPr lang="en-US" smtClean="0"/>
               <a:pPr/>
-              <a:t>7/23/09</a:t>
+              <a:t>7/24/2009</a:t>
             </a:fld>
             <a:endParaRPr lang="en-US"/>
           </a:p>
@@ -3501,7 +3488,7 @@
 </file>
 
 <file path=ppt/slides/slide1.xml><?xml version="1.0" encoding="utf-8"?>
-<p:sld xmlns:a="http://schemas.openxmlformats.org/drawingml/2006/main" xmlns:r="http://schemas.openxmlformats.org/officeDocument/2006/relationships" xmlns:mc="http://schemas.openxmlformats.org/markup-compatibility/2006" xmlns:mv="urn:schemas-microsoft-com:mac:vml" xmlns:p="http://schemas.openxmlformats.org/presentationml/2006/main" mc:Ignorable="mv" mc:PreserveAttributes="mv:*">
+<p:sld xmlns:a="http://schemas.openxmlformats.org/drawingml/2006/main" xmlns:r="http://schemas.openxmlformats.org/officeDocument/2006/relationships" xmlns:p="http://schemas.openxmlformats.org/presentationml/2006/main">
   <p:cSld>
     <p:bg>
       <p:bgPr>
@@ -4241,7 +4228,7 @@
         <p:spPr>
           <a:xfrm>
             <a:off x="1066800" y="114300"/>
-            <a:ext cx="5638800" cy="677108"/>
+            <a:ext cx="5638800" cy="892552"/>
           </a:xfrm>
           <a:prstGeom prst="rect">
             <a:avLst/>
@@ -4277,8 +4264,31 @@
               <a:t>The OBI Consortium*, </a:t>
             </a:r>
             <a:r>
+              <a:rPr lang="en-US" sz="1400" b="1" u="sng" dirty="0" smtClean="0">
+                <a:hlinkClick r:id="rId3"/>
+              </a:rPr>
+              <a:t>http://</a:t>
+            </a:r>
+            <a:r>
+              <a:rPr lang="en-US" sz="1400" b="1" u="sng" dirty="0" smtClean="0">
+                <a:hlinkClick r:id="rId3"/>
+              </a:rPr>
+              <a:t>obi-ontology.org</a:t>
+            </a:r>
+            <a:r>
               <a:rPr lang="en-US" sz="1400" b="1" u="sng" dirty="0" smtClean="0"/>
-              <a:t>http://obi-ontology.org</a:t>
+              <a:t/>
+            </a:r>
+            <a:br>
+              <a:rPr lang="en-US" sz="1400" b="1" u="sng" dirty="0" smtClean="0"/>
+            </a:br>
+            <a:r>
+              <a:rPr lang="en-US" sz="1400" b="1" dirty="0" smtClean="0"/>
+              <a:t>email</a:t>
+            </a:r>
+            <a:r>
+              <a:rPr lang="en-US" sz="1400" b="1" dirty="0" smtClean="0"/>
+              <a:t>: obi-users@googlegroups.com</a:t>
             </a:r>
             <a:endParaRPr lang="en-US" sz="1400" b="1" dirty="0"/>
           </a:p>
@@ -4293,7 +4303,7 @@
           <p:nvPr/>
         </p:nvPicPr>
         <p:blipFill>
-          <a:blip r:embed="rId3" cstate="print"/>
+          <a:blip r:embed="rId4" cstate="print"/>
           <a:srcRect l="4799" t="10324" r="7047" b="30769"/>
           <a:stretch>
             <a:fillRect/>
@@ -4331,8 +4341,8 @@
         </p:nvSpPr>
         <p:spPr>
           <a:xfrm>
-            <a:off x="152400" y="792540"/>
-            <a:ext cx="6553200" cy="1754327"/>
+            <a:off x="152400" y="915650"/>
+            <a:ext cx="6553200" cy="1446550"/>
           </a:xfrm>
           <a:prstGeom prst="rect">
             <a:avLst/>
@@ -4347,30 +4357,46 @@
           <a:p>
             <a:pPr algn="just"/>
             <a:r>
-              <a:rPr lang="en-US" sz="1200" i="1" dirty="0" smtClean="0"/>
-              <a:t>The goal of OBI is to enable a formal representation of biomedical investigations that captures the experimental evidence on which their findings are based. OBI allows for the comparison of experimental data from the wide array of scientific disciplines represented by domain experts in the OBI consortium. OBI follows the principles laid out by the OBO foundry, and integrates tightly with other foundry candidate ontologies, such as GO and </a:t>
-            </a:r>
-            <a:r>
-              <a:rPr lang="en-US" sz="1200" i="1" dirty="0" err="1" smtClean="0"/>
+              <a:rPr lang="en-US" sz="1100" i="1" dirty="0" smtClean="0"/>
+              <a:t>The goal of OBI is to enable a formal representation of biomedical investigations that captures the experimental evidence on which their findings are based. OBI allows for the comparison of experimental data from the wide array of scientific disciplines represented by domain experts in the OBI consortium. OBI follows the principles laid out by the OBO foundry, and integrates tightly with other foundry candidate ontologies, such as GO </a:t>
+            </a:r>
+            <a:r>
+              <a:rPr lang="en-US" sz="1100" i="1" dirty="0" smtClean="0"/>
+              <a:t>(</a:t>
+            </a:r>
+            <a:r>
+              <a:rPr lang="en-GB" sz="1100" i="1" dirty="0" smtClean="0"/>
+              <a:t>www.geneontology.org</a:t>
+            </a:r>
+            <a:r>
+              <a:rPr lang="en-US" sz="1100" i="1" dirty="0" smtClean="0"/>
+              <a:t>) and </a:t>
+            </a:r>
+            <a:r>
+              <a:rPr lang="en-US" sz="1100" i="1" dirty="0" err="1" smtClean="0"/>
               <a:t>ChEBI</a:t>
             </a:r>
             <a:r>
-              <a:rPr lang="en-US" sz="1200" i="1" dirty="0"/>
+              <a:rPr lang="en-US" sz="1100" i="1" dirty="0"/>
               <a:t> </a:t>
             </a:r>
             <a:r>
-              <a:rPr lang="en-US" sz="1200" i="1" dirty="0" smtClean="0"/>
-              <a:t>whose terms are used to describe biological reality. The use of OBI by the scientific community to represent or annotate their investigations within electronic data resources will </a:t>
-            </a:r>
-            <a:r>
-              <a:rPr lang="en-US" sz="1200" i="1" dirty="0" smtClean="0"/>
-              <a:t>alleviate the </a:t>
-            </a:r>
-            <a:r>
-              <a:rPr lang="en-US" sz="1200" i="1" dirty="0" smtClean="0"/>
-              <a:t>need for lower accuracy text mining and enable semantic web searches and third-party understanding of information related to life-science and clinical investigations.</a:t>
-            </a:r>
-            <a:endParaRPr lang="en-US" sz="1200" dirty="0"/>
+              <a:rPr lang="en-US" sz="1100" i="1" dirty="0" smtClean="0"/>
+              <a:t>(</a:t>
+            </a:r>
+            <a:r>
+              <a:rPr lang="en-GB" sz="1100" i="1" dirty="0" smtClean="0"/>
+              <a:t>www.ebi.ac.uk/chebi/</a:t>
+            </a:r>
+            <a:r>
+              <a:rPr lang="en-US" sz="1100" i="1" dirty="0" smtClean="0"/>
+              <a:t>) whose </a:t>
+            </a:r>
+            <a:r>
+              <a:rPr lang="en-US" sz="1100" i="1" dirty="0" smtClean="0"/>
+              <a:t>terms are used to describe biological reality. The use of OBI by the scientific community to represent or annotate their investigations within electronic data resources will alleviate the need for lower accuracy text mining and enable semantic web searches and third-party understanding of information related to life-science and clinical investigations.</a:t>
+            </a:r>
+            <a:endParaRPr lang="en-US" sz="1100" dirty="0"/>
           </a:p>
         </p:txBody>
       </p:sp>
@@ -4440,7 +4466,7 @@
             <p:nvPr/>
           </p:nvPicPr>
           <p:blipFill>
-            <a:blip r:embed="rId4" cstate="print"/>
+            <a:blip r:embed="rId5" cstate="print"/>
             <a:srcRect l="1601" t="2000" r="5559"/>
             <a:stretch>
               <a:fillRect/>
@@ -4471,8 +4497,8 @@
           </p:nvSpPr>
           <p:spPr>
             <a:xfrm>
-              <a:off x="4457700" y="5105400"/>
-              <a:ext cx="2286000" cy="3785652"/>
+              <a:off x="4495800" y="5105400"/>
+              <a:ext cx="2247900" cy="3785652"/>
             </a:xfrm>
             <a:prstGeom prst="rect">
               <a:avLst/>
@@ -4547,15 +4573,15 @@
               </a:r>
               <a:r>
                 <a:rPr lang="en-US" sz="1000" dirty="0" smtClean="0"/>
-                <a:t> (glucose) concentration. This modeling of a specific use case is used as the basis for generation of pattern templates [ref </a:t>
-              </a:r>
-              <a:r>
-                <a:rPr lang="en-US" sz="1000" dirty="0" err="1" smtClean="0"/>
-                <a:t>QuickTerms</a:t>
+                <a:t> (glucose) concentration. This modeling of a specific use case is used as the basis for generation of pattern templates </a:t>
               </a:r>
               <a:r>
                 <a:rPr lang="en-US" sz="1000" dirty="0" smtClean="0"/>
-                <a:t>] allowing us to automate following additions of similar processes</a:t>
+                <a:t>allowing </a:t>
+              </a:r>
+              <a:r>
+                <a:rPr lang="en-US" sz="1000" dirty="0" smtClean="0"/>
+                <a:t>us to automate following additions of similar processes</a:t>
               </a:r>
               <a:endParaRPr lang="en-US" sz="1000" dirty="0"/>
             </a:p>
@@ -4602,7 +4628,7 @@
           <p:nvPr/>
         </p:nvPicPr>
         <p:blipFill>
-          <a:blip r:embed="rId5" cstate="print"/>
+          <a:blip r:embed="rId6" cstate="print"/>
           <a:srcRect/>
           <a:stretch>
             <a:fillRect/>
@@ -4635,7 +4661,7 @@
         <p:spPr>
           <a:xfrm>
             <a:off x="152400" y="2438400"/>
-            <a:ext cx="2743200" cy="2215991"/>
+            <a:ext cx="2743200" cy="2369880"/>
           </a:xfrm>
           <a:prstGeom prst="rect">
             <a:avLst/>
@@ -4653,7 +4679,6 @@
               <a:rPr lang="en-US" sz="1400" b="1" dirty="0" smtClean="0"/>
               <a:t>Partial high-level is-a hierarchy of OBI classes. </a:t>
             </a:r>
-            <a:endParaRPr lang="en-US" sz="1400" b="1" dirty="0" smtClean="0"/>
           </a:p>
           <a:p>
             <a:pPr algn="just"/>
@@ -4662,16 +4687,28 @@
               <a:t>Under the Basic Formal Ontology (BFO) </a:t>
             </a:r>
             <a:r>
+              <a:rPr lang="en-US" sz="1000" dirty="0" smtClean="0"/>
+              <a:t>(</a:t>
+            </a:r>
+            <a:r>
+              <a:rPr lang="en-GB" sz="1000" i="1" dirty="0" smtClean="0"/>
+              <a:t>www.ifomis.org/bfo</a:t>
+            </a:r>
+            <a:r>
+              <a:rPr lang="en-US" sz="1000" dirty="0" smtClean="0"/>
+              <a:t>) </a:t>
+            </a:r>
+            <a:r>
               <a:rPr lang="en-US" sz="1000" i="1" dirty="0" smtClean="0"/>
-              <a:t>material entity, </a:t>
+              <a:t>material </a:t>
+            </a:r>
+            <a:r>
+              <a:rPr lang="en-US" sz="1000" i="1" dirty="0" smtClean="0"/>
+              <a:t>entity, </a:t>
             </a:r>
             <a:r>
               <a:rPr lang="en-US" sz="1000" dirty="0" smtClean="0"/>
-              <a:t>several </a:t>
-            </a:r>
-            <a:r>
-              <a:rPr lang="en-US" sz="1000" dirty="0" smtClean="0"/>
-              <a:t>classes are imported from outside ontologies (indicated in red). The </a:t>
+              <a:t>several classes are imported from outside ontologies (indicated in red). The </a:t>
             </a:r>
             <a:r>
               <a:rPr lang="en-US" sz="1000" i="1" dirty="0" smtClean="0"/>
@@ -4679,23 +4716,7 @@
             </a:r>
             <a:r>
               <a:rPr lang="en-US" sz="1000" dirty="0" smtClean="0"/>
-              <a:t> class</a:t>
-            </a:r>
-            <a:r>
-              <a:rPr lang="en-US" sz="1000" dirty="0" smtClean="0"/>
-              <a:t> represents entities </a:t>
-            </a:r>
-            <a:r>
-              <a:rPr lang="en-US" sz="1000" dirty="0" smtClean="0"/>
-              <a:t>that were generated in a planned </a:t>
-            </a:r>
-            <a:r>
-              <a:rPr lang="en-US" sz="1000" dirty="0" smtClean="0"/>
-              <a:t>process</a:t>
-            </a:r>
-            <a:r>
-              <a:rPr lang="en-US" sz="1000" dirty="0" smtClean="0"/>
-              <a:t>, meaning that they were intentionally created. </a:t>
+              <a:t> class represents entities that were generated in a planned process, meaning that they were intentionally created. </a:t>
             </a:r>
           </a:p>
           <a:p>

--- a/docs/posters/general_ICBO 2009/Poster.pptx
+++ b/docs/posters/general_ICBO 2009/Poster.pptx
@@ -1,6 +1,6 @@
 
 <file path=ppt/presentation.xml><?xml version="1.0" encoding="utf-8"?>
-<p:presentation xmlns:a="http://schemas.openxmlformats.org/drawingml/2006/main" xmlns:r="http://schemas.openxmlformats.org/officeDocument/2006/relationships" xmlns:p="http://schemas.openxmlformats.org/presentationml/2006/main" saveSubsetFonts="1">
+<p:presentation xmlns:a="http://schemas.openxmlformats.org/drawingml/2006/main" xmlns:r="http://schemas.openxmlformats.org/officeDocument/2006/relationships" xmlns:mc="http://schemas.openxmlformats.org/markup-compatibility/2006" xmlns:mv="urn:schemas-microsoft-com:mac:vml" xmlns:p="http://schemas.openxmlformats.org/presentationml/2006/main" mc:Ignorable="mv" mc:PreserveAttributes="mv:*" saveSubsetFonts="1">
   <p:sldMasterIdLst>
     <p:sldMasterId id="2147483648" r:id="rId1"/>
   </p:sldMasterIdLst>
@@ -10,14 +10,14 @@
   <p:sldIdLst>
     <p:sldId id="256" r:id="rId2"/>
   </p:sldIdLst>
-  <p:sldSz cx="6858000" cy="9906000" type="A4"/>
+  <p:sldSz cx="32918400" cy="43891200"/>
   <p:notesSz cx="6858000" cy="9144000"/>
   <p:defaultTextStyle>
     <a:defPPr>
       <a:defRPr lang="en-US"/>
     </a:defPPr>
-    <a:lvl1pPr marL="0" algn="l" defTabSz="914400" rtl="0" eaLnBrk="1" latinLnBrk="0" hangingPunct="1">
-      <a:defRPr sz="1800" kern="1200">
+    <a:lvl1pPr marL="0" algn="l" defTabSz="4189598" rtl="0" eaLnBrk="1" latinLnBrk="0" hangingPunct="1">
+      <a:defRPr sz="8200" kern="1200">
         <a:solidFill>
           <a:schemeClr val="tx1"/>
         </a:solidFill>
@@ -26,8 +26,8 @@
         <a:cs typeface="+mn-cs"/>
       </a:defRPr>
     </a:lvl1pPr>
-    <a:lvl2pPr marL="457200" algn="l" defTabSz="914400" rtl="0" eaLnBrk="1" latinLnBrk="0" hangingPunct="1">
-      <a:defRPr sz="1800" kern="1200">
+    <a:lvl2pPr marL="2094799" algn="l" defTabSz="4189598" rtl="0" eaLnBrk="1" latinLnBrk="0" hangingPunct="1">
+      <a:defRPr sz="8200" kern="1200">
         <a:solidFill>
           <a:schemeClr val="tx1"/>
         </a:solidFill>
@@ -36,8 +36,8 @@
         <a:cs typeface="+mn-cs"/>
       </a:defRPr>
     </a:lvl2pPr>
-    <a:lvl3pPr marL="914400" algn="l" defTabSz="914400" rtl="0" eaLnBrk="1" latinLnBrk="0" hangingPunct="1">
-      <a:defRPr sz="1800" kern="1200">
+    <a:lvl3pPr marL="4189598" algn="l" defTabSz="4189598" rtl="0" eaLnBrk="1" latinLnBrk="0" hangingPunct="1">
+      <a:defRPr sz="8200" kern="1200">
         <a:solidFill>
           <a:schemeClr val="tx1"/>
         </a:solidFill>
@@ -46,8 +46,8 @@
         <a:cs typeface="+mn-cs"/>
       </a:defRPr>
     </a:lvl3pPr>
-    <a:lvl4pPr marL="1371600" algn="l" defTabSz="914400" rtl="0" eaLnBrk="1" latinLnBrk="0" hangingPunct="1">
-      <a:defRPr sz="1800" kern="1200">
+    <a:lvl4pPr marL="6284397" algn="l" defTabSz="4189598" rtl="0" eaLnBrk="1" latinLnBrk="0" hangingPunct="1">
+      <a:defRPr sz="8200" kern="1200">
         <a:solidFill>
           <a:schemeClr val="tx1"/>
         </a:solidFill>
@@ -56,8 +56,8 @@
         <a:cs typeface="+mn-cs"/>
       </a:defRPr>
     </a:lvl4pPr>
-    <a:lvl5pPr marL="1828800" algn="l" defTabSz="914400" rtl="0" eaLnBrk="1" latinLnBrk="0" hangingPunct="1">
-      <a:defRPr sz="1800" kern="1200">
+    <a:lvl5pPr marL="8379196" algn="l" defTabSz="4189598" rtl="0" eaLnBrk="1" latinLnBrk="0" hangingPunct="1">
+      <a:defRPr sz="8200" kern="1200">
         <a:solidFill>
           <a:schemeClr val="tx1"/>
         </a:solidFill>
@@ -66,8 +66,8 @@
         <a:cs typeface="+mn-cs"/>
       </a:defRPr>
     </a:lvl5pPr>
-    <a:lvl6pPr marL="2286000" algn="l" defTabSz="914400" rtl="0" eaLnBrk="1" latinLnBrk="0" hangingPunct="1">
-      <a:defRPr sz="1800" kern="1200">
+    <a:lvl6pPr marL="10473995" algn="l" defTabSz="4189598" rtl="0" eaLnBrk="1" latinLnBrk="0" hangingPunct="1">
+      <a:defRPr sz="8200" kern="1200">
         <a:solidFill>
           <a:schemeClr val="tx1"/>
         </a:solidFill>
@@ -76,8 +76,8 @@
         <a:cs typeface="+mn-cs"/>
       </a:defRPr>
     </a:lvl6pPr>
-    <a:lvl7pPr marL="2743200" algn="l" defTabSz="914400" rtl="0" eaLnBrk="1" latinLnBrk="0" hangingPunct="1">
-      <a:defRPr sz="1800" kern="1200">
+    <a:lvl7pPr marL="12568794" algn="l" defTabSz="4189598" rtl="0" eaLnBrk="1" latinLnBrk="0" hangingPunct="1">
+      <a:defRPr sz="8200" kern="1200">
         <a:solidFill>
           <a:schemeClr val="tx1"/>
         </a:solidFill>
@@ -86,8 +86,8 @@
         <a:cs typeface="+mn-cs"/>
       </a:defRPr>
     </a:lvl7pPr>
-    <a:lvl8pPr marL="3200400" algn="l" defTabSz="914400" rtl="0" eaLnBrk="1" latinLnBrk="0" hangingPunct="1">
-      <a:defRPr sz="1800" kern="1200">
+    <a:lvl8pPr marL="14663593" algn="l" defTabSz="4189598" rtl="0" eaLnBrk="1" latinLnBrk="0" hangingPunct="1">
+      <a:defRPr sz="8200" kern="1200">
         <a:solidFill>
           <a:schemeClr val="tx1"/>
         </a:solidFill>
@@ -96,8 +96,8 @@
         <a:cs typeface="+mn-cs"/>
       </a:defRPr>
     </a:lvl8pPr>
-    <a:lvl9pPr marL="3657600" algn="l" defTabSz="914400" rtl="0" eaLnBrk="1" latinLnBrk="0" hangingPunct="1">
-      <a:defRPr sz="1800" kern="1200">
+    <a:lvl9pPr marL="16758392" algn="l" defTabSz="4189598" rtl="0" eaLnBrk="1" latinLnBrk="0" hangingPunct="1">
+      <a:defRPr sz="8200" kern="1200">
         <a:solidFill>
           <a:schemeClr val="tx1"/>
         </a:solidFill>
@@ -111,13 +111,13 @@
 </file>
 
 <file path=ppt/commentAuthors.xml><?xml version="1.0" encoding="utf-8"?>
-<p:cmAuthorLst xmlns:a="http://schemas.openxmlformats.org/drawingml/2006/main" xmlns:r="http://schemas.openxmlformats.org/officeDocument/2006/relationships" xmlns:p="http://schemas.openxmlformats.org/presentationml/2006/main">
+<p:cmAuthorLst xmlns:a="http://schemas.openxmlformats.org/drawingml/2006/main" xmlns:r="http://schemas.openxmlformats.org/officeDocument/2006/relationships" xmlns:mc="http://schemas.openxmlformats.org/markup-compatibility/2006" xmlns:mv="urn:schemas-microsoft-com:mac:vml" xmlns:p="http://schemas.openxmlformats.org/presentationml/2006/main" mc:Ignorable="mv" mc:PreserveAttributes="mv:*">
   <p:cmAuthor id="0" name="Melanie Courtot" initials="CS" lastIdx="2" clrIdx="0"/>
 </p:cmAuthorLst>
 </file>
 
 <file path=ppt/notesMasters/notesMaster1.xml><?xml version="1.0" encoding="utf-8"?>
-<p:notesMaster xmlns:a="http://schemas.openxmlformats.org/drawingml/2006/main" xmlns:r="http://schemas.openxmlformats.org/officeDocument/2006/relationships" xmlns:p="http://schemas.openxmlformats.org/presentationml/2006/main">
+<p:notesMaster xmlns:a="http://schemas.openxmlformats.org/drawingml/2006/main" xmlns:r="http://schemas.openxmlformats.org/officeDocument/2006/relationships" xmlns:mc="http://schemas.openxmlformats.org/markup-compatibility/2006" xmlns:mv="urn:schemas-microsoft-com:mac:vml" xmlns:p="http://schemas.openxmlformats.org/presentationml/2006/main" mc:Ignorable="mv" mc:PreserveAttributes="mv:*">
   <p:cSld>
     <p:bg>
       <p:bgRef idx="1001">
@@ -199,7 +199,7 @@
             <a:fld id="{C43C3973-7D2A-44FF-B793-9C9CC3912CA6}" type="datetimeFigureOut">
               <a:rPr lang="en-US" smtClean="0"/>
               <a:pPr/>
-              <a:t>7/24/2009</a:t>
+              <a:t>7/24/09</a:t>
             </a:fld>
             <a:endParaRPr lang="en-US"/>
           </a:p>
@@ -217,8 +217,8 @@
         </p:nvSpPr>
         <p:spPr>
           <a:xfrm>
-            <a:off x="2241550" y="685800"/>
-            <a:ext cx="2374900" cy="3429000"/>
+            <a:off x="2143125" y="685800"/>
+            <a:ext cx="2571750" cy="3429000"/>
           </a:xfrm>
           <a:prstGeom prst="rect">
             <a:avLst/>
@@ -371,8 +371,8 @@
   </p:cSld>
   <p:clrMap bg1="lt1" tx1="dk1" bg2="lt2" tx2="dk2" accent1="accent1" accent2="accent2" accent3="accent3" accent4="accent4" accent5="accent5" accent6="accent6" hlink="hlink" folHlink="folHlink"/>
   <p:notesStyle>
-    <a:lvl1pPr marL="0" algn="l" defTabSz="914400" rtl="0" eaLnBrk="1" latinLnBrk="0" hangingPunct="1">
-      <a:defRPr sz="1200" kern="1200">
+    <a:lvl1pPr marL="0" algn="l" defTabSz="4189598" rtl="0" eaLnBrk="1" latinLnBrk="0" hangingPunct="1">
+      <a:defRPr sz="5500" kern="1200">
         <a:solidFill>
           <a:schemeClr val="tx1"/>
         </a:solidFill>
@@ -381,8 +381,8 @@
         <a:cs typeface="+mn-cs"/>
       </a:defRPr>
     </a:lvl1pPr>
-    <a:lvl2pPr marL="457200" algn="l" defTabSz="914400" rtl="0" eaLnBrk="1" latinLnBrk="0" hangingPunct="1">
-      <a:defRPr sz="1200" kern="1200">
+    <a:lvl2pPr marL="2094799" algn="l" defTabSz="4189598" rtl="0" eaLnBrk="1" latinLnBrk="0" hangingPunct="1">
+      <a:defRPr sz="5500" kern="1200">
         <a:solidFill>
           <a:schemeClr val="tx1"/>
         </a:solidFill>
@@ -391,8 +391,8 @@
         <a:cs typeface="+mn-cs"/>
       </a:defRPr>
     </a:lvl2pPr>
-    <a:lvl3pPr marL="914400" algn="l" defTabSz="914400" rtl="0" eaLnBrk="1" latinLnBrk="0" hangingPunct="1">
-      <a:defRPr sz="1200" kern="1200">
+    <a:lvl3pPr marL="4189598" algn="l" defTabSz="4189598" rtl="0" eaLnBrk="1" latinLnBrk="0" hangingPunct="1">
+      <a:defRPr sz="5500" kern="1200">
         <a:solidFill>
           <a:schemeClr val="tx1"/>
         </a:solidFill>
@@ -401,8 +401,8 @@
         <a:cs typeface="+mn-cs"/>
       </a:defRPr>
     </a:lvl3pPr>
-    <a:lvl4pPr marL="1371600" algn="l" defTabSz="914400" rtl="0" eaLnBrk="1" latinLnBrk="0" hangingPunct="1">
-      <a:defRPr sz="1200" kern="1200">
+    <a:lvl4pPr marL="6284397" algn="l" defTabSz="4189598" rtl="0" eaLnBrk="1" latinLnBrk="0" hangingPunct="1">
+      <a:defRPr sz="5500" kern="1200">
         <a:solidFill>
           <a:schemeClr val="tx1"/>
         </a:solidFill>
@@ -411,8 +411,8 @@
         <a:cs typeface="+mn-cs"/>
       </a:defRPr>
     </a:lvl4pPr>
-    <a:lvl5pPr marL="1828800" algn="l" defTabSz="914400" rtl="0" eaLnBrk="1" latinLnBrk="0" hangingPunct="1">
-      <a:defRPr sz="1200" kern="1200">
+    <a:lvl5pPr marL="8379196" algn="l" defTabSz="4189598" rtl="0" eaLnBrk="1" latinLnBrk="0" hangingPunct="1">
+      <a:defRPr sz="5500" kern="1200">
         <a:solidFill>
           <a:schemeClr val="tx1"/>
         </a:solidFill>
@@ -421,8 +421,8 @@
         <a:cs typeface="+mn-cs"/>
       </a:defRPr>
     </a:lvl5pPr>
-    <a:lvl6pPr marL="2286000" algn="l" defTabSz="914400" rtl="0" eaLnBrk="1" latinLnBrk="0" hangingPunct="1">
-      <a:defRPr sz="1200" kern="1200">
+    <a:lvl6pPr marL="10473995" algn="l" defTabSz="4189598" rtl="0" eaLnBrk="1" latinLnBrk="0" hangingPunct="1">
+      <a:defRPr sz="5500" kern="1200">
         <a:solidFill>
           <a:schemeClr val="tx1"/>
         </a:solidFill>
@@ -431,8 +431,8 @@
         <a:cs typeface="+mn-cs"/>
       </a:defRPr>
     </a:lvl6pPr>
-    <a:lvl7pPr marL="2743200" algn="l" defTabSz="914400" rtl="0" eaLnBrk="1" latinLnBrk="0" hangingPunct="1">
-      <a:defRPr sz="1200" kern="1200">
+    <a:lvl7pPr marL="12568794" algn="l" defTabSz="4189598" rtl="0" eaLnBrk="1" latinLnBrk="0" hangingPunct="1">
+      <a:defRPr sz="5500" kern="1200">
         <a:solidFill>
           <a:schemeClr val="tx1"/>
         </a:solidFill>
@@ -441,8 +441,8 @@
         <a:cs typeface="+mn-cs"/>
       </a:defRPr>
     </a:lvl7pPr>
-    <a:lvl8pPr marL="3200400" algn="l" defTabSz="914400" rtl="0" eaLnBrk="1" latinLnBrk="0" hangingPunct="1">
-      <a:defRPr sz="1200" kern="1200">
+    <a:lvl8pPr marL="14663593" algn="l" defTabSz="4189598" rtl="0" eaLnBrk="1" latinLnBrk="0" hangingPunct="1">
+      <a:defRPr sz="5500" kern="1200">
         <a:solidFill>
           <a:schemeClr val="tx1"/>
         </a:solidFill>
@@ -451,8 +451,8 @@
         <a:cs typeface="+mn-cs"/>
       </a:defRPr>
     </a:lvl8pPr>
-    <a:lvl9pPr marL="3657600" algn="l" defTabSz="914400" rtl="0" eaLnBrk="1" latinLnBrk="0" hangingPunct="1">
-      <a:defRPr sz="1200" kern="1200">
+    <a:lvl9pPr marL="16758392" algn="l" defTabSz="4189598" rtl="0" eaLnBrk="1" latinLnBrk="0" hangingPunct="1">
+      <a:defRPr sz="5500" kern="1200">
         <a:solidFill>
           <a:schemeClr val="tx1"/>
         </a:solidFill>
@@ -466,7 +466,7 @@
 </file>
 
 <file path=ppt/notesSlides/notesSlide1.xml><?xml version="1.0" encoding="utf-8"?>
-<p:notes xmlns:a="http://schemas.openxmlformats.org/drawingml/2006/main" xmlns:r="http://schemas.openxmlformats.org/officeDocument/2006/relationships" xmlns:p="http://schemas.openxmlformats.org/presentationml/2006/main">
+<p:notes xmlns:a="http://schemas.openxmlformats.org/drawingml/2006/main" xmlns:r="http://schemas.openxmlformats.org/officeDocument/2006/relationships" xmlns:mc="http://schemas.openxmlformats.org/markup-compatibility/2006" xmlns:mv="urn:schemas-microsoft-com:mac:vml" xmlns:p="http://schemas.openxmlformats.org/presentationml/2006/main" mc:Ignorable="mv" mc:PreserveAttributes="mv:*">
   <p:cSld>
     <p:spTree>
       <p:nvGrpSpPr>
@@ -494,8 +494,8 @@
         </p:nvSpPr>
         <p:spPr>
           <a:xfrm>
-            <a:off x="2241550" y="685800"/>
-            <a:ext cx="2374900" cy="3429000"/>
+            <a:off x="2143125" y="685800"/>
+            <a:ext cx="2571750" cy="3429000"/>
           </a:xfrm>
         </p:spPr>
       </p:sp>
@@ -553,7 +553,7 @@
 </file>
 
 <file path=ppt/slideLayouts/slideLayout1.xml><?xml version="1.0" encoding="utf-8"?>
-<p:sldLayout xmlns:a="http://schemas.openxmlformats.org/drawingml/2006/main" xmlns:r="http://schemas.openxmlformats.org/officeDocument/2006/relationships" xmlns:p="http://schemas.openxmlformats.org/presentationml/2006/main" type="title" preserve="1">
+<p:sldLayout xmlns:a="http://schemas.openxmlformats.org/drawingml/2006/main" xmlns:r="http://schemas.openxmlformats.org/officeDocument/2006/relationships" xmlns:mc="http://schemas.openxmlformats.org/markup-compatibility/2006" xmlns:mv="urn:schemas-microsoft-com:mac:vml" xmlns:p="http://schemas.openxmlformats.org/presentationml/2006/main" mc:Ignorable="mv" mc:PreserveAttributes="mv:*" type="title" preserve="1">
   <p:cSld name="Title Slide">
     <p:spTree>
       <p:nvGrpSpPr>
@@ -581,8 +581,8 @@
         </p:nvSpPr>
         <p:spPr>
           <a:xfrm>
-            <a:off x="514350" y="3077282"/>
-            <a:ext cx="5829300" cy="2123369"/>
+            <a:off x="2468880" y="13634729"/>
+            <a:ext cx="27980640" cy="9408158"/>
           </a:xfrm>
         </p:spPr>
         <p:txBody>
@@ -609,8 +609,8 @@
         </p:nvSpPr>
         <p:spPr>
           <a:xfrm>
-            <a:off x="1028700" y="5613400"/>
-            <a:ext cx="4800600" cy="2531533"/>
+            <a:off x="4937760" y="24871682"/>
+            <a:ext cx="23042880" cy="11216639"/>
           </a:xfrm>
         </p:spPr>
         <p:txBody>
@@ -626,7 +626,7 @@
                 </a:solidFill>
               </a:defRPr>
             </a:lvl1pPr>
-            <a:lvl2pPr marL="457200" indent="0" algn="ctr">
+            <a:lvl2pPr marL="2094799" indent="0" algn="ctr">
               <a:buNone/>
               <a:defRPr>
                 <a:solidFill>
@@ -636,7 +636,7 @@
                 </a:solidFill>
               </a:defRPr>
             </a:lvl2pPr>
-            <a:lvl3pPr marL="914400" indent="0" algn="ctr">
+            <a:lvl3pPr marL="4189598" indent="0" algn="ctr">
               <a:buNone/>
               <a:defRPr>
                 <a:solidFill>
@@ -646,7 +646,7 @@
                 </a:solidFill>
               </a:defRPr>
             </a:lvl3pPr>
-            <a:lvl4pPr marL="1371600" indent="0" algn="ctr">
+            <a:lvl4pPr marL="6284397" indent="0" algn="ctr">
               <a:buNone/>
               <a:defRPr>
                 <a:solidFill>
@@ -656,7 +656,7 @@
                 </a:solidFill>
               </a:defRPr>
             </a:lvl4pPr>
-            <a:lvl5pPr marL="1828800" indent="0" algn="ctr">
+            <a:lvl5pPr marL="8379196" indent="0" algn="ctr">
               <a:buNone/>
               <a:defRPr>
                 <a:solidFill>
@@ -666,7 +666,7 @@
                 </a:solidFill>
               </a:defRPr>
             </a:lvl5pPr>
-            <a:lvl6pPr marL="2286000" indent="0" algn="ctr">
+            <a:lvl6pPr marL="10473995" indent="0" algn="ctr">
               <a:buNone/>
               <a:defRPr>
                 <a:solidFill>
@@ -676,7 +676,7 @@
                 </a:solidFill>
               </a:defRPr>
             </a:lvl6pPr>
-            <a:lvl7pPr marL="2743200" indent="0" algn="ctr">
+            <a:lvl7pPr marL="12568794" indent="0" algn="ctr">
               <a:buNone/>
               <a:defRPr>
                 <a:solidFill>
@@ -686,7 +686,7 @@
                 </a:solidFill>
               </a:defRPr>
             </a:lvl7pPr>
-            <a:lvl8pPr marL="3200400" indent="0" algn="ctr">
+            <a:lvl8pPr marL="14663593" indent="0" algn="ctr">
               <a:buNone/>
               <a:defRPr>
                 <a:solidFill>
@@ -696,7 +696,7 @@
                 </a:solidFill>
               </a:defRPr>
             </a:lvl8pPr>
-            <a:lvl9pPr marL="3657600" indent="0" algn="ctr">
+            <a:lvl9pPr marL="16758392" indent="0" algn="ctr">
               <a:buNone/>
               <a:defRPr>
                 <a:solidFill>
@@ -734,7 +734,7 @@
             <a:fld id="{5857B85E-793F-44C6-87E5-E4AB0831A5C0}" type="datetimeFigureOut">
               <a:rPr lang="en-US" smtClean="0"/>
               <a:pPr/>
-              <a:t>7/24/2009</a:t>
+              <a:t>7/24/09</a:t>
             </a:fld>
             <a:endParaRPr lang="en-US"/>
           </a:p>
@@ -792,7 +792,7 @@
 </file>
 
 <file path=ppt/slideLayouts/slideLayout10.xml><?xml version="1.0" encoding="utf-8"?>
-<p:sldLayout xmlns:a="http://schemas.openxmlformats.org/drawingml/2006/main" xmlns:r="http://schemas.openxmlformats.org/officeDocument/2006/relationships" xmlns:p="http://schemas.openxmlformats.org/presentationml/2006/main" type="vertTx" preserve="1">
+<p:sldLayout xmlns:a="http://schemas.openxmlformats.org/drawingml/2006/main" xmlns:r="http://schemas.openxmlformats.org/officeDocument/2006/relationships" xmlns:mc="http://schemas.openxmlformats.org/markup-compatibility/2006" xmlns:mv="urn:schemas-microsoft-com:mac:vml" xmlns:p="http://schemas.openxmlformats.org/presentationml/2006/main" mc:Ignorable="mv" mc:PreserveAttributes="mv:*" type="vertTx" preserve="1">
   <p:cSld name="Title and Vertical Text">
     <p:spTree>
       <p:nvGrpSpPr>
@@ -901,7 +901,7 @@
             <a:fld id="{5857B85E-793F-44C6-87E5-E4AB0831A5C0}" type="datetimeFigureOut">
               <a:rPr lang="en-US" smtClean="0"/>
               <a:pPr/>
-              <a:t>7/24/2009</a:t>
+              <a:t>7/24/09</a:t>
             </a:fld>
             <a:endParaRPr lang="en-US"/>
           </a:p>
@@ -959,7 +959,7 @@
 </file>
 
 <file path=ppt/slideLayouts/slideLayout11.xml><?xml version="1.0" encoding="utf-8"?>
-<p:sldLayout xmlns:a="http://schemas.openxmlformats.org/drawingml/2006/main" xmlns:r="http://schemas.openxmlformats.org/officeDocument/2006/relationships" xmlns:p="http://schemas.openxmlformats.org/presentationml/2006/main" type="vertTitleAndTx" preserve="1">
+<p:sldLayout xmlns:a="http://schemas.openxmlformats.org/drawingml/2006/main" xmlns:r="http://schemas.openxmlformats.org/officeDocument/2006/relationships" xmlns:mc="http://schemas.openxmlformats.org/markup-compatibility/2006" xmlns:mv="urn:schemas-microsoft-com:mac:vml" xmlns:p="http://schemas.openxmlformats.org/presentationml/2006/main" mc:Ignorable="mv" mc:PreserveAttributes="mv:*" type="vertTitleAndTx" preserve="1">
   <p:cSld name="Vertical Title and Text">
     <p:spTree>
       <p:nvGrpSpPr>
@@ -987,8 +987,8 @@
         </p:nvSpPr>
         <p:spPr>
           <a:xfrm>
-            <a:off x="4972050" y="396700"/>
-            <a:ext cx="1543050" cy="8452203"/>
+            <a:off x="23865840" y="1757688"/>
+            <a:ext cx="7406640" cy="37449761"/>
           </a:xfrm>
         </p:spPr>
         <p:txBody>
@@ -1015,8 +1015,8 @@
         </p:nvSpPr>
         <p:spPr>
           <a:xfrm>
-            <a:off x="342900" y="396700"/>
-            <a:ext cx="4514850" cy="8452203"/>
+            <a:off x="1645920" y="1757688"/>
+            <a:ext cx="21671280" cy="37449761"/>
           </a:xfrm>
         </p:spPr>
         <p:txBody>
@@ -1078,7 +1078,7 @@
             <a:fld id="{5857B85E-793F-44C6-87E5-E4AB0831A5C0}" type="datetimeFigureOut">
               <a:rPr lang="en-US" smtClean="0"/>
               <a:pPr/>
-              <a:t>7/24/2009</a:t>
+              <a:t>7/24/09</a:t>
             </a:fld>
             <a:endParaRPr lang="en-US"/>
           </a:p>
@@ -1136,7 +1136,7 @@
 </file>
 
 <file path=ppt/slideLayouts/slideLayout2.xml><?xml version="1.0" encoding="utf-8"?>
-<p:sldLayout xmlns:a="http://schemas.openxmlformats.org/drawingml/2006/main" xmlns:r="http://schemas.openxmlformats.org/officeDocument/2006/relationships" xmlns:p="http://schemas.openxmlformats.org/presentationml/2006/main" type="obj" preserve="1">
+<p:sldLayout xmlns:a="http://schemas.openxmlformats.org/drawingml/2006/main" xmlns:r="http://schemas.openxmlformats.org/officeDocument/2006/relationships" xmlns:mc="http://schemas.openxmlformats.org/markup-compatibility/2006" xmlns:mv="urn:schemas-microsoft-com:mac:vml" xmlns:p="http://schemas.openxmlformats.org/presentationml/2006/main" mc:Ignorable="mv" mc:PreserveAttributes="mv:*" type="obj" preserve="1">
   <p:cSld name="Title and Content">
     <p:spTree>
       <p:nvGrpSpPr>
@@ -1245,7 +1245,7 @@
             <a:fld id="{5857B85E-793F-44C6-87E5-E4AB0831A5C0}" type="datetimeFigureOut">
               <a:rPr lang="en-US" smtClean="0"/>
               <a:pPr/>
-              <a:t>7/24/2009</a:t>
+              <a:t>7/24/09</a:t>
             </a:fld>
             <a:endParaRPr lang="en-US"/>
           </a:p>
@@ -1303,7 +1303,7 @@
 </file>
 
 <file path=ppt/slideLayouts/slideLayout3.xml><?xml version="1.0" encoding="utf-8"?>
-<p:sldLayout xmlns:a="http://schemas.openxmlformats.org/drawingml/2006/main" xmlns:r="http://schemas.openxmlformats.org/officeDocument/2006/relationships" xmlns:p="http://schemas.openxmlformats.org/presentationml/2006/main" type="secHead" preserve="1">
+<p:sldLayout xmlns:a="http://schemas.openxmlformats.org/drawingml/2006/main" xmlns:r="http://schemas.openxmlformats.org/officeDocument/2006/relationships" xmlns:mc="http://schemas.openxmlformats.org/markup-compatibility/2006" xmlns:mv="urn:schemas-microsoft-com:mac:vml" xmlns:p="http://schemas.openxmlformats.org/presentationml/2006/main" mc:Ignorable="mv" mc:PreserveAttributes="mv:*" type="secHead" preserve="1">
   <p:cSld name="Section Header">
     <p:spTree>
       <p:nvGrpSpPr>
@@ -1331,15 +1331,15 @@
         </p:nvSpPr>
         <p:spPr>
           <a:xfrm>
-            <a:off x="541735" y="6365523"/>
-            <a:ext cx="5829300" cy="1967442"/>
+            <a:off x="2600328" y="28204164"/>
+            <a:ext cx="27980640" cy="8717281"/>
           </a:xfrm>
         </p:spPr>
         <p:txBody>
           <a:bodyPr anchor="t"/>
           <a:lstStyle>
             <a:lvl1pPr algn="l">
-              <a:defRPr sz="4000" b="1" cap="all"/>
+              <a:defRPr sz="18300" b="1" cap="all"/>
             </a:lvl1pPr>
           </a:lstStyle>
           <a:p>
@@ -1363,8 +1363,8 @@
         </p:nvSpPr>
         <p:spPr>
           <a:xfrm>
-            <a:off x="541735" y="4198586"/>
-            <a:ext cx="5829300" cy="2166937"/>
+            <a:off x="2600328" y="18602968"/>
+            <a:ext cx="27980640" cy="9601198"/>
           </a:xfrm>
         </p:spPr>
         <p:txBody>
@@ -1372,7 +1372,7 @@
           <a:lstStyle>
             <a:lvl1pPr marL="0" indent="0">
               <a:buNone/>
-              <a:defRPr sz="2000">
+              <a:defRPr sz="9200">
                 <a:solidFill>
                   <a:schemeClr val="tx1">
                     <a:tint val="75000"/>
@@ -1380,9 +1380,9 @@
                 </a:solidFill>
               </a:defRPr>
             </a:lvl1pPr>
-            <a:lvl2pPr marL="457200" indent="0">
+            <a:lvl2pPr marL="2094799" indent="0">
               <a:buNone/>
-              <a:defRPr sz="1800">
+              <a:defRPr sz="8200">
                 <a:solidFill>
                   <a:schemeClr val="tx1">
                     <a:tint val="75000"/>
@@ -1390,9 +1390,9 @@
                 </a:solidFill>
               </a:defRPr>
             </a:lvl2pPr>
-            <a:lvl3pPr marL="914400" indent="0">
+            <a:lvl3pPr marL="4189598" indent="0">
               <a:buNone/>
-              <a:defRPr sz="1600">
+              <a:defRPr sz="7300">
                 <a:solidFill>
                   <a:schemeClr val="tx1">
                     <a:tint val="75000"/>
@@ -1400,9 +1400,9 @@
                 </a:solidFill>
               </a:defRPr>
             </a:lvl3pPr>
-            <a:lvl4pPr marL="1371600" indent="0">
+            <a:lvl4pPr marL="6284397" indent="0">
               <a:buNone/>
-              <a:defRPr sz="1400">
+              <a:defRPr sz="6400">
                 <a:solidFill>
                   <a:schemeClr val="tx1">
                     <a:tint val="75000"/>
@@ -1410,9 +1410,9 @@
                 </a:solidFill>
               </a:defRPr>
             </a:lvl4pPr>
-            <a:lvl5pPr marL="1828800" indent="0">
+            <a:lvl5pPr marL="8379196" indent="0">
               <a:buNone/>
-              <a:defRPr sz="1400">
+              <a:defRPr sz="6400">
                 <a:solidFill>
                   <a:schemeClr val="tx1">
                     <a:tint val="75000"/>
@@ -1420,9 +1420,9 @@
                 </a:solidFill>
               </a:defRPr>
             </a:lvl5pPr>
-            <a:lvl6pPr marL="2286000" indent="0">
+            <a:lvl6pPr marL="10473995" indent="0">
               <a:buNone/>
-              <a:defRPr sz="1400">
+              <a:defRPr sz="6400">
                 <a:solidFill>
                   <a:schemeClr val="tx1">
                     <a:tint val="75000"/>
@@ -1430,9 +1430,9 @@
                 </a:solidFill>
               </a:defRPr>
             </a:lvl6pPr>
-            <a:lvl7pPr marL="2743200" indent="0">
+            <a:lvl7pPr marL="12568794" indent="0">
               <a:buNone/>
-              <a:defRPr sz="1400">
+              <a:defRPr sz="6400">
                 <a:solidFill>
                   <a:schemeClr val="tx1">
                     <a:tint val="75000"/>
@@ -1440,9 +1440,9 @@
                 </a:solidFill>
               </a:defRPr>
             </a:lvl7pPr>
-            <a:lvl8pPr marL="3200400" indent="0">
+            <a:lvl8pPr marL="14663593" indent="0">
               <a:buNone/>
-              <a:defRPr sz="1400">
+              <a:defRPr sz="6400">
                 <a:solidFill>
                   <a:schemeClr val="tx1">
                     <a:tint val="75000"/>
@@ -1450,9 +1450,9 @@
                 </a:solidFill>
               </a:defRPr>
             </a:lvl8pPr>
-            <a:lvl9pPr marL="3657600" indent="0">
+            <a:lvl9pPr marL="16758392" indent="0">
               <a:buNone/>
-              <a:defRPr sz="1400">
+              <a:defRPr sz="6400">
                 <a:solidFill>
                   <a:schemeClr val="tx1">
                     <a:tint val="75000"/>
@@ -1488,7 +1488,7 @@
             <a:fld id="{5857B85E-793F-44C6-87E5-E4AB0831A5C0}" type="datetimeFigureOut">
               <a:rPr lang="en-US" smtClean="0"/>
               <a:pPr/>
-              <a:t>7/24/2009</a:t>
+              <a:t>7/24/09</a:t>
             </a:fld>
             <a:endParaRPr lang="en-US"/>
           </a:p>
@@ -1546,7 +1546,7 @@
 </file>
 
 <file path=ppt/slideLayouts/slideLayout4.xml><?xml version="1.0" encoding="utf-8"?>
-<p:sldLayout xmlns:a="http://schemas.openxmlformats.org/drawingml/2006/main" xmlns:r="http://schemas.openxmlformats.org/officeDocument/2006/relationships" xmlns:p="http://schemas.openxmlformats.org/presentationml/2006/main" type="twoObj" preserve="1">
+<p:sldLayout xmlns:a="http://schemas.openxmlformats.org/drawingml/2006/main" xmlns:r="http://schemas.openxmlformats.org/officeDocument/2006/relationships" xmlns:mc="http://schemas.openxmlformats.org/markup-compatibility/2006" xmlns:mv="urn:schemas-microsoft-com:mac:vml" xmlns:p="http://schemas.openxmlformats.org/presentationml/2006/main" mc:Ignorable="mv" mc:PreserveAttributes="mv:*" type="twoObj" preserve="1">
   <p:cSld name="Two Content">
     <p:spTree>
       <p:nvGrpSpPr>
@@ -1597,39 +1597,39 @@
         </p:nvSpPr>
         <p:spPr>
           <a:xfrm>
-            <a:off x="342900" y="2311401"/>
-            <a:ext cx="3028950" cy="6537502"/>
+            <a:off x="1645920" y="10241284"/>
+            <a:ext cx="14538960" cy="28966163"/>
           </a:xfrm>
         </p:spPr>
         <p:txBody>
           <a:bodyPr/>
           <a:lstStyle>
             <a:lvl1pPr>
-              <a:defRPr sz="2800"/>
+              <a:defRPr sz="12800"/>
             </a:lvl1pPr>
             <a:lvl2pPr>
-              <a:defRPr sz="2400"/>
+              <a:defRPr sz="11000"/>
             </a:lvl2pPr>
             <a:lvl3pPr>
-              <a:defRPr sz="2000"/>
+              <a:defRPr sz="9200"/>
             </a:lvl3pPr>
             <a:lvl4pPr>
-              <a:defRPr sz="1800"/>
+              <a:defRPr sz="8200"/>
             </a:lvl4pPr>
             <a:lvl5pPr>
-              <a:defRPr sz="1800"/>
+              <a:defRPr sz="8200"/>
             </a:lvl5pPr>
             <a:lvl6pPr>
-              <a:defRPr sz="1800"/>
+              <a:defRPr sz="8200"/>
             </a:lvl6pPr>
             <a:lvl7pPr>
-              <a:defRPr sz="1800"/>
+              <a:defRPr sz="8200"/>
             </a:lvl7pPr>
             <a:lvl8pPr>
-              <a:defRPr sz="1800"/>
+              <a:defRPr sz="8200"/>
             </a:lvl8pPr>
             <a:lvl9pPr>
-              <a:defRPr sz="1800"/>
+              <a:defRPr sz="8200"/>
             </a:lvl9pPr>
           </a:lstStyle>
           <a:p>
@@ -1682,39 +1682,39 @@
         </p:nvSpPr>
         <p:spPr>
           <a:xfrm>
-            <a:off x="3486150" y="2311401"/>
-            <a:ext cx="3028950" cy="6537502"/>
+            <a:off x="16733520" y="10241284"/>
+            <a:ext cx="14538960" cy="28966163"/>
           </a:xfrm>
         </p:spPr>
         <p:txBody>
           <a:bodyPr/>
           <a:lstStyle>
             <a:lvl1pPr>
-              <a:defRPr sz="2800"/>
+              <a:defRPr sz="12800"/>
             </a:lvl1pPr>
             <a:lvl2pPr>
-              <a:defRPr sz="2400"/>
+              <a:defRPr sz="11000"/>
             </a:lvl2pPr>
             <a:lvl3pPr>
-              <a:defRPr sz="2000"/>
+              <a:defRPr sz="9200"/>
             </a:lvl3pPr>
             <a:lvl4pPr>
-              <a:defRPr sz="1800"/>
+              <a:defRPr sz="8200"/>
             </a:lvl4pPr>
             <a:lvl5pPr>
-              <a:defRPr sz="1800"/>
+              <a:defRPr sz="8200"/>
             </a:lvl5pPr>
             <a:lvl6pPr>
-              <a:defRPr sz="1800"/>
+              <a:defRPr sz="8200"/>
             </a:lvl6pPr>
             <a:lvl7pPr>
-              <a:defRPr sz="1800"/>
+              <a:defRPr sz="8200"/>
             </a:lvl7pPr>
             <a:lvl8pPr>
-              <a:defRPr sz="1800"/>
+              <a:defRPr sz="8200"/>
             </a:lvl8pPr>
             <a:lvl9pPr>
-              <a:defRPr sz="1800"/>
+              <a:defRPr sz="8200"/>
             </a:lvl9pPr>
           </a:lstStyle>
           <a:p>
@@ -1773,7 +1773,7 @@
             <a:fld id="{5857B85E-793F-44C6-87E5-E4AB0831A5C0}" type="datetimeFigureOut">
               <a:rPr lang="en-US" smtClean="0"/>
               <a:pPr/>
-              <a:t>7/24/2009</a:t>
+              <a:t>7/24/09</a:t>
             </a:fld>
             <a:endParaRPr lang="en-US"/>
           </a:p>
@@ -1831,7 +1831,7 @@
 </file>
 
 <file path=ppt/slideLayouts/slideLayout5.xml><?xml version="1.0" encoding="utf-8"?>
-<p:sldLayout xmlns:a="http://schemas.openxmlformats.org/drawingml/2006/main" xmlns:r="http://schemas.openxmlformats.org/officeDocument/2006/relationships" xmlns:p="http://schemas.openxmlformats.org/presentationml/2006/main" type="twoTxTwoObj" preserve="1">
+<p:sldLayout xmlns:a="http://schemas.openxmlformats.org/drawingml/2006/main" xmlns:r="http://schemas.openxmlformats.org/officeDocument/2006/relationships" xmlns:mc="http://schemas.openxmlformats.org/markup-compatibility/2006" xmlns:mv="urn:schemas-microsoft-com:mac:vml" xmlns:p="http://schemas.openxmlformats.org/presentationml/2006/main" mc:Ignorable="mv" mc:PreserveAttributes="mv:*" type="twoTxTwoObj" preserve="1">
   <p:cSld name="Comparison">
     <p:spTree>
       <p:nvGrpSpPr>
@@ -1886,8 +1886,8 @@
         </p:nvSpPr>
         <p:spPr>
           <a:xfrm>
-            <a:off x="342900" y="2217385"/>
-            <a:ext cx="3030141" cy="924101"/>
+            <a:off x="1645922" y="9824724"/>
+            <a:ext cx="14544677" cy="4094478"/>
           </a:xfrm>
         </p:spPr>
         <p:txBody>
@@ -1895,39 +1895,39 @@
           <a:lstStyle>
             <a:lvl1pPr marL="0" indent="0">
               <a:buNone/>
-              <a:defRPr sz="2400" b="1"/>
+              <a:defRPr sz="11000" b="1"/>
             </a:lvl1pPr>
-            <a:lvl2pPr marL="457200" indent="0">
+            <a:lvl2pPr marL="2094799" indent="0">
               <a:buNone/>
-              <a:defRPr sz="2000" b="1"/>
+              <a:defRPr sz="9200" b="1"/>
             </a:lvl2pPr>
-            <a:lvl3pPr marL="914400" indent="0">
+            <a:lvl3pPr marL="4189598" indent="0">
               <a:buNone/>
-              <a:defRPr sz="1800" b="1"/>
+              <a:defRPr sz="8200" b="1"/>
             </a:lvl3pPr>
-            <a:lvl4pPr marL="1371600" indent="0">
+            <a:lvl4pPr marL="6284397" indent="0">
               <a:buNone/>
-              <a:defRPr sz="1600" b="1"/>
+              <a:defRPr sz="7300" b="1"/>
             </a:lvl4pPr>
-            <a:lvl5pPr marL="1828800" indent="0">
+            <a:lvl5pPr marL="8379196" indent="0">
               <a:buNone/>
-              <a:defRPr sz="1600" b="1"/>
+              <a:defRPr sz="7300" b="1"/>
             </a:lvl5pPr>
-            <a:lvl6pPr marL="2286000" indent="0">
+            <a:lvl6pPr marL="10473995" indent="0">
               <a:buNone/>
-              <a:defRPr sz="1600" b="1"/>
+              <a:defRPr sz="7300" b="1"/>
             </a:lvl6pPr>
-            <a:lvl7pPr marL="2743200" indent="0">
+            <a:lvl7pPr marL="12568794" indent="0">
               <a:buNone/>
-              <a:defRPr sz="1600" b="1"/>
+              <a:defRPr sz="7300" b="1"/>
             </a:lvl7pPr>
-            <a:lvl8pPr marL="3200400" indent="0">
+            <a:lvl8pPr marL="14663593" indent="0">
               <a:buNone/>
-              <a:defRPr sz="1600" b="1"/>
+              <a:defRPr sz="7300" b="1"/>
             </a:lvl8pPr>
-            <a:lvl9pPr marL="3657600" indent="0">
+            <a:lvl9pPr marL="16758392" indent="0">
               <a:buNone/>
-              <a:defRPr sz="1600" b="1"/>
+              <a:defRPr sz="7300" b="1"/>
             </a:lvl9pPr>
           </a:lstStyle>
           <a:p>
@@ -1951,39 +1951,39 @@
         </p:nvSpPr>
         <p:spPr>
           <a:xfrm>
-            <a:off x="342900" y="3141486"/>
-            <a:ext cx="3030141" cy="5707416"/>
+            <a:off x="1645922" y="13919200"/>
+            <a:ext cx="14544677" cy="25288243"/>
           </a:xfrm>
         </p:spPr>
         <p:txBody>
           <a:bodyPr/>
           <a:lstStyle>
             <a:lvl1pPr>
-              <a:defRPr sz="2400"/>
+              <a:defRPr sz="11000"/>
             </a:lvl1pPr>
             <a:lvl2pPr>
-              <a:defRPr sz="2000"/>
+              <a:defRPr sz="9200"/>
             </a:lvl2pPr>
             <a:lvl3pPr>
-              <a:defRPr sz="1800"/>
+              <a:defRPr sz="8200"/>
             </a:lvl3pPr>
             <a:lvl4pPr>
-              <a:defRPr sz="1600"/>
+              <a:defRPr sz="7300"/>
             </a:lvl4pPr>
             <a:lvl5pPr>
-              <a:defRPr sz="1600"/>
+              <a:defRPr sz="7300"/>
             </a:lvl5pPr>
             <a:lvl6pPr>
-              <a:defRPr sz="1600"/>
+              <a:defRPr sz="7300"/>
             </a:lvl6pPr>
             <a:lvl7pPr>
-              <a:defRPr sz="1600"/>
+              <a:defRPr sz="7300"/>
             </a:lvl7pPr>
             <a:lvl8pPr>
-              <a:defRPr sz="1600"/>
+              <a:defRPr sz="7300"/>
             </a:lvl8pPr>
             <a:lvl9pPr>
-              <a:defRPr sz="1600"/>
+              <a:defRPr sz="7300"/>
             </a:lvl9pPr>
           </a:lstStyle>
           <a:p>
@@ -2036,8 +2036,8 @@
         </p:nvSpPr>
         <p:spPr>
           <a:xfrm>
-            <a:off x="3483769" y="2217385"/>
-            <a:ext cx="3031331" cy="924101"/>
+            <a:off x="16722094" y="9824724"/>
+            <a:ext cx="14550389" cy="4094478"/>
           </a:xfrm>
         </p:spPr>
         <p:txBody>
@@ -2045,39 +2045,39 @@
           <a:lstStyle>
             <a:lvl1pPr marL="0" indent="0">
               <a:buNone/>
-              <a:defRPr sz="2400" b="1"/>
+              <a:defRPr sz="11000" b="1"/>
             </a:lvl1pPr>
-            <a:lvl2pPr marL="457200" indent="0">
+            <a:lvl2pPr marL="2094799" indent="0">
               <a:buNone/>
-              <a:defRPr sz="2000" b="1"/>
+              <a:defRPr sz="9200" b="1"/>
             </a:lvl2pPr>
-            <a:lvl3pPr marL="914400" indent="0">
+            <a:lvl3pPr marL="4189598" indent="0">
               <a:buNone/>
-              <a:defRPr sz="1800" b="1"/>
+              <a:defRPr sz="8200" b="1"/>
             </a:lvl3pPr>
-            <a:lvl4pPr marL="1371600" indent="0">
+            <a:lvl4pPr marL="6284397" indent="0">
               <a:buNone/>
-              <a:defRPr sz="1600" b="1"/>
+              <a:defRPr sz="7300" b="1"/>
             </a:lvl4pPr>
-            <a:lvl5pPr marL="1828800" indent="0">
+            <a:lvl5pPr marL="8379196" indent="0">
               <a:buNone/>
-              <a:defRPr sz="1600" b="1"/>
+              <a:defRPr sz="7300" b="1"/>
             </a:lvl5pPr>
-            <a:lvl6pPr marL="2286000" indent="0">
+            <a:lvl6pPr marL="10473995" indent="0">
               <a:buNone/>
-              <a:defRPr sz="1600" b="1"/>
+              <a:defRPr sz="7300" b="1"/>
             </a:lvl6pPr>
-            <a:lvl7pPr marL="2743200" indent="0">
+            <a:lvl7pPr marL="12568794" indent="0">
               <a:buNone/>
-              <a:defRPr sz="1600" b="1"/>
+              <a:defRPr sz="7300" b="1"/>
             </a:lvl7pPr>
-            <a:lvl8pPr marL="3200400" indent="0">
+            <a:lvl8pPr marL="14663593" indent="0">
               <a:buNone/>
-              <a:defRPr sz="1600" b="1"/>
+              <a:defRPr sz="7300" b="1"/>
             </a:lvl8pPr>
-            <a:lvl9pPr marL="3657600" indent="0">
+            <a:lvl9pPr marL="16758392" indent="0">
               <a:buNone/>
-              <a:defRPr sz="1600" b="1"/>
+              <a:defRPr sz="7300" b="1"/>
             </a:lvl9pPr>
           </a:lstStyle>
           <a:p>
@@ -2101,39 +2101,39 @@
         </p:nvSpPr>
         <p:spPr>
           <a:xfrm>
-            <a:off x="3483769" y="3141486"/>
-            <a:ext cx="3031331" cy="5707416"/>
+            <a:off x="16722094" y="13919200"/>
+            <a:ext cx="14550389" cy="25288243"/>
           </a:xfrm>
         </p:spPr>
         <p:txBody>
           <a:bodyPr/>
           <a:lstStyle>
             <a:lvl1pPr>
-              <a:defRPr sz="2400"/>
+              <a:defRPr sz="11000"/>
             </a:lvl1pPr>
             <a:lvl2pPr>
-              <a:defRPr sz="2000"/>
+              <a:defRPr sz="9200"/>
             </a:lvl2pPr>
             <a:lvl3pPr>
-              <a:defRPr sz="1800"/>
+              <a:defRPr sz="8200"/>
             </a:lvl3pPr>
             <a:lvl4pPr>
-              <a:defRPr sz="1600"/>
+              <a:defRPr sz="7300"/>
             </a:lvl4pPr>
             <a:lvl5pPr>
-              <a:defRPr sz="1600"/>
+              <a:defRPr sz="7300"/>
             </a:lvl5pPr>
             <a:lvl6pPr>
-              <a:defRPr sz="1600"/>
+              <a:defRPr sz="7300"/>
             </a:lvl6pPr>
             <a:lvl7pPr>
-              <a:defRPr sz="1600"/>
+              <a:defRPr sz="7300"/>
             </a:lvl7pPr>
             <a:lvl8pPr>
-              <a:defRPr sz="1600"/>
+              <a:defRPr sz="7300"/>
             </a:lvl8pPr>
             <a:lvl9pPr>
-              <a:defRPr sz="1600"/>
+              <a:defRPr sz="7300"/>
             </a:lvl9pPr>
           </a:lstStyle>
           <a:p>
@@ -2192,7 +2192,7 @@
             <a:fld id="{5857B85E-793F-44C6-87E5-E4AB0831A5C0}" type="datetimeFigureOut">
               <a:rPr lang="en-US" smtClean="0"/>
               <a:pPr/>
-              <a:t>7/24/2009</a:t>
+              <a:t>7/24/09</a:t>
             </a:fld>
             <a:endParaRPr lang="en-US"/>
           </a:p>
@@ -2250,7 +2250,7 @@
 </file>
 
 <file path=ppt/slideLayouts/slideLayout6.xml><?xml version="1.0" encoding="utf-8"?>
-<p:sldLayout xmlns:a="http://schemas.openxmlformats.org/drawingml/2006/main" xmlns:r="http://schemas.openxmlformats.org/officeDocument/2006/relationships" xmlns:p="http://schemas.openxmlformats.org/presentationml/2006/main" type="titleOnly" preserve="1">
+<p:sldLayout xmlns:a="http://schemas.openxmlformats.org/drawingml/2006/main" xmlns:r="http://schemas.openxmlformats.org/officeDocument/2006/relationships" xmlns:mc="http://schemas.openxmlformats.org/markup-compatibility/2006" xmlns:mv="urn:schemas-microsoft-com:mac:vml" xmlns:p="http://schemas.openxmlformats.org/presentationml/2006/main" mc:Ignorable="mv" mc:PreserveAttributes="mv:*" type="titleOnly" preserve="1">
   <p:cSld name="Title Only">
     <p:spTree>
       <p:nvGrpSpPr>
@@ -2307,7 +2307,7 @@
             <a:fld id="{5857B85E-793F-44C6-87E5-E4AB0831A5C0}" type="datetimeFigureOut">
               <a:rPr lang="en-US" smtClean="0"/>
               <a:pPr/>
-              <a:t>7/24/2009</a:t>
+              <a:t>7/24/09</a:t>
             </a:fld>
             <a:endParaRPr lang="en-US"/>
           </a:p>
@@ -2365,7 +2365,7 @@
 </file>
 
 <file path=ppt/slideLayouts/slideLayout7.xml><?xml version="1.0" encoding="utf-8"?>
-<p:sldLayout xmlns:a="http://schemas.openxmlformats.org/drawingml/2006/main" xmlns:r="http://schemas.openxmlformats.org/officeDocument/2006/relationships" xmlns:p="http://schemas.openxmlformats.org/presentationml/2006/main" type="blank" preserve="1">
+<p:sldLayout xmlns:a="http://schemas.openxmlformats.org/drawingml/2006/main" xmlns:r="http://schemas.openxmlformats.org/officeDocument/2006/relationships" xmlns:mc="http://schemas.openxmlformats.org/markup-compatibility/2006" xmlns:mv="urn:schemas-microsoft-com:mac:vml" xmlns:p="http://schemas.openxmlformats.org/presentationml/2006/main" mc:Ignorable="mv" mc:PreserveAttributes="mv:*" type="blank" preserve="1">
   <p:cSld name="Blank">
     <p:spTree>
       <p:nvGrpSpPr>
@@ -2399,7 +2399,7 @@
             <a:fld id="{5857B85E-793F-44C6-87E5-E4AB0831A5C0}" type="datetimeFigureOut">
               <a:rPr lang="en-US" smtClean="0"/>
               <a:pPr/>
-              <a:t>7/24/2009</a:t>
+              <a:t>7/24/09</a:t>
             </a:fld>
             <a:endParaRPr lang="en-US"/>
           </a:p>
@@ -2457,7 +2457,7 @@
 </file>
 
 <file path=ppt/slideLayouts/slideLayout8.xml><?xml version="1.0" encoding="utf-8"?>
-<p:sldLayout xmlns:a="http://schemas.openxmlformats.org/drawingml/2006/main" xmlns:r="http://schemas.openxmlformats.org/officeDocument/2006/relationships" xmlns:p="http://schemas.openxmlformats.org/presentationml/2006/main" type="objTx" preserve="1">
+<p:sldLayout xmlns:a="http://schemas.openxmlformats.org/drawingml/2006/main" xmlns:r="http://schemas.openxmlformats.org/officeDocument/2006/relationships" xmlns:mc="http://schemas.openxmlformats.org/markup-compatibility/2006" xmlns:mv="urn:schemas-microsoft-com:mac:vml" xmlns:p="http://schemas.openxmlformats.org/presentationml/2006/main" mc:Ignorable="mv" mc:PreserveAttributes="mv:*" type="objTx" preserve="1">
   <p:cSld name="Content with Caption">
     <p:spTree>
       <p:nvGrpSpPr>
@@ -2485,15 +2485,15 @@
         </p:nvSpPr>
         <p:spPr>
           <a:xfrm>
-            <a:off x="342900" y="394405"/>
-            <a:ext cx="2256235" cy="1678517"/>
+            <a:off x="1645922" y="1747520"/>
+            <a:ext cx="10829928" cy="7437121"/>
           </a:xfrm>
         </p:spPr>
         <p:txBody>
           <a:bodyPr anchor="b"/>
           <a:lstStyle>
             <a:lvl1pPr algn="l">
-              <a:defRPr sz="2000" b="1"/>
+              <a:defRPr sz="9200" b="1"/>
             </a:lvl1pPr>
           </a:lstStyle>
           <a:p>
@@ -2517,39 +2517,39 @@
         </p:nvSpPr>
         <p:spPr>
           <a:xfrm>
-            <a:off x="2681287" y="394406"/>
-            <a:ext cx="3833813" cy="8454497"/>
+            <a:off x="12870180" y="1747524"/>
+            <a:ext cx="18402302" cy="37459925"/>
           </a:xfrm>
         </p:spPr>
         <p:txBody>
           <a:bodyPr/>
           <a:lstStyle>
             <a:lvl1pPr>
-              <a:defRPr sz="3200"/>
+              <a:defRPr sz="14700"/>
             </a:lvl1pPr>
             <a:lvl2pPr>
-              <a:defRPr sz="2800"/>
+              <a:defRPr sz="12800"/>
             </a:lvl2pPr>
             <a:lvl3pPr>
-              <a:defRPr sz="2400"/>
+              <a:defRPr sz="11000"/>
             </a:lvl3pPr>
             <a:lvl4pPr>
-              <a:defRPr sz="2000"/>
+              <a:defRPr sz="9200"/>
             </a:lvl4pPr>
             <a:lvl5pPr>
-              <a:defRPr sz="2000"/>
+              <a:defRPr sz="9200"/>
             </a:lvl5pPr>
             <a:lvl6pPr>
-              <a:defRPr sz="2000"/>
+              <a:defRPr sz="9200"/>
             </a:lvl6pPr>
             <a:lvl7pPr>
-              <a:defRPr sz="2000"/>
+              <a:defRPr sz="9200"/>
             </a:lvl7pPr>
             <a:lvl8pPr>
-              <a:defRPr sz="2000"/>
+              <a:defRPr sz="9200"/>
             </a:lvl8pPr>
             <a:lvl9pPr>
-              <a:defRPr sz="2000"/>
+              <a:defRPr sz="9200"/>
             </a:lvl9pPr>
           </a:lstStyle>
           <a:p>
@@ -2602,8 +2602,8 @@
         </p:nvSpPr>
         <p:spPr>
           <a:xfrm>
-            <a:off x="342900" y="2072923"/>
-            <a:ext cx="2256235" cy="6775980"/>
+            <a:off x="1645922" y="9184643"/>
+            <a:ext cx="10829928" cy="30022804"/>
           </a:xfrm>
         </p:spPr>
         <p:txBody>
@@ -2611,39 +2611,39 @@
           <a:lstStyle>
             <a:lvl1pPr marL="0" indent="0">
               <a:buNone/>
-              <a:defRPr sz="1400"/>
+              <a:defRPr sz="6400"/>
             </a:lvl1pPr>
-            <a:lvl2pPr marL="457200" indent="0">
+            <a:lvl2pPr marL="2094799" indent="0">
               <a:buNone/>
-              <a:defRPr sz="1200"/>
+              <a:defRPr sz="5500"/>
             </a:lvl2pPr>
-            <a:lvl3pPr marL="914400" indent="0">
+            <a:lvl3pPr marL="4189598" indent="0">
               <a:buNone/>
-              <a:defRPr sz="1000"/>
+              <a:defRPr sz="4600"/>
             </a:lvl3pPr>
-            <a:lvl4pPr marL="1371600" indent="0">
+            <a:lvl4pPr marL="6284397" indent="0">
               <a:buNone/>
-              <a:defRPr sz="900"/>
+              <a:defRPr sz="4100"/>
             </a:lvl4pPr>
-            <a:lvl5pPr marL="1828800" indent="0">
+            <a:lvl5pPr marL="8379196" indent="0">
               <a:buNone/>
-              <a:defRPr sz="900"/>
+              <a:defRPr sz="4100"/>
             </a:lvl5pPr>
-            <a:lvl6pPr marL="2286000" indent="0">
+            <a:lvl6pPr marL="10473995" indent="0">
               <a:buNone/>
-              <a:defRPr sz="900"/>
+              <a:defRPr sz="4100"/>
             </a:lvl6pPr>
-            <a:lvl7pPr marL="2743200" indent="0">
+            <a:lvl7pPr marL="12568794" indent="0">
               <a:buNone/>
-              <a:defRPr sz="900"/>
+              <a:defRPr sz="4100"/>
             </a:lvl7pPr>
-            <a:lvl8pPr marL="3200400" indent="0">
+            <a:lvl8pPr marL="14663593" indent="0">
               <a:buNone/>
-              <a:defRPr sz="900"/>
+              <a:defRPr sz="4100"/>
             </a:lvl8pPr>
-            <a:lvl9pPr marL="3657600" indent="0">
+            <a:lvl9pPr marL="16758392" indent="0">
               <a:buNone/>
-              <a:defRPr sz="900"/>
+              <a:defRPr sz="4100"/>
             </a:lvl9pPr>
           </a:lstStyle>
           <a:p>
@@ -2673,7 +2673,7 @@
             <a:fld id="{5857B85E-793F-44C6-87E5-E4AB0831A5C0}" type="datetimeFigureOut">
               <a:rPr lang="en-US" smtClean="0"/>
               <a:pPr/>
-              <a:t>7/24/2009</a:t>
+              <a:t>7/24/09</a:t>
             </a:fld>
             <a:endParaRPr lang="en-US"/>
           </a:p>
@@ -2731,7 +2731,7 @@
 </file>
 
 <file path=ppt/slideLayouts/slideLayout9.xml><?xml version="1.0" encoding="utf-8"?>
-<p:sldLayout xmlns:a="http://schemas.openxmlformats.org/drawingml/2006/main" xmlns:r="http://schemas.openxmlformats.org/officeDocument/2006/relationships" xmlns:p="http://schemas.openxmlformats.org/presentationml/2006/main" type="picTx" preserve="1">
+<p:sldLayout xmlns:a="http://schemas.openxmlformats.org/drawingml/2006/main" xmlns:r="http://schemas.openxmlformats.org/officeDocument/2006/relationships" xmlns:mc="http://schemas.openxmlformats.org/markup-compatibility/2006" xmlns:mv="urn:schemas-microsoft-com:mac:vml" xmlns:p="http://schemas.openxmlformats.org/presentationml/2006/main" mc:Ignorable="mv" mc:PreserveAttributes="mv:*" type="picTx" preserve="1">
   <p:cSld name="Picture with Caption">
     <p:spTree>
       <p:nvGrpSpPr>
@@ -2759,15 +2759,15 @@
         </p:nvSpPr>
         <p:spPr>
           <a:xfrm>
-            <a:off x="1344216" y="6934200"/>
-            <a:ext cx="4114800" cy="818622"/>
+            <a:off x="6452237" y="30723840"/>
+            <a:ext cx="19751040" cy="3627125"/>
           </a:xfrm>
         </p:spPr>
         <p:txBody>
           <a:bodyPr anchor="b"/>
           <a:lstStyle>
             <a:lvl1pPr algn="l">
-              <a:defRPr sz="2000" b="1"/>
+              <a:defRPr sz="9200" b="1"/>
             </a:lvl1pPr>
           </a:lstStyle>
           <a:p>
@@ -2791,8 +2791,8 @@
         </p:nvSpPr>
         <p:spPr>
           <a:xfrm>
-            <a:off x="1344216" y="885119"/>
-            <a:ext cx="4114800" cy="5943600"/>
+            <a:off x="6452237" y="3921758"/>
+            <a:ext cx="19751040" cy="26334720"/>
           </a:xfrm>
         </p:spPr>
         <p:txBody>
@@ -2800,39 +2800,39 @@
           <a:lstStyle>
             <a:lvl1pPr marL="0" indent="0">
               <a:buNone/>
-              <a:defRPr sz="3200"/>
+              <a:defRPr sz="14700"/>
             </a:lvl1pPr>
-            <a:lvl2pPr marL="457200" indent="0">
+            <a:lvl2pPr marL="2094799" indent="0">
               <a:buNone/>
-              <a:defRPr sz="2800"/>
+              <a:defRPr sz="12800"/>
             </a:lvl2pPr>
-            <a:lvl3pPr marL="914400" indent="0">
+            <a:lvl3pPr marL="4189598" indent="0">
               <a:buNone/>
-              <a:defRPr sz="2400"/>
+              <a:defRPr sz="11000"/>
             </a:lvl3pPr>
-            <a:lvl4pPr marL="1371600" indent="0">
+            <a:lvl4pPr marL="6284397" indent="0">
               <a:buNone/>
-              <a:defRPr sz="2000"/>
+              <a:defRPr sz="9200"/>
             </a:lvl4pPr>
-            <a:lvl5pPr marL="1828800" indent="0">
+            <a:lvl5pPr marL="8379196" indent="0">
               <a:buNone/>
-              <a:defRPr sz="2000"/>
+              <a:defRPr sz="9200"/>
             </a:lvl5pPr>
-            <a:lvl6pPr marL="2286000" indent="0">
+            <a:lvl6pPr marL="10473995" indent="0">
               <a:buNone/>
-              <a:defRPr sz="2000"/>
+              <a:defRPr sz="9200"/>
             </a:lvl6pPr>
-            <a:lvl7pPr marL="2743200" indent="0">
+            <a:lvl7pPr marL="12568794" indent="0">
               <a:buNone/>
-              <a:defRPr sz="2000"/>
+              <a:defRPr sz="9200"/>
             </a:lvl7pPr>
-            <a:lvl8pPr marL="3200400" indent="0">
+            <a:lvl8pPr marL="14663593" indent="0">
               <a:buNone/>
-              <a:defRPr sz="2000"/>
+              <a:defRPr sz="9200"/>
             </a:lvl8pPr>
-            <a:lvl9pPr marL="3657600" indent="0">
+            <a:lvl9pPr marL="16758392" indent="0">
               <a:buNone/>
-              <a:defRPr sz="2000"/>
+              <a:defRPr sz="9200"/>
             </a:lvl9pPr>
           </a:lstStyle>
           <a:p>
@@ -2852,8 +2852,8 @@
         </p:nvSpPr>
         <p:spPr>
           <a:xfrm>
-            <a:off x="1344216" y="7752822"/>
-            <a:ext cx="4114800" cy="1162578"/>
+            <a:off x="6452237" y="34350965"/>
+            <a:ext cx="19751040" cy="5151115"/>
           </a:xfrm>
         </p:spPr>
         <p:txBody>
@@ -2861,39 +2861,39 @@
           <a:lstStyle>
             <a:lvl1pPr marL="0" indent="0">
               <a:buNone/>
-              <a:defRPr sz="1400"/>
+              <a:defRPr sz="6400"/>
             </a:lvl1pPr>
-            <a:lvl2pPr marL="457200" indent="0">
+            <a:lvl2pPr marL="2094799" indent="0">
               <a:buNone/>
-              <a:defRPr sz="1200"/>
+              <a:defRPr sz="5500"/>
             </a:lvl2pPr>
-            <a:lvl3pPr marL="914400" indent="0">
+            <a:lvl3pPr marL="4189598" indent="0">
               <a:buNone/>
-              <a:defRPr sz="1000"/>
+              <a:defRPr sz="4600"/>
             </a:lvl3pPr>
-            <a:lvl4pPr marL="1371600" indent="0">
+            <a:lvl4pPr marL="6284397" indent="0">
               <a:buNone/>
-              <a:defRPr sz="900"/>
+              <a:defRPr sz="4100"/>
             </a:lvl4pPr>
-            <a:lvl5pPr marL="1828800" indent="0">
+            <a:lvl5pPr marL="8379196" indent="0">
               <a:buNone/>
-              <a:defRPr sz="900"/>
+              <a:defRPr sz="4100"/>
             </a:lvl5pPr>
-            <a:lvl6pPr marL="2286000" indent="0">
+            <a:lvl6pPr marL="10473995" indent="0">
               <a:buNone/>
-              <a:defRPr sz="900"/>
+              <a:defRPr sz="4100"/>
             </a:lvl6pPr>
-            <a:lvl7pPr marL="2743200" indent="0">
+            <a:lvl7pPr marL="12568794" indent="0">
               <a:buNone/>
-              <a:defRPr sz="900"/>
+              <a:defRPr sz="4100"/>
             </a:lvl7pPr>
-            <a:lvl8pPr marL="3200400" indent="0">
+            <a:lvl8pPr marL="14663593" indent="0">
               <a:buNone/>
-              <a:defRPr sz="900"/>
+              <a:defRPr sz="4100"/>
             </a:lvl8pPr>
-            <a:lvl9pPr marL="3657600" indent="0">
+            <a:lvl9pPr marL="16758392" indent="0">
               <a:buNone/>
-              <a:defRPr sz="900"/>
+              <a:defRPr sz="4100"/>
             </a:lvl9pPr>
           </a:lstStyle>
           <a:p>
@@ -2923,7 +2923,7 @@
             <a:fld id="{5857B85E-793F-44C6-87E5-E4AB0831A5C0}" type="datetimeFigureOut">
               <a:rPr lang="en-US" smtClean="0"/>
               <a:pPr/>
-              <a:t>7/24/2009</a:t>
+              <a:t>7/24/09</a:t>
             </a:fld>
             <a:endParaRPr lang="en-US"/>
           </a:p>
@@ -2981,7 +2981,7 @@
 </file>
 
 <file path=ppt/slideMasters/slideMaster1.xml><?xml version="1.0" encoding="utf-8"?>
-<p:sldMaster xmlns:a="http://schemas.openxmlformats.org/drawingml/2006/main" xmlns:r="http://schemas.openxmlformats.org/officeDocument/2006/relationships" xmlns:p="http://schemas.openxmlformats.org/presentationml/2006/main">
+<p:sldMaster xmlns:a="http://schemas.openxmlformats.org/drawingml/2006/main" xmlns:r="http://schemas.openxmlformats.org/officeDocument/2006/relationships" xmlns:mc="http://schemas.openxmlformats.org/markup-compatibility/2006" xmlns:mv="urn:schemas-microsoft-com:mac:vml" xmlns:p="http://schemas.openxmlformats.org/presentationml/2006/main" mc:Ignorable="mv" mc:PreserveAttributes="mv:*">
   <p:cSld>
     <p:bg>
       <p:bgRef idx="1001">
@@ -3014,15 +3014,15 @@
         </p:nvSpPr>
         <p:spPr>
           <a:xfrm>
-            <a:off x="342900" y="396699"/>
-            <a:ext cx="6172200" cy="1651000"/>
+            <a:off x="1645920" y="1757682"/>
+            <a:ext cx="29626560" cy="7315200"/>
           </a:xfrm>
           <a:prstGeom prst="rect">
             <a:avLst/>
           </a:prstGeom>
         </p:spPr>
         <p:txBody>
-          <a:bodyPr vert="horz" lIns="91440" tIns="45720" rIns="91440" bIns="45720" rtlCol="0" anchor="ctr">
+          <a:bodyPr vert="horz" lIns="418960" tIns="209480" rIns="418960" bIns="209480" rtlCol="0" anchor="ctr">
             <a:normAutofit/>
           </a:bodyPr>
           <a:lstStyle/>
@@ -3047,15 +3047,15 @@
         </p:nvSpPr>
         <p:spPr>
           <a:xfrm>
-            <a:off x="342900" y="2311401"/>
-            <a:ext cx="6172200" cy="6537502"/>
+            <a:off x="1645920" y="10241284"/>
+            <a:ext cx="29626560" cy="28966163"/>
           </a:xfrm>
           <a:prstGeom prst="rect">
             <a:avLst/>
           </a:prstGeom>
         </p:spPr>
         <p:txBody>
-          <a:bodyPr vert="horz" lIns="91440" tIns="45720" rIns="91440" bIns="45720" rtlCol="0">
+          <a:bodyPr vert="horz" lIns="418960" tIns="209480" rIns="418960" bIns="209480" rtlCol="0">
             <a:normAutofit/>
           </a:bodyPr>
           <a:lstStyle/>
@@ -3109,18 +3109,18 @@
         </p:nvSpPr>
         <p:spPr>
           <a:xfrm>
-            <a:off x="342900" y="9181395"/>
-            <a:ext cx="1600200" cy="527403"/>
+            <a:off x="1645920" y="40680645"/>
+            <a:ext cx="7680960" cy="2336801"/>
           </a:xfrm>
           <a:prstGeom prst="rect">
             <a:avLst/>
           </a:prstGeom>
         </p:spPr>
         <p:txBody>
-          <a:bodyPr vert="horz" lIns="91440" tIns="45720" rIns="91440" bIns="45720" rtlCol="0" anchor="ctr"/>
+          <a:bodyPr vert="horz" lIns="418960" tIns="209480" rIns="418960" bIns="209480" rtlCol="0" anchor="ctr"/>
           <a:lstStyle>
             <a:lvl1pPr algn="l">
-              <a:defRPr sz="1200">
+              <a:defRPr sz="5500">
                 <a:solidFill>
                   <a:schemeClr val="tx1">
                     <a:tint val="75000"/>
@@ -3133,7 +3133,7 @@
             <a:fld id="{5857B85E-793F-44C6-87E5-E4AB0831A5C0}" type="datetimeFigureOut">
               <a:rPr lang="en-US" smtClean="0"/>
               <a:pPr/>
-              <a:t>7/24/2009</a:t>
+              <a:t>7/24/09</a:t>
             </a:fld>
             <a:endParaRPr lang="en-US"/>
           </a:p>
@@ -3151,18 +3151,18 @@
         </p:nvSpPr>
         <p:spPr>
           <a:xfrm>
-            <a:off x="2343150" y="9181395"/>
-            <a:ext cx="2171700" cy="527403"/>
+            <a:off x="11247120" y="40680645"/>
+            <a:ext cx="10424160" cy="2336801"/>
           </a:xfrm>
           <a:prstGeom prst="rect">
             <a:avLst/>
           </a:prstGeom>
         </p:spPr>
         <p:txBody>
-          <a:bodyPr vert="horz" lIns="91440" tIns="45720" rIns="91440" bIns="45720" rtlCol="0" anchor="ctr"/>
+          <a:bodyPr vert="horz" lIns="418960" tIns="209480" rIns="418960" bIns="209480" rtlCol="0" anchor="ctr"/>
           <a:lstStyle>
             <a:lvl1pPr algn="ctr">
-              <a:defRPr sz="1200">
+              <a:defRPr sz="5500">
                 <a:solidFill>
                   <a:schemeClr val="tx1">
                     <a:tint val="75000"/>
@@ -3188,18 +3188,18 @@
         </p:nvSpPr>
         <p:spPr>
           <a:xfrm>
-            <a:off x="4914900" y="9181395"/>
-            <a:ext cx="1600200" cy="527403"/>
+            <a:off x="23591520" y="40680645"/>
+            <a:ext cx="7680960" cy="2336801"/>
           </a:xfrm>
           <a:prstGeom prst="rect">
             <a:avLst/>
           </a:prstGeom>
         </p:spPr>
         <p:txBody>
-          <a:bodyPr vert="horz" lIns="91440" tIns="45720" rIns="91440" bIns="45720" rtlCol="0" anchor="ctr"/>
+          <a:bodyPr vert="horz" lIns="418960" tIns="209480" rIns="418960" bIns="209480" rtlCol="0" anchor="ctr"/>
           <a:lstStyle>
             <a:lvl1pPr algn="r">
-              <a:defRPr sz="1200">
+              <a:defRPr sz="5500">
                 <a:solidFill>
                   <a:schemeClr val="tx1">
                     <a:tint val="75000"/>
@@ -3236,12 +3236,12 @@
   </p:sldLayoutIdLst>
   <p:txStyles>
     <p:titleStyle>
-      <a:lvl1pPr algn="ctr" defTabSz="914400" rtl="0" eaLnBrk="1" latinLnBrk="0" hangingPunct="1">
+      <a:lvl1pPr algn="ctr" defTabSz="4189598" rtl="0" eaLnBrk="1" latinLnBrk="0" hangingPunct="1">
         <a:spcBef>
           <a:spcPct val="0"/>
         </a:spcBef>
         <a:buNone/>
-        <a:defRPr sz="4400" kern="1200">
+        <a:defRPr sz="20200" kern="1200">
           <a:solidFill>
             <a:schemeClr val="tx1"/>
           </a:solidFill>
@@ -3252,13 +3252,13 @@
       </a:lvl1pPr>
     </p:titleStyle>
     <p:bodyStyle>
-      <a:lvl1pPr marL="342900" indent="-342900" algn="l" defTabSz="914400" rtl="0" eaLnBrk="1" latinLnBrk="0" hangingPunct="1">
+      <a:lvl1pPr marL="1571099" indent="-1571099" algn="l" defTabSz="4189598" rtl="0" eaLnBrk="1" latinLnBrk="0" hangingPunct="1">
         <a:spcBef>
           <a:spcPct val="20000"/>
         </a:spcBef>
         <a:buFont typeface="Arial" pitchFamily="34" charset="0"/>
         <a:buChar char="•"/>
-        <a:defRPr sz="3200" kern="1200">
+        <a:defRPr sz="14700" kern="1200">
           <a:solidFill>
             <a:schemeClr val="tx1"/>
           </a:solidFill>
@@ -3267,13 +3267,13 @@
           <a:cs typeface="+mn-cs"/>
         </a:defRPr>
       </a:lvl1pPr>
-      <a:lvl2pPr marL="742950" indent="-285750" algn="l" defTabSz="914400" rtl="0" eaLnBrk="1" latinLnBrk="0" hangingPunct="1">
+      <a:lvl2pPr marL="3404048" indent="-1309249" algn="l" defTabSz="4189598" rtl="0" eaLnBrk="1" latinLnBrk="0" hangingPunct="1">
         <a:spcBef>
           <a:spcPct val="20000"/>
         </a:spcBef>
         <a:buFont typeface="Arial" pitchFamily="34" charset="0"/>
         <a:buChar char="–"/>
-        <a:defRPr sz="2800" kern="1200">
+        <a:defRPr sz="12800" kern="1200">
           <a:solidFill>
             <a:schemeClr val="tx1"/>
           </a:solidFill>
@@ -3282,13 +3282,13 @@
           <a:cs typeface="+mn-cs"/>
         </a:defRPr>
       </a:lvl2pPr>
-      <a:lvl3pPr marL="1143000" indent="-228600" algn="l" defTabSz="914400" rtl="0" eaLnBrk="1" latinLnBrk="0" hangingPunct="1">
+      <a:lvl3pPr marL="5236997" indent="-1047399" algn="l" defTabSz="4189598" rtl="0" eaLnBrk="1" latinLnBrk="0" hangingPunct="1">
         <a:spcBef>
           <a:spcPct val="20000"/>
         </a:spcBef>
         <a:buFont typeface="Arial" pitchFamily="34" charset="0"/>
         <a:buChar char="•"/>
-        <a:defRPr sz="2400" kern="1200">
+        <a:defRPr sz="11000" kern="1200">
           <a:solidFill>
             <a:schemeClr val="tx1"/>
           </a:solidFill>
@@ -3297,13 +3297,13 @@
           <a:cs typeface="+mn-cs"/>
         </a:defRPr>
       </a:lvl3pPr>
-      <a:lvl4pPr marL="1600200" indent="-228600" algn="l" defTabSz="914400" rtl="0" eaLnBrk="1" latinLnBrk="0" hangingPunct="1">
+      <a:lvl4pPr marL="7331796" indent="-1047399" algn="l" defTabSz="4189598" rtl="0" eaLnBrk="1" latinLnBrk="0" hangingPunct="1">
         <a:spcBef>
           <a:spcPct val="20000"/>
         </a:spcBef>
         <a:buFont typeface="Arial" pitchFamily="34" charset="0"/>
         <a:buChar char="–"/>
-        <a:defRPr sz="2000" kern="1200">
+        <a:defRPr sz="9200" kern="1200">
           <a:solidFill>
             <a:schemeClr val="tx1"/>
           </a:solidFill>
@@ -3312,13 +3312,13 @@
           <a:cs typeface="+mn-cs"/>
         </a:defRPr>
       </a:lvl4pPr>
-      <a:lvl5pPr marL="2057400" indent="-228600" algn="l" defTabSz="914400" rtl="0" eaLnBrk="1" latinLnBrk="0" hangingPunct="1">
+      <a:lvl5pPr marL="9426595" indent="-1047399" algn="l" defTabSz="4189598" rtl="0" eaLnBrk="1" latinLnBrk="0" hangingPunct="1">
         <a:spcBef>
           <a:spcPct val="20000"/>
         </a:spcBef>
         <a:buFont typeface="Arial" pitchFamily="34" charset="0"/>
         <a:buChar char="»"/>
-        <a:defRPr sz="2000" kern="1200">
+        <a:defRPr sz="9200" kern="1200">
           <a:solidFill>
             <a:schemeClr val="tx1"/>
           </a:solidFill>
@@ -3327,13 +3327,13 @@
           <a:cs typeface="+mn-cs"/>
         </a:defRPr>
       </a:lvl5pPr>
-      <a:lvl6pPr marL="2514600" indent="-228600" algn="l" defTabSz="914400" rtl="0" eaLnBrk="1" latinLnBrk="0" hangingPunct="1">
+      <a:lvl6pPr marL="11521394" indent="-1047399" algn="l" defTabSz="4189598" rtl="0" eaLnBrk="1" latinLnBrk="0" hangingPunct="1">
         <a:spcBef>
           <a:spcPct val="20000"/>
         </a:spcBef>
         <a:buFont typeface="Arial" pitchFamily="34" charset="0"/>
         <a:buChar char="•"/>
-        <a:defRPr sz="2000" kern="1200">
+        <a:defRPr sz="9200" kern="1200">
           <a:solidFill>
             <a:schemeClr val="tx1"/>
           </a:solidFill>
@@ -3342,13 +3342,13 @@
           <a:cs typeface="+mn-cs"/>
         </a:defRPr>
       </a:lvl6pPr>
-      <a:lvl7pPr marL="2971800" indent="-228600" algn="l" defTabSz="914400" rtl="0" eaLnBrk="1" latinLnBrk="0" hangingPunct="1">
+      <a:lvl7pPr marL="13616193" indent="-1047399" algn="l" defTabSz="4189598" rtl="0" eaLnBrk="1" latinLnBrk="0" hangingPunct="1">
         <a:spcBef>
           <a:spcPct val="20000"/>
         </a:spcBef>
         <a:buFont typeface="Arial" pitchFamily="34" charset="0"/>
         <a:buChar char="•"/>
-        <a:defRPr sz="2000" kern="1200">
+        <a:defRPr sz="9200" kern="1200">
           <a:solidFill>
             <a:schemeClr val="tx1"/>
           </a:solidFill>
@@ -3357,13 +3357,13 @@
           <a:cs typeface="+mn-cs"/>
         </a:defRPr>
       </a:lvl7pPr>
-      <a:lvl8pPr marL="3429000" indent="-228600" algn="l" defTabSz="914400" rtl="0" eaLnBrk="1" latinLnBrk="0" hangingPunct="1">
+      <a:lvl8pPr marL="15710992" indent="-1047399" algn="l" defTabSz="4189598" rtl="0" eaLnBrk="1" latinLnBrk="0" hangingPunct="1">
         <a:spcBef>
           <a:spcPct val="20000"/>
         </a:spcBef>
         <a:buFont typeface="Arial" pitchFamily="34" charset="0"/>
         <a:buChar char="•"/>
-        <a:defRPr sz="2000" kern="1200">
+        <a:defRPr sz="9200" kern="1200">
           <a:solidFill>
             <a:schemeClr val="tx1"/>
           </a:solidFill>
@@ -3372,13 +3372,13 @@
           <a:cs typeface="+mn-cs"/>
         </a:defRPr>
       </a:lvl8pPr>
-      <a:lvl9pPr marL="3886200" indent="-228600" algn="l" defTabSz="914400" rtl="0" eaLnBrk="1" latinLnBrk="0" hangingPunct="1">
+      <a:lvl9pPr marL="17805791" indent="-1047399" algn="l" defTabSz="4189598" rtl="0" eaLnBrk="1" latinLnBrk="0" hangingPunct="1">
         <a:spcBef>
           <a:spcPct val="20000"/>
         </a:spcBef>
         <a:buFont typeface="Arial" pitchFamily="34" charset="0"/>
         <a:buChar char="•"/>
-        <a:defRPr sz="2000" kern="1200">
+        <a:defRPr sz="9200" kern="1200">
           <a:solidFill>
             <a:schemeClr val="tx1"/>
           </a:solidFill>
@@ -3392,8 +3392,8 @@
       <a:defPPr>
         <a:defRPr lang="en-US"/>
       </a:defPPr>
-      <a:lvl1pPr marL="0" algn="l" defTabSz="914400" rtl="0" eaLnBrk="1" latinLnBrk="0" hangingPunct="1">
-        <a:defRPr sz="1800" kern="1200">
+      <a:lvl1pPr marL="0" algn="l" defTabSz="4189598" rtl="0" eaLnBrk="1" latinLnBrk="0" hangingPunct="1">
+        <a:defRPr sz="8200" kern="1200">
           <a:solidFill>
             <a:schemeClr val="tx1"/>
           </a:solidFill>
@@ -3402,8 +3402,8 @@
           <a:cs typeface="+mn-cs"/>
         </a:defRPr>
       </a:lvl1pPr>
-      <a:lvl2pPr marL="457200" algn="l" defTabSz="914400" rtl="0" eaLnBrk="1" latinLnBrk="0" hangingPunct="1">
-        <a:defRPr sz="1800" kern="1200">
+      <a:lvl2pPr marL="2094799" algn="l" defTabSz="4189598" rtl="0" eaLnBrk="1" latinLnBrk="0" hangingPunct="1">
+        <a:defRPr sz="8200" kern="1200">
           <a:solidFill>
             <a:schemeClr val="tx1"/>
           </a:solidFill>
@@ -3412,8 +3412,8 @@
           <a:cs typeface="+mn-cs"/>
         </a:defRPr>
       </a:lvl2pPr>
-      <a:lvl3pPr marL="914400" algn="l" defTabSz="914400" rtl="0" eaLnBrk="1" latinLnBrk="0" hangingPunct="1">
-        <a:defRPr sz="1800" kern="1200">
+      <a:lvl3pPr marL="4189598" algn="l" defTabSz="4189598" rtl="0" eaLnBrk="1" latinLnBrk="0" hangingPunct="1">
+        <a:defRPr sz="8200" kern="1200">
           <a:solidFill>
             <a:schemeClr val="tx1"/>
           </a:solidFill>
@@ -3422,8 +3422,8 @@
           <a:cs typeface="+mn-cs"/>
         </a:defRPr>
       </a:lvl3pPr>
-      <a:lvl4pPr marL="1371600" algn="l" defTabSz="914400" rtl="0" eaLnBrk="1" latinLnBrk="0" hangingPunct="1">
-        <a:defRPr sz="1800" kern="1200">
+      <a:lvl4pPr marL="6284397" algn="l" defTabSz="4189598" rtl="0" eaLnBrk="1" latinLnBrk="0" hangingPunct="1">
+        <a:defRPr sz="8200" kern="1200">
           <a:solidFill>
             <a:schemeClr val="tx1"/>
           </a:solidFill>
@@ -3432,8 +3432,8 @@
           <a:cs typeface="+mn-cs"/>
         </a:defRPr>
       </a:lvl4pPr>
-      <a:lvl5pPr marL="1828800" algn="l" defTabSz="914400" rtl="0" eaLnBrk="1" latinLnBrk="0" hangingPunct="1">
-        <a:defRPr sz="1800" kern="1200">
+      <a:lvl5pPr marL="8379196" algn="l" defTabSz="4189598" rtl="0" eaLnBrk="1" latinLnBrk="0" hangingPunct="1">
+        <a:defRPr sz="8200" kern="1200">
           <a:solidFill>
             <a:schemeClr val="tx1"/>
           </a:solidFill>
@@ -3442,8 +3442,8 @@
           <a:cs typeface="+mn-cs"/>
         </a:defRPr>
       </a:lvl5pPr>
-      <a:lvl6pPr marL="2286000" algn="l" defTabSz="914400" rtl="0" eaLnBrk="1" latinLnBrk="0" hangingPunct="1">
-        <a:defRPr sz="1800" kern="1200">
+      <a:lvl6pPr marL="10473995" algn="l" defTabSz="4189598" rtl="0" eaLnBrk="1" latinLnBrk="0" hangingPunct="1">
+        <a:defRPr sz="8200" kern="1200">
           <a:solidFill>
             <a:schemeClr val="tx1"/>
           </a:solidFill>
@@ -3452,8 +3452,8 @@
           <a:cs typeface="+mn-cs"/>
         </a:defRPr>
       </a:lvl6pPr>
-      <a:lvl7pPr marL="2743200" algn="l" defTabSz="914400" rtl="0" eaLnBrk="1" latinLnBrk="0" hangingPunct="1">
-        <a:defRPr sz="1800" kern="1200">
+      <a:lvl7pPr marL="12568794" algn="l" defTabSz="4189598" rtl="0" eaLnBrk="1" latinLnBrk="0" hangingPunct="1">
+        <a:defRPr sz="8200" kern="1200">
           <a:solidFill>
             <a:schemeClr val="tx1"/>
           </a:solidFill>
@@ -3462,8 +3462,8 @@
           <a:cs typeface="+mn-cs"/>
         </a:defRPr>
       </a:lvl7pPr>
-      <a:lvl8pPr marL="3200400" algn="l" defTabSz="914400" rtl="0" eaLnBrk="1" latinLnBrk="0" hangingPunct="1">
-        <a:defRPr sz="1800" kern="1200">
+      <a:lvl8pPr marL="14663593" algn="l" defTabSz="4189598" rtl="0" eaLnBrk="1" latinLnBrk="0" hangingPunct="1">
+        <a:defRPr sz="8200" kern="1200">
           <a:solidFill>
             <a:schemeClr val="tx1"/>
           </a:solidFill>
@@ -3472,8 +3472,8 @@
           <a:cs typeface="+mn-cs"/>
         </a:defRPr>
       </a:lvl8pPr>
-      <a:lvl9pPr marL="3657600" algn="l" defTabSz="914400" rtl="0" eaLnBrk="1" latinLnBrk="0" hangingPunct="1">
-        <a:defRPr sz="1800" kern="1200">
+      <a:lvl9pPr marL="16758392" algn="l" defTabSz="4189598" rtl="0" eaLnBrk="1" latinLnBrk="0" hangingPunct="1">
+        <a:defRPr sz="8200" kern="1200">
           <a:solidFill>
             <a:schemeClr val="tx1"/>
           </a:solidFill>
@@ -3488,7 +3488,7 @@
 </file>
 
 <file path=ppt/slides/slide1.xml><?xml version="1.0" encoding="utf-8"?>
-<p:sld xmlns:a="http://schemas.openxmlformats.org/drawingml/2006/main" xmlns:r="http://schemas.openxmlformats.org/officeDocument/2006/relationships" xmlns:p="http://schemas.openxmlformats.org/presentationml/2006/main">
+<p:sld xmlns:a="http://schemas.openxmlformats.org/drawingml/2006/main" xmlns:r="http://schemas.openxmlformats.org/officeDocument/2006/relationships" xmlns:mc="http://schemas.openxmlformats.org/markup-compatibility/2006" xmlns:mv="urn:schemas-microsoft-com:mac:vml" xmlns:p="http://schemas.openxmlformats.org/presentationml/2006/main" mc:Ignorable="mv" mc:PreserveAttributes="mv:*">
   <p:cSld>
     <p:bg>
       <p:bgPr>
@@ -3522,8 +3522,8 @@
         </p:nvSpPr>
         <p:spPr>
           <a:xfrm>
-            <a:off x="152400" y="2438400"/>
-            <a:ext cx="6553200" cy="2362200"/>
+            <a:off x="731520" y="10803988"/>
+            <a:ext cx="31455360" cy="10466363"/>
           </a:xfrm>
           <a:prstGeom prst="rect">
             <a:avLst/>
@@ -3549,11 +3549,11 @@
           </a:fontRef>
         </p:style>
         <p:txBody>
-          <a:bodyPr rtlCol="0" anchor="ctr"/>
+          <a:bodyPr lIns="418960" tIns="209480" rIns="418960" bIns="209480" rtlCol="0" anchor="ctr"/>
           <a:lstStyle/>
           <a:p>
             <a:pPr algn="just"/>
-            <a:endParaRPr lang="en-US" sz="800" i="1" dirty="0" smtClean="0">
+            <a:endParaRPr lang="en-US" sz="3700" i="1" dirty="0" smtClean="0">
               <a:solidFill>
                 <a:schemeClr val="tx1"/>
               </a:solidFill>
@@ -3569,8 +3569,8 @@
         </p:nvSpPr>
         <p:spPr>
           <a:xfrm>
-            <a:off x="152400" y="9067800"/>
-            <a:ext cx="6553200" cy="762000"/>
+            <a:off x="731520" y="40177329"/>
+            <a:ext cx="31455360" cy="3376246"/>
           </a:xfrm>
           <a:prstGeom prst="rect">
             <a:avLst/>
@@ -3596,12 +3596,12 @@
           </a:fontRef>
         </p:style>
         <p:txBody>
-          <a:bodyPr rtlCol="0" anchor="ctr"/>
+          <a:bodyPr lIns="418960" tIns="209480" rIns="418960" bIns="209480" rtlCol="0" anchor="ctr"/>
           <a:lstStyle/>
           <a:p>
             <a:pPr algn="just"/>
             <a:r>
-              <a:rPr lang="en-US" sz="800" dirty="0" smtClean="0">
+              <a:rPr lang="en-US" sz="3700" dirty="0" smtClean="0">
                 <a:solidFill>
                   <a:schemeClr val="tx1"/>
                 </a:solidFill>
@@ -3609,7 +3609,7 @@
               <a:t>*  </a:t>
             </a:r>
             <a:r>
-              <a:rPr lang="en-US" sz="800" b="1" dirty="0" smtClean="0">
+              <a:rPr lang="en-US" sz="3700" b="1" dirty="0" smtClean="0">
                 <a:solidFill>
                   <a:schemeClr val="tx1"/>
                 </a:solidFill>
@@ -3617,7 +3617,7 @@
               <a:t>The OBI consortium </a:t>
             </a:r>
             <a:r>
-              <a:rPr lang="en-US" sz="800" dirty="0" smtClean="0">
+              <a:rPr lang="en-US" sz="3700" dirty="0" smtClean="0">
                 <a:solidFill>
                   <a:schemeClr val="tx1"/>
                 </a:solidFill>
@@ -3625,7 +3625,7 @@
               <a:t>is (in alphabetical order): Ryan Brinkman, Bill Bug, Helen </a:t>
             </a:r>
             <a:r>
-              <a:rPr lang="en-US" sz="800" dirty="0" err="1" smtClean="0">
+              <a:rPr lang="en-US" sz="3700" dirty="0" err="1" smtClean="0">
                 <a:solidFill>
                   <a:schemeClr val="tx1"/>
                 </a:solidFill>
@@ -3633,7 +3633,7 @@
               <a:t>Causton</a:t>
             </a:r>
             <a:r>
-              <a:rPr lang="en-US" sz="800" dirty="0" smtClean="0">
+              <a:rPr lang="en-US" sz="3700" dirty="0" smtClean="0">
                 <a:solidFill>
                   <a:schemeClr val="tx1"/>
                 </a:solidFill>
@@ -3641,7 +3641,7 @@
               <a:t>, Kevin Clancy, Christian </a:t>
             </a:r>
             <a:r>
-              <a:rPr lang="en-US" sz="800" dirty="0" err="1" smtClean="0">
+              <a:rPr lang="en-US" sz="3700" dirty="0" err="1" smtClean="0">
                 <a:solidFill>
                   <a:schemeClr val="tx1"/>
                 </a:solidFill>
@@ -3649,7 +3649,7 @@
               <a:t>Cocos</a:t>
             </a:r>
             <a:r>
-              <a:rPr lang="en-US" sz="800" dirty="0" smtClean="0">
+              <a:rPr lang="en-US" sz="3700" dirty="0" smtClean="0">
                 <a:solidFill>
                   <a:schemeClr val="tx1"/>
                 </a:solidFill>
@@ -3657,7 +3657,7 @@
               <a:t>, </a:t>
             </a:r>
             <a:r>
-              <a:rPr lang="en-US" sz="800" dirty="0" err="1" smtClean="0">
+              <a:rPr lang="en-US" sz="3700" dirty="0" err="1" smtClean="0">
                 <a:solidFill>
                   <a:schemeClr val="tx1"/>
                 </a:solidFill>
@@ -3665,7 +3665,7 @@
               <a:t>Mélanie</a:t>
             </a:r>
             <a:r>
-              <a:rPr lang="en-US" sz="800" dirty="0" smtClean="0">
+              <a:rPr lang="en-US" sz="3700" dirty="0" smtClean="0">
                 <a:solidFill>
                   <a:schemeClr val="tx1"/>
                 </a:solidFill>
@@ -3673,7 +3673,7 @@
               <a:t> </a:t>
             </a:r>
             <a:r>
-              <a:rPr lang="en-US" sz="800" dirty="0" err="1" smtClean="0">
+              <a:rPr lang="en-US" sz="3700" dirty="0" err="1" smtClean="0">
                 <a:solidFill>
                   <a:schemeClr val="tx1"/>
                 </a:solidFill>
@@ -3681,7 +3681,7 @@
               <a:t>Courtot</a:t>
             </a:r>
             <a:r>
-              <a:rPr lang="en-US" sz="800" dirty="0" smtClean="0">
+              <a:rPr lang="en-US" sz="3700" dirty="0" smtClean="0">
                 <a:solidFill>
                   <a:schemeClr val="tx1"/>
                 </a:solidFill>
@@ -3689,7 +3689,7 @@
               <a:t>, Dirk </a:t>
             </a:r>
             <a:r>
-              <a:rPr lang="en-US" sz="800" dirty="0" err="1" smtClean="0">
+              <a:rPr lang="en-US" sz="3700" dirty="0" err="1" smtClean="0">
                 <a:solidFill>
                   <a:schemeClr val="tx1"/>
                 </a:solidFill>
@@ -3697,7 +3697,7 @@
               <a:t>Derom</a:t>
             </a:r>
             <a:r>
-              <a:rPr lang="en-US" sz="800" dirty="0" smtClean="0">
+              <a:rPr lang="en-US" sz="3700" dirty="0" smtClean="0">
                 <a:solidFill>
                   <a:schemeClr val="tx1"/>
                 </a:solidFill>
@@ -3705,7 +3705,7 @@
               <a:t>, Eric Deutsch, </a:t>
             </a:r>
             <a:r>
-              <a:rPr lang="en-US" sz="800" dirty="0" err="1" smtClean="0">
+              <a:rPr lang="en-US" sz="3700" dirty="0" err="1" smtClean="0">
                 <a:solidFill>
                   <a:schemeClr val="tx1"/>
                 </a:solidFill>
@@ -3713,7 +3713,7 @@
               <a:t>Liju</a:t>
             </a:r>
             <a:r>
-              <a:rPr lang="en-US" sz="800" dirty="0" smtClean="0">
+              <a:rPr lang="en-US" sz="3700" dirty="0" smtClean="0">
                 <a:solidFill>
                   <a:schemeClr val="tx1"/>
                 </a:solidFill>
@@ -3721,7 +3721,7 @@
               <a:t> Fan, Dawn Field, Jennifer </a:t>
             </a:r>
             <a:r>
-              <a:rPr lang="en-US" sz="800" dirty="0" err="1" smtClean="0">
+              <a:rPr lang="en-US" sz="3700" dirty="0" err="1" smtClean="0">
                 <a:solidFill>
                   <a:schemeClr val="tx1"/>
                 </a:solidFill>
@@ -3729,7 +3729,7 @@
               <a:t>Fostel</a:t>
             </a:r>
             <a:r>
-              <a:rPr lang="en-US" sz="800" dirty="0" smtClean="0">
+              <a:rPr lang="en-US" sz="3700" dirty="0" smtClean="0">
                 <a:solidFill>
                   <a:schemeClr val="tx1"/>
                 </a:solidFill>
@@ -3737,7 +3737,7 @@
               <a:t>, Gilberto </a:t>
             </a:r>
             <a:r>
-              <a:rPr lang="en-US" sz="800" dirty="0" err="1" smtClean="0">
+              <a:rPr lang="en-US" sz="3700" dirty="0" err="1" smtClean="0">
                 <a:solidFill>
                   <a:schemeClr val="tx1"/>
                 </a:solidFill>
@@ -3745,7 +3745,7 @@
               <a:t>Fragoso</a:t>
             </a:r>
             <a:r>
-              <a:rPr lang="en-US" sz="800" dirty="0" smtClean="0">
+              <a:rPr lang="en-US" sz="3700" dirty="0" smtClean="0">
                 <a:solidFill>
                   <a:schemeClr val="tx1"/>
                 </a:solidFill>
@@ -3753,7 +3753,7 @@
               <a:t>, Frank Gibson, Tanya Gray, Jason </a:t>
             </a:r>
             <a:r>
-              <a:rPr lang="en-US" sz="800" dirty="0" err="1" smtClean="0">
+              <a:rPr lang="en-US" sz="3700" dirty="0" err="1" smtClean="0">
                 <a:solidFill>
                   <a:schemeClr val="tx1"/>
                 </a:solidFill>
@@ -3761,7 +3761,7 @@
               <a:t>Greenbaum</a:t>
             </a:r>
             <a:r>
-              <a:rPr lang="en-US" sz="800" dirty="0" smtClean="0">
+              <a:rPr lang="en-US" sz="3700" dirty="0" smtClean="0">
                 <a:solidFill>
                   <a:schemeClr val="tx1"/>
                 </a:solidFill>
@@ -3769,7 +3769,7 @@
               <a:t>, Pierre </a:t>
             </a:r>
             <a:r>
-              <a:rPr lang="en-US" sz="800" dirty="0" err="1" smtClean="0">
+              <a:rPr lang="en-US" sz="3700" dirty="0" err="1" smtClean="0">
                 <a:solidFill>
                   <a:schemeClr val="tx1"/>
                 </a:solidFill>
@@ -3777,7 +3777,7 @@
               <a:t>Grenon</a:t>
             </a:r>
             <a:r>
-              <a:rPr lang="en-US" sz="800" dirty="0" smtClean="0">
+              <a:rPr lang="en-US" sz="3700" dirty="0" smtClean="0">
                 <a:solidFill>
                   <a:schemeClr val="tx1"/>
                 </a:solidFill>
@@ -3785,7 +3785,7 @@
               <a:t>, Jeff </a:t>
             </a:r>
             <a:r>
-              <a:rPr lang="en-US" sz="800" dirty="0" err="1" smtClean="0">
+              <a:rPr lang="en-US" sz="3700" dirty="0" err="1" smtClean="0">
                 <a:solidFill>
                   <a:schemeClr val="tx1"/>
                 </a:solidFill>
@@ -3793,7 +3793,7 @@
               <a:t>Grethe</a:t>
             </a:r>
             <a:r>
-              <a:rPr lang="en-US" sz="800" dirty="0" smtClean="0">
+              <a:rPr lang="en-US" sz="3700" dirty="0" smtClean="0">
                 <a:solidFill>
                   <a:schemeClr val="tx1"/>
                 </a:solidFill>
@@ -3801,7 +3801,7 @@
               <a:t>, </a:t>
             </a:r>
             <a:r>
-              <a:rPr lang="en-US" sz="800" dirty="0" err="1" smtClean="0">
+              <a:rPr lang="en-US" sz="3700" dirty="0" err="1" smtClean="0">
                 <a:solidFill>
                   <a:schemeClr val="tx1"/>
                 </a:solidFill>
@@ -3809,7 +3809,7 @@
               <a:t>Yongqun</a:t>
             </a:r>
             <a:r>
-              <a:rPr lang="en-US" sz="800" dirty="0" smtClean="0">
+              <a:rPr lang="en-US" sz="3700" dirty="0" smtClean="0">
                 <a:solidFill>
                   <a:schemeClr val="tx1"/>
                 </a:solidFill>
@@ -3817,7 +3817,7 @@
               <a:t> He, </a:t>
             </a:r>
             <a:r>
-              <a:rPr lang="en-US" sz="800" dirty="0" err="1" smtClean="0">
+              <a:rPr lang="en-US" sz="3700" dirty="0" err="1" smtClean="0">
                 <a:solidFill>
                   <a:schemeClr val="tx1"/>
                 </a:solidFill>
@@ -3825,7 +3825,7 @@
               <a:t>Mervi</a:t>
             </a:r>
             <a:r>
-              <a:rPr lang="en-US" sz="800" dirty="0" smtClean="0">
+              <a:rPr lang="en-US" sz="3700" dirty="0" smtClean="0">
                 <a:solidFill>
                   <a:schemeClr val="tx1"/>
                 </a:solidFill>
@@ -3833,7 +3833,7 @@
               <a:t> </a:t>
             </a:r>
             <a:r>
-              <a:rPr lang="en-US" sz="800" dirty="0" err="1" smtClean="0">
+              <a:rPr lang="en-US" sz="3700" dirty="0" err="1" smtClean="0">
                 <a:solidFill>
                   <a:schemeClr val="tx1"/>
                 </a:solidFill>
@@ -3841,7 +3841,7 @@
               <a:t>Heiskanen</a:t>
             </a:r>
             <a:r>
-              <a:rPr lang="en-US" sz="800" dirty="0" smtClean="0">
+              <a:rPr lang="en-US" sz="3700" dirty="0" smtClean="0">
                 <a:solidFill>
                   <a:schemeClr val="tx1"/>
                 </a:solidFill>
@@ -3849,7 +3849,7 @@
               <a:t>, Tina Hernandez-</a:t>
             </a:r>
             <a:r>
-              <a:rPr lang="en-US" sz="800" dirty="0" err="1" smtClean="0">
+              <a:rPr lang="en-US" sz="3700" dirty="0" err="1" smtClean="0">
                 <a:solidFill>
                   <a:schemeClr val="tx1"/>
                 </a:solidFill>
@@ -3857,7 +3857,7 @@
               <a:t>Boussard</a:t>
             </a:r>
             <a:r>
-              <a:rPr lang="en-US" sz="800" dirty="0" smtClean="0">
+              <a:rPr lang="en-US" sz="3700" dirty="0" smtClean="0">
                 <a:solidFill>
                   <a:schemeClr val="tx1"/>
                 </a:solidFill>
@@ -3865,7 +3865,7 @@
               <a:t>, Philip Lord, Allyson Lister, James Malone, </a:t>
             </a:r>
             <a:r>
-              <a:rPr lang="en-US" sz="800" dirty="0" err="1" smtClean="0">
+              <a:rPr lang="en-US" sz="3700" dirty="0" err="1" smtClean="0">
                 <a:solidFill>
                   <a:schemeClr val="tx1"/>
                 </a:solidFill>
@@ -3873,7 +3873,7 @@
               <a:t>Elisabetta</a:t>
             </a:r>
             <a:r>
-              <a:rPr lang="en-US" sz="800" dirty="0" smtClean="0">
+              <a:rPr lang="en-US" sz="3700" dirty="0" smtClean="0">
                 <a:solidFill>
                   <a:schemeClr val="tx1"/>
                 </a:solidFill>
@@ -3881,7 +3881,7 @@
               <a:t> </a:t>
             </a:r>
             <a:r>
-              <a:rPr lang="en-US" sz="800" dirty="0" err="1" smtClean="0">
+              <a:rPr lang="en-US" sz="3700" dirty="0" err="1" smtClean="0">
                 <a:solidFill>
                   <a:schemeClr val="tx1"/>
                 </a:solidFill>
@@ -3889,7 +3889,7 @@
               <a:t>Manduchi</a:t>
             </a:r>
             <a:r>
-              <a:rPr lang="en-US" sz="800" dirty="0" smtClean="0">
+              <a:rPr lang="en-US" sz="3700" dirty="0" smtClean="0">
                 <a:solidFill>
                   <a:schemeClr val="tx1"/>
                 </a:solidFill>
@@ -3897,7 +3897,7 @@
               <a:t>, Luisa </a:t>
             </a:r>
             <a:r>
-              <a:rPr lang="en-US" sz="800" dirty="0" err="1" smtClean="0">
+              <a:rPr lang="en-US" sz="3700" dirty="0" err="1" smtClean="0">
                 <a:solidFill>
                   <a:schemeClr val="tx1"/>
                 </a:solidFill>
@@ -3905,7 +3905,7 @@
               <a:t>Montecchi</a:t>
             </a:r>
             <a:r>
-              <a:rPr lang="en-US" sz="800" dirty="0" smtClean="0">
+              <a:rPr lang="en-US" sz="3700" dirty="0" smtClean="0">
                 <a:solidFill>
                   <a:schemeClr val="tx1"/>
                 </a:solidFill>
@@ -3913,7 +3913,7 @@
               <a:t>, Norman Morrison, Chris </a:t>
             </a:r>
             <a:r>
-              <a:rPr lang="en-US" sz="800" dirty="0" err="1" smtClean="0">
+              <a:rPr lang="en-US" sz="3700" dirty="0" err="1" smtClean="0">
                 <a:solidFill>
                   <a:schemeClr val="tx1"/>
                 </a:solidFill>
@@ -3921,7 +3921,7 @@
               <a:t>Mungall</a:t>
             </a:r>
             <a:r>
-              <a:rPr lang="en-US" sz="800" dirty="0" smtClean="0">
+              <a:rPr lang="en-US" sz="3700" dirty="0" smtClean="0">
                 <a:solidFill>
                   <a:schemeClr val="tx1"/>
                 </a:solidFill>
@@ -3929,7 +3929,7 @@
               <a:t>, Helen Parkinson, Bjoern Peters, Matthew </a:t>
             </a:r>
             <a:r>
-              <a:rPr lang="en-US" sz="800" dirty="0" err="1" smtClean="0">
+              <a:rPr lang="en-US" sz="3700" dirty="0" err="1" smtClean="0">
                 <a:solidFill>
                   <a:schemeClr val="tx1"/>
                 </a:solidFill>
@@ -3937,7 +3937,7 @@
               <a:t>Pocock</a:t>
             </a:r>
             <a:r>
-              <a:rPr lang="en-US" sz="800" dirty="0" smtClean="0">
+              <a:rPr lang="en-US" sz="3700" dirty="0" smtClean="0">
                 <a:solidFill>
                   <a:schemeClr val="tx1"/>
                 </a:solidFill>
@@ -3945,7 +3945,7 @@
               <a:t>, Philippe </a:t>
             </a:r>
             <a:r>
-              <a:rPr lang="en-US" sz="800" dirty="0" err="1" smtClean="0">
+              <a:rPr lang="en-US" sz="3700" dirty="0" err="1" smtClean="0">
                 <a:solidFill>
                   <a:schemeClr val="tx1"/>
                 </a:solidFill>
@@ -3953,7 +3953,7 @@
               <a:t>Rocca</a:t>
             </a:r>
             <a:r>
-              <a:rPr lang="en-US" sz="800" dirty="0" smtClean="0">
+              <a:rPr lang="en-US" sz="3700" dirty="0" smtClean="0">
                 <a:solidFill>
                   <a:schemeClr val="tx1"/>
                 </a:solidFill>
@@ -3961,7 +3961,7 @@
               <a:t>-Serra, Daniel Rubin, Alan </a:t>
             </a:r>
             <a:r>
-              <a:rPr lang="en-US" sz="800" dirty="0" err="1" smtClean="0">
+              <a:rPr lang="en-US" sz="3700" dirty="0" err="1" smtClean="0">
                 <a:solidFill>
                   <a:schemeClr val="tx1"/>
                 </a:solidFill>
@@ -3969,7 +3969,7 @@
               <a:t>Ruttenberg</a:t>
             </a:r>
             <a:r>
-              <a:rPr lang="en-US" sz="800" dirty="0" smtClean="0">
+              <a:rPr lang="en-US" sz="3700" dirty="0" smtClean="0">
                 <a:solidFill>
                   <a:schemeClr val="tx1"/>
                 </a:solidFill>
@@ -3977,7 +3977,7 @@
               <a:t>, Susanna-</a:t>
             </a:r>
             <a:r>
-              <a:rPr lang="en-US" sz="800" dirty="0" err="1" smtClean="0">
+              <a:rPr lang="en-US" sz="3700" dirty="0" err="1" smtClean="0">
                 <a:solidFill>
                   <a:schemeClr val="tx1"/>
                 </a:solidFill>
@@ -3985,7 +3985,7 @@
               <a:t>Assunta</a:t>
             </a:r>
             <a:r>
-              <a:rPr lang="en-US" sz="800" dirty="0" smtClean="0">
+              <a:rPr lang="en-US" sz="3700" dirty="0" smtClean="0">
                 <a:solidFill>
                   <a:schemeClr val="tx1"/>
                 </a:solidFill>
@@ -3993,7 +3993,7 @@
               <a:t> </a:t>
             </a:r>
             <a:r>
-              <a:rPr lang="en-US" sz="800" dirty="0" err="1" smtClean="0">
+              <a:rPr lang="en-US" sz="3700" dirty="0" err="1" smtClean="0">
                 <a:solidFill>
                   <a:schemeClr val="tx1"/>
                 </a:solidFill>
@@ -4001,7 +4001,7 @@
               <a:t>Sansone</a:t>
             </a:r>
             <a:r>
-              <a:rPr lang="en-US" sz="800" dirty="0" smtClean="0">
+              <a:rPr lang="en-US" sz="3700" dirty="0" smtClean="0">
                 <a:solidFill>
                   <a:schemeClr val="tx1"/>
                 </a:solidFill>
@@ -4009,7 +4009,7 @@
               <a:t>, Richard </a:t>
             </a:r>
             <a:r>
-              <a:rPr lang="en-US" sz="800" dirty="0" err="1" smtClean="0">
+              <a:rPr lang="en-US" sz="3700" dirty="0" err="1" smtClean="0">
                 <a:solidFill>
                   <a:schemeClr val="tx1"/>
                 </a:solidFill>
@@ -4017,7 +4017,7 @@
               <a:t>Scheuermann</a:t>
             </a:r>
             <a:r>
-              <a:rPr lang="en-US" sz="800" dirty="0" smtClean="0">
+              <a:rPr lang="en-US" sz="3700" dirty="0" smtClean="0">
                 <a:solidFill>
                   <a:schemeClr val="tx1"/>
                 </a:solidFill>
@@ -4025,7 +4025,7 @@
               <a:t>, Daniel </a:t>
             </a:r>
             <a:r>
-              <a:rPr lang="en-US" sz="800" dirty="0" err="1" smtClean="0">
+              <a:rPr lang="en-US" sz="3700" dirty="0" err="1" smtClean="0">
                 <a:solidFill>
                   <a:schemeClr val="tx1"/>
                 </a:solidFill>
@@ -4033,7 +4033,7 @@
               <a:t>Schober</a:t>
             </a:r>
             <a:r>
-              <a:rPr lang="en-US" sz="800" dirty="0" smtClean="0">
+              <a:rPr lang="en-US" sz="3700" dirty="0" smtClean="0">
                 <a:solidFill>
                   <a:schemeClr val="tx1"/>
                 </a:solidFill>
@@ -4041,7 +4041,7 @@
               <a:t>, Barry Smith, Larisa N. </a:t>
             </a:r>
             <a:r>
-              <a:rPr lang="en-US" sz="800" dirty="0" err="1" smtClean="0">
+              <a:rPr lang="en-US" sz="3700" dirty="0" err="1" smtClean="0">
                 <a:solidFill>
                   <a:schemeClr val="tx1"/>
                 </a:solidFill>
@@ -4049,7 +4049,7 @@
               <a:t>Soldatova</a:t>
             </a:r>
             <a:r>
-              <a:rPr lang="en-US" sz="800" dirty="0" smtClean="0">
+              <a:rPr lang="en-US" sz="3700" dirty="0" smtClean="0">
                 <a:solidFill>
                   <a:schemeClr val="tx1"/>
                 </a:solidFill>
@@ -4057,7 +4057,7 @@
               <a:t>, </a:t>
             </a:r>
             <a:r>
-              <a:rPr lang="en-US" sz="800" dirty="0" err="1" smtClean="0">
+              <a:rPr lang="en-US" sz="3700" dirty="0" err="1" smtClean="0">
                 <a:solidFill>
                   <a:schemeClr val="tx1"/>
                 </a:solidFill>
@@ -4065,7 +4065,7 @@
               <a:t>Holger</a:t>
             </a:r>
             <a:r>
-              <a:rPr lang="en-US" sz="800" dirty="0" smtClean="0">
+              <a:rPr lang="en-US" sz="3700" dirty="0" smtClean="0">
                 <a:solidFill>
                   <a:schemeClr val="tx1"/>
                 </a:solidFill>
@@ -4073,7 +4073,7 @@
               <a:t> </a:t>
             </a:r>
             <a:r>
-              <a:rPr lang="en-US" sz="800" dirty="0" err="1" smtClean="0">
+              <a:rPr lang="en-US" sz="3700" dirty="0" err="1" smtClean="0">
                 <a:solidFill>
                   <a:schemeClr val="tx1"/>
                 </a:solidFill>
@@ -4081,7 +4081,7 @@
               <a:t>Stenzhorn</a:t>
             </a:r>
             <a:r>
-              <a:rPr lang="en-US" sz="800" dirty="0" smtClean="0">
+              <a:rPr lang="en-US" sz="3700" dirty="0" smtClean="0">
                 <a:solidFill>
                   <a:schemeClr val="tx1"/>
                 </a:solidFill>
@@ -4089,7 +4089,7 @@
               <a:t>, Chris </a:t>
             </a:r>
             <a:r>
-              <a:rPr lang="en-US" sz="800" dirty="0" err="1" smtClean="0">
+              <a:rPr lang="en-US" sz="3700" dirty="0" err="1" smtClean="0">
                 <a:solidFill>
                   <a:schemeClr val="tx1"/>
                 </a:solidFill>
@@ -4097,7 +4097,7 @@
               <a:t>Stoeckert</a:t>
             </a:r>
             <a:r>
-              <a:rPr lang="en-US" sz="800" dirty="0" smtClean="0">
+              <a:rPr lang="en-US" sz="3700" dirty="0" smtClean="0">
                 <a:solidFill>
                   <a:schemeClr val="tx1"/>
                 </a:solidFill>
@@ -4105,7 +4105,7 @@
               <a:t>, Chris Taylor, John Westbrook, Joe White, Trish </a:t>
             </a:r>
             <a:r>
-              <a:rPr lang="en-US" sz="800" dirty="0" err="1" smtClean="0">
+              <a:rPr lang="en-US" sz="3700" dirty="0" err="1" smtClean="0">
                 <a:solidFill>
                   <a:schemeClr val="tx1"/>
                 </a:solidFill>
@@ -4113,7 +4113,7 @@
               <a:t>Whetzel</a:t>
             </a:r>
             <a:r>
-              <a:rPr lang="en-US" sz="800" dirty="0" smtClean="0">
+              <a:rPr lang="en-US" sz="3700" dirty="0" smtClean="0">
                 <a:solidFill>
                   <a:schemeClr val="tx1"/>
                 </a:solidFill>
@@ -4121,7 +4121,7 @@
               <a:t>, Stefan </a:t>
             </a:r>
             <a:r>
-              <a:rPr lang="en-US" sz="800" dirty="0" err="1" smtClean="0">
+              <a:rPr lang="en-US" sz="3700" dirty="0" err="1" smtClean="0">
                 <a:solidFill>
                   <a:schemeClr val="tx1"/>
                 </a:solidFill>
@@ -4129,7 +4129,7 @@
               <a:t>Wiemann</a:t>
             </a:r>
             <a:r>
-              <a:rPr lang="en-US" sz="800" dirty="0" smtClean="0">
+              <a:rPr lang="en-US" sz="3700" dirty="0" smtClean="0">
                 <a:solidFill>
                   <a:schemeClr val="tx1"/>
                 </a:solidFill>
@@ -4137,7 +4137,7 @@
               <a:t>, </a:t>
             </a:r>
             <a:r>
-              <a:rPr lang="en-US" sz="800" dirty="0" err="1" smtClean="0">
+              <a:rPr lang="en-US" sz="3700" dirty="0" err="1" smtClean="0">
                 <a:solidFill>
                   <a:schemeClr val="tx1"/>
                 </a:solidFill>
@@ -4145,7 +4145,7 @@
               <a:t>Jie</a:t>
             </a:r>
             <a:r>
-              <a:rPr lang="en-US" sz="800" dirty="0" smtClean="0">
+              <a:rPr lang="en-US" sz="3700" dirty="0" smtClean="0">
                 <a:solidFill>
                   <a:schemeClr val="tx1"/>
                 </a:solidFill>
@@ -4153,7 +4153,7 @@
               <a:t> </a:t>
             </a:r>
             <a:r>
-              <a:rPr lang="en-US" sz="800" dirty="0" err="1" smtClean="0">
+              <a:rPr lang="en-US" sz="3700" dirty="0" err="1" smtClean="0">
                 <a:solidFill>
                   <a:schemeClr val="tx1"/>
                 </a:solidFill>
@@ -4161,14 +4161,14 @@
               <a:t>Zheng</a:t>
             </a:r>
             <a:r>
-              <a:rPr lang="en-US" sz="800" dirty="0" smtClean="0">
+              <a:rPr lang="en-US" sz="3700" dirty="0" smtClean="0">
                 <a:solidFill>
                   <a:schemeClr val="tx1"/>
                 </a:solidFill>
               </a:rPr>
               <a:t>.</a:t>
             </a:r>
-            <a:endParaRPr lang="en-US" sz="800" i="1" dirty="0" smtClean="0">
+            <a:endParaRPr lang="en-US" sz="3700" i="1" dirty="0" smtClean="0">
               <a:solidFill>
                 <a:schemeClr val="tx1"/>
               </a:solidFill>
@@ -4184,8 +4184,8 @@
         </p:nvSpPr>
         <p:spPr>
           <a:xfrm>
-            <a:off x="152400" y="152400"/>
-            <a:ext cx="6553200" cy="2209800"/>
+            <a:off x="731520" y="675249"/>
+            <a:ext cx="31455360" cy="9791114"/>
           </a:xfrm>
           <a:prstGeom prst="rect">
             <a:avLst/>
@@ -4211,7 +4211,7 @@
           </a:fontRef>
         </p:style>
         <p:txBody>
-          <a:bodyPr rtlCol="0" anchor="ctr"/>
+          <a:bodyPr lIns="418960" tIns="209480" rIns="418960" bIns="209480" rtlCol="0" anchor="ctr"/>
           <a:lstStyle/>
           <a:p>
             <a:pPr algn="ctr"/>
@@ -4227,8 +4227,8 @@
         </p:nvSpPr>
         <p:spPr>
           <a:xfrm>
-            <a:off x="1066800" y="114300"/>
-            <a:ext cx="5638800" cy="892552"/>
+            <a:off x="5120640" y="506437"/>
+            <a:ext cx="27066240" cy="4085593"/>
           </a:xfrm>
           <a:prstGeom prst="rect">
             <a:avLst/>
@@ -4238,59 +4238,49 @@
           </a:ln>
         </p:spPr>
         <p:txBody>
-          <a:bodyPr wrap="square">
+          <a:bodyPr wrap="square" lIns="418960" tIns="209480" rIns="418960" bIns="209480">
             <a:spAutoFit/>
           </a:bodyPr>
           <a:lstStyle/>
           <a:p>
             <a:pPr algn="ctr"/>
             <a:r>
-              <a:rPr lang="en-US" sz="2400" b="1" dirty="0" smtClean="0"/>
+              <a:rPr lang="en-US" sz="11000" b="1" dirty="0" smtClean="0"/>
               <a:t>Ontology </a:t>
             </a:r>
             <a:r>
-              <a:rPr lang="en-US" sz="2400" b="1" dirty="0"/>
+              <a:rPr lang="en-US" sz="11000" b="1" dirty="0"/>
               <a:t>for Biomedical </a:t>
             </a:r>
             <a:r>
-              <a:rPr lang="en-US" sz="2400" b="1" dirty="0" smtClean="0"/>
+              <a:rPr lang="en-US" sz="11000" b="1" dirty="0" smtClean="0"/>
               <a:t>Investigations</a:t>
             </a:r>
           </a:p>
           <a:p>
             <a:pPr algn="ctr"/>
             <a:r>
-              <a:rPr lang="en-US" sz="1400" b="1" dirty="0" smtClean="0"/>
+              <a:rPr lang="en-US" sz="6400" b="1" dirty="0" smtClean="0"/>
               <a:t>The OBI Consortium*, </a:t>
             </a:r>
             <a:r>
-              <a:rPr lang="en-US" sz="1400" b="1" u="sng" dirty="0" smtClean="0">
+              <a:rPr lang="en-US" sz="6400" b="1" u="sng" dirty="0" smtClean="0">
                 <a:hlinkClick r:id="rId3"/>
               </a:rPr>
-              <a:t>http://</a:t>
-            </a:r>
-            <a:r>
-              <a:rPr lang="en-US" sz="1400" b="1" u="sng" dirty="0" smtClean="0">
-                <a:hlinkClick r:id="rId3"/>
-              </a:rPr>
-              <a:t>obi-ontology.org</a:t>
-            </a:r>
-            <a:r>
-              <a:rPr lang="en-US" sz="1400" b="1" u="sng" dirty="0" smtClean="0"/>
+              <a:t>http://obi-ontology.org</a:t>
+            </a:r>
+            <a:r>
+              <a:rPr lang="en-US" sz="6400" b="1" u="sng" dirty="0" smtClean="0"/>
               <a:t/>
             </a:r>
             <a:br>
-              <a:rPr lang="en-US" sz="1400" b="1" u="sng" dirty="0" smtClean="0"/>
+              <a:rPr lang="en-US" sz="6400" b="1" u="sng" dirty="0" smtClean="0"/>
             </a:br>
             <a:r>
-              <a:rPr lang="en-US" sz="1400" b="1" dirty="0" smtClean="0"/>
-              <a:t>email</a:t>
-            </a:r>
-            <a:r>
-              <a:rPr lang="en-US" sz="1400" b="1" dirty="0" smtClean="0"/>
-              <a:t>: obi-users@googlegroups.com</a:t>
-            </a:r>
-            <a:endParaRPr lang="en-US" sz="1400" b="1" dirty="0"/>
+              <a:rPr lang="en-US" sz="6400" b="1" dirty="0" smtClean="0"/>
+              <a:t>email: obi-users@googlegroups.com</a:t>
+            </a:r>
+            <a:endParaRPr lang="en-US" sz="6400" b="1" dirty="0"/>
           </a:p>
         </p:txBody>
       </p:sp>
@@ -4311,8 +4301,8 @@
         </p:blipFill>
         <p:spPr bwMode="auto">
           <a:xfrm>
-            <a:off x="190500" y="184410"/>
-            <a:ext cx="857250" cy="532477"/>
+            <a:off x="914400" y="817080"/>
+            <a:ext cx="4114800" cy="2359283"/>
           </a:xfrm>
           <a:prstGeom prst="rect">
             <a:avLst/>
@@ -4341,8 +4331,8 @@
         </p:nvSpPr>
         <p:spPr>
           <a:xfrm>
-            <a:off x="152400" y="915650"/>
-            <a:ext cx="6553200" cy="1446550"/>
+            <a:off x="731520" y="4057034"/>
+            <a:ext cx="31455360" cy="6578583"/>
           </a:xfrm>
           <a:prstGeom prst="rect">
             <a:avLst/>
@@ -4350,53 +4340,45 @@
           <a:noFill/>
         </p:spPr>
         <p:txBody>
-          <a:bodyPr wrap="square" rtlCol="0">
+          <a:bodyPr wrap="square" lIns="418960" tIns="209480" rIns="418960" bIns="209480" rtlCol="0">
             <a:spAutoFit/>
           </a:bodyPr>
           <a:lstStyle/>
           <a:p>
             <a:pPr algn="just"/>
             <a:r>
-              <a:rPr lang="en-US" sz="1100" i="1" dirty="0" smtClean="0"/>
-              <a:t>The goal of OBI is to enable a formal representation of biomedical investigations that captures the experimental evidence on which their findings are based. OBI allows for the comparison of experimental data from the wide array of scientific disciplines represented by domain experts in the OBI consortium. OBI follows the principles laid out by the OBO foundry, and integrates tightly with other foundry candidate ontologies, such as GO </a:t>
-            </a:r>
-            <a:r>
-              <a:rPr lang="en-US" sz="1100" i="1" dirty="0" smtClean="0"/>
+              <a:rPr lang="en-US" sz="5000" i="1" dirty="0" smtClean="0"/>
+              <a:t>The goal of OBI is to enable a formal representation of biomedical investigations that captures the experimental evidence on which their findings are based. OBI allows for the comparison of experimental data from the wide array of scientific disciplines represented by domain experts in the OBI consortium. OBI follows the principles laid out by the OBO foundry, and integrates tightly with other foundry candidate ontologies, such as GO (</a:t>
+            </a:r>
+            <a:r>
+              <a:rPr lang="en-GB" sz="5000" i="1" dirty="0" smtClean="0"/>
+              <a:t>www.geneontology.org</a:t>
+            </a:r>
+            <a:r>
+              <a:rPr lang="en-US" sz="5000" i="1" dirty="0" smtClean="0"/>
+              <a:t>) and </a:t>
+            </a:r>
+            <a:r>
+              <a:rPr lang="en-US" sz="5000" i="1" dirty="0" err="1" smtClean="0"/>
+              <a:t>ChEBI</a:t>
+            </a:r>
+            <a:r>
+              <a:rPr lang="en-US" sz="5000" i="1" dirty="0"/>
+              <a:t> </a:t>
+            </a:r>
+            <a:r>
+              <a:rPr lang="en-US" sz="5000" i="1" dirty="0" smtClean="0"/>
               <a:t>(</a:t>
             </a:r>
             <a:r>
-              <a:rPr lang="en-GB" sz="1100" i="1" dirty="0" smtClean="0"/>
-              <a:t>www.geneontology.org</a:t>
-            </a:r>
-            <a:r>
-              <a:rPr lang="en-US" sz="1100" i="1" dirty="0" smtClean="0"/>
-              <a:t>) and </a:t>
-            </a:r>
-            <a:r>
-              <a:rPr lang="en-US" sz="1100" i="1" dirty="0" err="1" smtClean="0"/>
-              <a:t>ChEBI</a:t>
-            </a:r>
-            <a:r>
-              <a:rPr lang="en-US" sz="1100" i="1" dirty="0"/>
-              <a:t> </a:t>
-            </a:r>
-            <a:r>
-              <a:rPr lang="en-US" sz="1100" i="1" dirty="0" smtClean="0"/>
-              <a:t>(</a:t>
-            </a:r>
-            <a:r>
-              <a:rPr lang="en-GB" sz="1100" i="1" dirty="0" smtClean="0"/>
+              <a:rPr lang="en-GB" sz="5000" i="1" dirty="0" smtClean="0"/>
               <a:t>www.ebi.ac.uk/chebi/</a:t>
             </a:r>
             <a:r>
-              <a:rPr lang="en-US" sz="1100" i="1" dirty="0" smtClean="0"/>
-              <a:t>) whose </a:t>
-            </a:r>
-            <a:r>
-              <a:rPr lang="en-US" sz="1100" i="1" dirty="0" smtClean="0"/>
-              <a:t>terms are used to describe biological reality. The use of OBI by the scientific community to represent or annotate their investigations within electronic data resources will alleviate the need for lower accuracy text mining and enable semantic web searches and third-party understanding of information related to life-science and clinical investigations.</a:t>
-            </a:r>
-            <a:endParaRPr lang="en-US" sz="1100" dirty="0"/>
+              <a:rPr lang="en-US" sz="5000" i="1" dirty="0" smtClean="0"/>
+              <a:t>) whose terms are used to describe biological reality. The use of OBI by the scientific community to represent or annotate their investigations within electronic data resources will alleviate the need for lower accuracy text mining and enable semantic web searches and third-party understanding of information related to life-science and clinical investigations.</a:t>
+            </a:r>
+            <a:endParaRPr lang="en-US" sz="5000" dirty="0"/>
           </a:p>
         </p:txBody>
       </p:sp>
@@ -4408,10 +4390,10 @@
         </p:nvGrpSpPr>
         <p:grpSpPr>
           <a:xfrm>
-            <a:off x="152400" y="4876800"/>
-            <a:ext cx="6591300" cy="4114800"/>
+            <a:off x="731520" y="21607975"/>
+            <a:ext cx="31455360" cy="18231729"/>
             <a:chOff x="152400" y="4800600"/>
-            <a:chExt cx="6591300" cy="4114800"/>
+            <a:chExt cx="6553200" cy="4114800"/>
           </a:xfrm>
         </p:grpSpPr>
         <p:sp>
@@ -4497,8 +4479,8 @@
           </p:nvSpPr>
           <p:spPr>
             <a:xfrm>
-              <a:off x="4495800" y="5105400"/>
-              <a:ext cx="2247900" cy="3785652"/>
+              <a:off x="4540250" y="5105400"/>
+              <a:ext cx="2155825" cy="3695456"/>
             </a:xfrm>
             <a:prstGeom prst="rect">
               <a:avLst/>
@@ -4512,78 +4494,70 @@
             <a:lstStyle/>
             <a:p>
               <a:r>
-                <a:rPr lang="en-US" sz="1000" b="1" dirty="0" smtClean="0"/>
+                <a:rPr lang="en-US" sz="4600" b="1" dirty="0" smtClean="0"/>
                 <a:t>Measuring the glucose concentration in blood. </a:t>
               </a:r>
               <a:r>
-                <a:rPr lang="en-US" sz="1000" dirty="0" smtClean="0"/>
+                <a:rPr lang="en-US" sz="4600" dirty="0" smtClean="0"/>
                 <a:t>The large</a:t>
               </a:r>
               <a:r>
-                <a:rPr lang="en-US" sz="1000" b="1" dirty="0" smtClean="0"/>
+                <a:rPr lang="en-US" sz="4600" b="1" dirty="0" smtClean="0"/>
                 <a:t> </a:t>
               </a:r>
               <a:r>
-                <a:rPr lang="en-US" sz="1000" dirty="0" smtClean="0"/>
+                <a:rPr lang="en-US" sz="4600" dirty="0" smtClean="0"/>
                 <a:t>boxes represent processes and contain their participants. The </a:t>
               </a:r>
               <a:r>
-                <a:rPr lang="en-US" sz="1000" i="1" dirty="0" smtClean="0"/>
+                <a:rPr lang="en-US" sz="4600" i="1" dirty="0" smtClean="0"/>
                 <a:t>taking sample from organism</a:t>
               </a:r>
               <a:r>
-                <a:rPr lang="en-US" sz="1000" dirty="0" smtClean="0"/>
+                <a:rPr lang="en-US" sz="4600" dirty="0" smtClean="0"/>
                 <a:t> process takes place first. In this process, a syringe is used as a device to draw blood from the mouse which bears the specimen role. At the end of this process, a tube contains the blood specimen. In a second step, that blood will be used as the </a:t>
               </a:r>
               <a:r>
-                <a:rPr lang="en-US" sz="1000" dirty="0" err="1" smtClean="0"/>
+                <a:rPr lang="en-US" sz="4600" dirty="0" err="1" smtClean="0"/>
                 <a:t>evaluant</a:t>
               </a:r>
               <a:r>
-                <a:rPr lang="en-US" sz="1000" dirty="0" smtClean="0"/>
+                <a:rPr lang="en-US" sz="4600" dirty="0" smtClean="0"/>
                 <a:t> in an </a:t>
               </a:r>
               <a:r>
-                <a:rPr lang="en-US" sz="1000" dirty="0" err="1" smtClean="0"/>
+                <a:rPr lang="en-US" sz="4600" dirty="0" err="1" smtClean="0"/>
                 <a:t>analyte</a:t>
               </a:r>
               <a:r>
-                <a:rPr lang="en-US" sz="1000" dirty="0" smtClean="0"/>
+                <a:rPr lang="en-US" sz="4600" dirty="0" smtClean="0"/>
                 <a:t> assay in which the concentration of glucose in the blood is measured. A </a:t>
               </a:r>
               <a:r>
-                <a:rPr lang="en-US" sz="1000" dirty="0" err="1" smtClean="0"/>
+                <a:rPr lang="en-US" sz="4600" dirty="0" err="1" smtClean="0"/>
                 <a:t>glucometer</a:t>
               </a:r>
               <a:r>
-                <a:rPr lang="en-US" sz="1000" dirty="0" smtClean="0"/>
+                <a:rPr lang="en-US" sz="4600" dirty="0" smtClean="0"/>
                 <a:t> device is used to make this measurement. The </a:t>
               </a:r>
               <a:r>
-                <a:rPr lang="en-US" sz="1000" dirty="0" err="1" smtClean="0"/>
+                <a:rPr lang="en-US" sz="4600" dirty="0" err="1" smtClean="0"/>
                 <a:t>analyte</a:t>
               </a:r>
               <a:r>
-                <a:rPr lang="en-US" sz="1000" dirty="0" smtClean="0"/>
+                <a:rPr lang="en-US" sz="4600" dirty="0" smtClean="0"/>
                 <a:t> role inheres in the glucose molecules scattered throughout the blood specimen. The objective of this planned process is to analyze the </a:t>
               </a:r>
               <a:r>
-                <a:rPr lang="en-US" sz="1000" dirty="0" err="1" smtClean="0"/>
+                <a:rPr lang="en-US" sz="4600" dirty="0" err="1" smtClean="0"/>
                 <a:t>analyte</a:t>
               </a:r>
               <a:r>
-                <a:rPr lang="en-US" sz="1000" dirty="0" smtClean="0"/>
-                <a:t> (glucose) concentration. This modeling of a specific use case is used as the basis for generation of pattern templates </a:t>
+                <a:rPr lang="en-US" sz="4600" dirty="0" smtClean="0"/>
+                <a:t> (glucose) concentration. This modeling of a specific use case is used as the basis for generation of pattern templates allowing us to automate following additions of similar processes</a:t>
               </a:r>
-              <a:r>
-                <a:rPr lang="en-US" sz="1000" dirty="0" smtClean="0"/>
-                <a:t>allowing </a:t>
-              </a:r>
-              <a:r>
-                <a:rPr lang="en-US" sz="1000" dirty="0" smtClean="0"/>
-                <a:t>us to automate following additions of similar processes</a:t>
-              </a:r>
-              <a:endParaRPr lang="en-US" sz="1000" dirty="0"/>
+              <a:endParaRPr lang="en-US" sz="4600" dirty="0"/>
             </a:p>
           </p:txBody>
         </p:sp>
@@ -4596,7 +4570,7 @@
           <p:spPr>
             <a:xfrm>
               <a:off x="152400" y="4800600"/>
-              <a:ext cx="6553200" cy="307777"/>
+              <a:ext cx="6553200" cy="243122"/>
             </a:xfrm>
             <a:prstGeom prst="rect">
               <a:avLst/>
@@ -4611,7 +4585,7 @@
             <a:p>
               <a:pPr algn="ctr"/>
               <a:r>
-                <a:rPr lang="en-US" sz="1400" b="1" dirty="0" smtClean="0"/>
+                <a:rPr lang="en-US" sz="6400" b="1" dirty="0" smtClean="0"/>
                 <a:t>A detailed example how to represent a blood glucose concentration measurement</a:t>
               </a:r>
               <a:endParaRPr lang="en-US" b="1" dirty="0"/>
@@ -4619,39 +4593,6 @@
           </p:txBody>
         </p:sp>
       </p:grpSp>
-      <p:pic>
-        <p:nvPicPr>
-          <p:cNvPr id="23" name="Picture 2"/>
-          <p:cNvPicPr>
-            <a:picLocks noChangeAspect="1" noChangeArrowheads="1"/>
-          </p:cNvPicPr>
-          <p:nvPr/>
-        </p:nvPicPr>
-        <p:blipFill>
-          <a:blip r:embed="rId6" cstate="print"/>
-          <a:srcRect/>
-          <a:stretch>
-            <a:fillRect/>
-          </a:stretch>
-        </p:blipFill>
-        <p:spPr bwMode="auto">
-          <a:xfrm>
-            <a:off x="2925229" y="2514600"/>
-            <a:ext cx="3627971" cy="2185963"/>
-          </a:xfrm>
-          <a:prstGeom prst="rect">
-            <a:avLst/>
-          </a:prstGeom>
-          <a:noFill/>
-          <a:ln w="9525">
-            <a:noFill/>
-            <a:miter lim="800000"/>
-            <a:headEnd/>
-            <a:tailEnd/>
-          </a:ln>
-          <a:effectLst/>
-        </p:spPr>
-      </p:pic>
       <p:sp>
         <p:nvSpPr>
           <p:cNvPr id="25" name="TextBox 24"/>
@@ -4660,8 +4601,8 @@
         </p:nvSpPr>
         <p:spPr>
           <a:xfrm>
-            <a:off x="152400" y="2438400"/>
-            <a:ext cx="2743200" cy="2369880"/>
+            <a:off x="731520" y="10803988"/>
+            <a:ext cx="13167360" cy="11318340"/>
           </a:xfrm>
           <a:prstGeom prst="rect">
             <a:avLst/>
@@ -4669,86 +4610,2222 @@
           <a:noFill/>
         </p:spPr>
         <p:txBody>
-          <a:bodyPr wrap="square" rtlCol="0">
+          <a:bodyPr wrap="square" lIns="418960" tIns="209480" rIns="418960" bIns="209480" rtlCol="0">
             <a:spAutoFit/>
           </a:bodyPr>
           <a:lstStyle/>
           <a:p>
             <a:pPr algn="just"/>
             <a:r>
-              <a:rPr lang="en-US" sz="1400" b="1" dirty="0" smtClean="0"/>
+              <a:rPr lang="en-US" sz="4800" b="1" dirty="0" smtClean="0"/>
               <a:t>Partial high-level is-a hierarchy of OBI classes. </a:t>
             </a:r>
           </a:p>
           <a:p>
             <a:pPr algn="just"/>
             <a:r>
-              <a:rPr lang="en-US" sz="1000" dirty="0" smtClean="0"/>
-              <a:t>Under the Basic Formal Ontology (BFO) </a:t>
-            </a:r>
-            <a:r>
-              <a:rPr lang="en-US" sz="1000" dirty="0" smtClean="0"/>
-              <a:t>(</a:t>
-            </a:r>
-            <a:r>
-              <a:rPr lang="en-GB" sz="1000" i="1" dirty="0" smtClean="0"/>
+              <a:rPr lang="en-US" sz="4400" dirty="0" smtClean="0"/>
+              <a:t>Under the Basic Formal Ontology (BFO) (</a:t>
+            </a:r>
+            <a:r>
+              <a:rPr lang="en-GB" sz="4400" i="1" dirty="0" smtClean="0"/>
               <a:t>www.ifomis.org/bfo</a:t>
             </a:r>
             <a:r>
-              <a:rPr lang="en-US" sz="1000" dirty="0" smtClean="0"/>
+              <a:rPr lang="en-US" sz="4400" dirty="0" smtClean="0"/>
               <a:t>) </a:t>
             </a:r>
             <a:r>
-              <a:rPr lang="en-US" sz="1000" i="1" dirty="0" smtClean="0"/>
-              <a:t>material </a:t>
-            </a:r>
-            <a:r>
-              <a:rPr lang="en-US" sz="1000" i="1" dirty="0" smtClean="0"/>
-              <a:t>entity, </a:t>
-            </a:r>
-            <a:r>
-              <a:rPr lang="en-US" sz="1000" dirty="0" smtClean="0"/>
+              <a:rPr lang="en-US" sz="4400" i="1" dirty="0" smtClean="0"/>
+              <a:t>material entity, </a:t>
+            </a:r>
+            <a:r>
+              <a:rPr lang="en-US" sz="4400" dirty="0" smtClean="0"/>
               <a:t>several classes are imported from outside ontologies (indicated in red). The </a:t>
             </a:r>
             <a:r>
-              <a:rPr lang="en-US" sz="1000" i="1" dirty="0" smtClean="0"/>
+              <a:rPr lang="en-US" sz="4400" i="1" dirty="0" smtClean="0"/>
               <a:t>processed material</a:t>
             </a:r>
             <a:r>
-              <a:rPr lang="en-US" sz="1000" dirty="0" smtClean="0"/>
+              <a:rPr lang="en-US" sz="4400" dirty="0" smtClean="0"/>
               <a:t> class represents entities that were generated in a planned process, meaning that they were intentionally created. </a:t>
             </a:r>
           </a:p>
           <a:p>
             <a:pPr algn="just"/>
             <a:r>
-              <a:rPr lang="en-US" sz="1000" i="1" dirty="0" smtClean="0"/>
+              <a:rPr lang="en-US" sz="4400" i="1" dirty="0" smtClean="0"/>
               <a:t>planned process </a:t>
             </a:r>
             <a:r>
-              <a:rPr lang="en-US" sz="1000" dirty="0" smtClean="0"/>
-              <a:t>are initiated by an agent in order to achieve a specific objective. This includes all research activities, such as an </a:t>
-            </a:r>
-            <a:r>
-              <a:rPr lang="en-US" sz="1000" i="1" dirty="0" smtClean="0"/>
+              <a:rPr lang="en-US" sz="4400" dirty="0" smtClean="0"/>
+              <a:t>are initiated by an agent in order to achieve a specific objective. </a:t>
+            </a:r>
+            <a:r>
+              <a:rPr lang="en-US" sz="4400" dirty="0" smtClean="0"/>
+              <a:t>This includes all research activities, such as an </a:t>
+            </a:r>
+            <a:r>
+              <a:rPr lang="en-US" sz="4400" i="1" dirty="0" smtClean="0"/>
               <a:t>investigation </a:t>
             </a:r>
             <a:r>
-              <a:rPr lang="en-US" sz="1000" dirty="0" smtClean="0"/>
+              <a:rPr lang="en-US" sz="4400" dirty="0" smtClean="0"/>
               <a:t>encompassing a planning, study design execution and documenting phase, or an individual </a:t>
             </a:r>
             <a:r>
-              <a:rPr lang="en-US" sz="1000" i="1" dirty="0" smtClean="0"/>
+              <a:rPr lang="en-US" sz="4400" i="1" dirty="0" smtClean="0"/>
               <a:t>assay</a:t>
             </a:r>
             <a:r>
-              <a:rPr lang="en-US" sz="1000" dirty="0" smtClean="0"/>
-              <a:t>. </a:t>
-            </a:r>
-            <a:endParaRPr lang="en-US" sz="1000" i="1" dirty="0"/>
-          </a:p>
-        </p:txBody>
-      </p:sp>
+              <a:rPr lang="en-US" sz="4400" dirty="0" smtClean="0"/>
+              <a:t>.</a:t>
+            </a:r>
+            <a:r>
+              <a:rPr lang="en-US" sz="4400" dirty="0" smtClean="0"/>
+              <a:t> </a:t>
+            </a:r>
+          </a:p>
+          <a:p>
+            <a:pPr algn="just"/>
+            <a:r>
+              <a:rPr lang="en-US" sz="4400" i="1" dirty="0" smtClean="0"/>
+              <a:t>Information content entities</a:t>
+            </a:r>
+            <a:r>
+              <a:rPr lang="en-US" sz="4400" dirty="0" smtClean="0"/>
+              <a:t> are about the material entities and processes in an investigation in the form of its design, outcomes, and reporting.</a:t>
+            </a:r>
+            <a:endParaRPr lang="en-US" sz="4400" i="1" dirty="0" smtClean="0"/>
+          </a:p>
+          <a:p>
+            <a:pPr algn="just"/>
+            <a:endParaRPr lang="en-US" sz="4400" dirty="0"/>
+          </a:p>
+        </p:txBody>
+      </p:sp>
+      <p:grpSp>
+        <p:nvGrpSpPr>
+          <p:cNvPr id="18" name="Group 17"/>
+          <p:cNvGrpSpPr/>
+          <p:nvPr/>
+        </p:nvGrpSpPr>
+        <p:grpSpPr>
+          <a:xfrm>
+            <a:off x="15240000" y="11277600"/>
+            <a:ext cx="16230600" cy="9555480"/>
+            <a:chOff x="0" y="487680"/>
+            <a:chExt cx="9244118" cy="6583680"/>
+          </a:xfrm>
+        </p:grpSpPr>
+        <p:grpSp>
+          <p:nvGrpSpPr>
+            <p:cNvPr id="22" name="Group 44"/>
+            <p:cNvGrpSpPr/>
+            <p:nvPr/>
+          </p:nvGrpSpPr>
+          <p:grpSpPr>
+            <a:xfrm>
+              <a:off x="0" y="568960"/>
+              <a:ext cx="5126991" cy="5689600"/>
+              <a:chOff x="0" y="533400"/>
+              <a:chExt cx="5029200" cy="5334000"/>
+            </a:xfrm>
+          </p:grpSpPr>
+          <p:sp>
+            <p:nvSpPr>
+              <p:cNvPr id="52" name="Rounded Rectangle 51"/>
+              <p:cNvSpPr/>
+              <p:nvPr/>
+            </p:nvSpPr>
+            <p:spPr>
+              <a:xfrm>
+                <a:off x="1524000" y="4648200"/>
+                <a:ext cx="1905000" cy="533400"/>
+              </a:xfrm>
+              <a:prstGeom prst="roundRect">
+                <a:avLst/>
+              </a:prstGeom>
+              <a:solidFill>
+                <a:srgbClr val="FF0000"/>
+              </a:solidFill>
+            </p:spPr>
+            <p:style>
+              <a:lnRef idx="2">
+                <a:schemeClr val="accent1">
+                  <a:shade val="50000"/>
+                </a:schemeClr>
+              </a:lnRef>
+              <a:fillRef idx="1">
+                <a:schemeClr val="accent1"/>
+              </a:fillRef>
+              <a:effectRef idx="0">
+                <a:schemeClr val="accent1"/>
+              </a:effectRef>
+              <a:fontRef idx="minor">
+                <a:schemeClr val="lt1"/>
+              </a:fontRef>
+            </p:style>
+            <p:txBody>
+              <a:bodyPr rtlCol="0" anchor="ctr"/>
+              <a:lstStyle/>
+              <a:p>
+                <a:pPr algn="ctr"/>
+                <a:r>
+                  <a:rPr lang="en-US" sz="2800" dirty="0" smtClean="0"/>
+                  <a:t>anatomical entity (FMA, CARO)</a:t>
+                </a:r>
+                <a:endParaRPr lang="en-US" sz="2800" dirty="0"/>
+              </a:p>
+            </p:txBody>
+          </p:sp>
+          <p:sp>
+            <p:nvSpPr>
+              <p:cNvPr id="53" name="Rounded Rectangle 52"/>
+              <p:cNvSpPr/>
+              <p:nvPr/>
+            </p:nvSpPr>
+            <p:spPr>
+              <a:xfrm>
+                <a:off x="1524000" y="3276600"/>
+                <a:ext cx="1905000" cy="533400"/>
+              </a:xfrm>
+              <a:prstGeom prst="roundRect">
+                <a:avLst/>
+              </a:prstGeom>
+              <a:solidFill>
+                <a:srgbClr val="FF0000"/>
+              </a:solidFill>
+            </p:spPr>
+            <p:style>
+              <a:lnRef idx="2">
+                <a:schemeClr val="accent1">
+                  <a:shade val="50000"/>
+                </a:schemeClr>
+              </a:lnRef>
+              <a:fillRef idx="1">
+                <a:schemeClr val="accent1"/>
+              </a:fillRef>
+              <a:effectRef idx="0">
+                <a:schemeClr val="accent1"/>
+              </a:effectRef>
+              <a:fontRef idx="minor">
+                <a:schemeClr val="lt1"/>
+              </a:fontRef>
+            </p:style>
+            <p:txBody>
+              <a:bodyPr rtlCol="0" anchor="ctr"/>
+              <a:lstStyle/>
+              <a:p>
+                <a:pPr algn="ctr"/>
+                <a:r>
+                  <a:rPr lang="en-US" sz="2800" dirty="0" smtClean="0"/>
+                  <a:t>protein complex</a:t>
+                </a:r>
+                <a:br>
+                  <a:rPr lang="en-US" sz="2800" dirty="0" smtClean="0"/>
+                </a:br>
+                <a:r>
+                  <a:rPr lang="en-US" sz="2800" dirty="0" smtClean="0"/>
+                  <a:t>(Gene Ontology)</a:t>
+                </a:r>
+                <a:endParaRPr lang="en-US" sz="2800" dirty="0"/>
+              </a:p>
+            </p:txBody>
+          </p:sp>
+          <p:sp>
+            <p:nvSpPr>
+              <p:cNvPr id="54" name="Rounded Rectangle 53"/>
+              <p:cNvSpPr/>
+              <p:nvPr/>
+            </p:nvSpPr>
+            <p:spPr>
+              <a:xfrm>
+                <a:off x="1524000" y="2590800"/>
+                <a:ext cx="1905000" cy="533400"/>
+              </a:xfrm>
+              <a:prstGeom prst="roundRect">
+                <a:avLst/>
+              </a:prstGeom>
+              <a:solidFill>
+                <a:srgbClr val="FF0000"/>
+              </a:solidFill>
+            </p:spPr>
+            <p:style>
+              <a:lnRef idx="2">
+                <a:schemeClr val="accent1">
+                  <a:shade val="50000"/>
+                </a:schemeClr>
+              </a:lnRef>
+              <a:fillRef idx="1">
+                <a:schemeClr val="accent1"/>
+              </a:fillRef>
+              <a:effectRef idx="0">
+                <a:schemeClr val="accent1"/>
+              </a:effectRef>
+              <a:fontRef idx="minor">
+                <a:schemeClr val="lt1"/>
+              </a:fontRef>
+            </p:style>
+            <p:txBody>
+              <a:bodyPr rtlCol="0" anchor="ctr"/>
+              <a:lstStyle/>
+              <a:p>
+                <a:pPr algn="ctr"/>
+                <a:r>
+                  <a:rPr lang="en-US" sz="2800" dirty="0" smtClean="0"/>
+                  <a:t>molecular entity (</a:t>
+                </a:r>
+                <a:r>
+                  <a:rPr lang="en-US" sz="2800" dirty="0" err="1" smtClean="0"/>
+                  <a:t>ChEBI</a:t>
+                </a:r>
+                <a:r>
+                  <a:rPr lang="en-US" sz="2800" dirty="0" smtClean="0"/>
+                  <a:t>)</a:t>
+                </a:r>
+                <a:endParaRPr lang="en-US" sz="2800" dirty="0"/>
+              </a:p>
+            </p:txBody>
+          </p:sp>
+          <p:sp>
+            <p:nvSpPr>
+              <p:cNvPr id="55" name="Rounded Rectangle 54"/>
+              <p:cNvSpPr/>
+              <p:nvPr/>
+            </p:nvSpPr>
+            <p:spPr>
+              <a:xfrm>
+                <a:off x="1524000" y="5334000"/>
+                <a:ext cx="1905000" cy="533400"/>
+              </a:xfrm>
+              <a:prstGeom prst="roundRect">
+                <a:avLst/>
+              </a:prstGeom>
+              <a:solidFill>
+                <a:srgbClr val="FF0000"/>
+              </a:solidFill>
+            </p:spPr>
+            <p:style>
+              <a:lnRef idx="2">
+                <a:schemeClr val="accent1">
+                  <a:shade val="50000"/>
+                </a:schemeClr>
+              </a:lnRef>
+              <a:fillRef idx="1">
+                <a:schemeClr val="accent1"/>
+              </a:fillRef>
+              <a:effectRef idx="0">
+                <a:schemeClr val="accent1"/>
+              </a:effectRef>
+              <a:fontRef idx="minor">
+                <a:schemeClr val="lt1"/>
+              </a:fontRef>
+            </p:style>
+            <p:txBody>
+              <a:bodyPr rtlCol="0" anchor="ctr"/>
+              <a:lstStyle/>
+              <a:p>
+                <a:pPr algn="ctr"/>
+                <a:r>
+                  <a:rPr lang="en-US" sz="2800" dirty="0" smtClean="0"/>
+                  <a:t>organism </a:t>
+                </a:r>
+                <a:br>
+                  <a:rPr lang="en-US" sz="2800" dirty="0" smtClean="0"/>
+                </a:br>
+                <a:r>
+                  <a:rPr lang="en-US" sz="2800" dirty="0" smtClean="0"/>
+                  <a:t>(NCBI taxonomy)</a:t>
+                </a:r>
+                <a:endParaRPr lang="en-US" sz="2800" dirty="0"/>
+              </a:p>
+            </p:txBody>
+          </p:sp>
+          <p:sp>
+            <p:nvSpPr>
+              <p:cNvPr id="56" name="Rounded Rectangle 55"/>
+              <p:cNvSpPr/>
+              <p:nvPr/>
+            </p:nvSpPr>
+            <p:spPr>
+              <a:xfrm>
+                <a:off x="1524000" y="533400"/>
+                <a:ext cx="1905000" cy="533400"/>
+              </a:xfrm>
+              <a:prstGeom prst="roundRect">
+                <a:avLst/>
+              </a:prstGeom>
+            </p:spPr>
+            <p:style>
+              <a:lnRef idx="2">
+                <a:schemeClr val="accent1">
+                  <a:shade val="50000"/>
+                </a:schemeClr>
+              </a:lnRef>
+              <a:fillRef idx="1">
+                <a:schemeClr val="accent1"/>
+              </a:fillRef>
+              <a:effectRef idx="0">
+                <a:schemeClr val="accent1"/>
+              </a:effectRef>
+              <a:fontRef idx="minor">
+                <a:schemeClr val="lt1"/>
+              </a:fontRef>
+            </p:style>
+            <p:txBody>
+              <a:bodyPr rtlCol="0" anchor="ctr"/>
+              <a:lstStyle/>
+              <a:p>
+                <a:pPr algn="ctr"/>
+                <a:r>
+                  <a:rPr lang="en-US" sz="2800" dirty="0" smtClean="0"/>
+                  <a:t>processed material</a:t>
+                </a:r>
+                <a:endParaRPr lang="en-US" sz="2800" dirty="0"/>
+              </a:p>
+            </p:txBody>
+          </p:sp>
+          <p:sp>
+            <p:nvSpPr>
+              <p:cNvPr id="57" name="Rounded Rectangle 56"/>
+              <p:cNvSpPr/>
+              <p:nvPr/>
+            </p:nvSpPr>
+            <p:spPr>
+              <a:xfrm>
+                <a:off x="0" y="2971800"/>
+                <a:ext cx="1066800" cy="533400"/>
+              </a:xfrm>
+              <a:prstGeom prst="roundRect">
+                <a:avLst/>
+              </a:prstGeom>
+            </p:spPr>
+            <p:style>
+              <a:lnRef idx="2">
+                <a:schemeClr val="accent1">
+                  <a:shade val="50000"/>
+                </a:schemeClr>
+              </a:lnRef>
+              <a:fillRef idx="1">
+                <a:schemeClr val="accent1"/>
+              </a:fillRef>
+              <a:effectRef idx="0">
+                <a:schemeClr val="accent1"/>
+              </a:effectRef>
+              <a:fontRef idx="minor">
+                <a:schemeClr val="lt1"/>
+              </a:fontRef>
+            </p:style>
+            <p:txBody>
+              <a:bodyPr rtlCol="0" anchor="ctr"/>
+              <a:lstStyle/>
+              <a:p>
+                <a:pPr algn="ctr"/>
+                <a:r>
+                  <a:rPr lang="en-US" sz="2800" dirty="0" smtClean="0"/>
+                  <a:t>material entity</a:t>
+                </a:r>
+                <a:endParaRPr lang="en-US" sz="2800" dirty="0"/>
+              </a:p>
+            </p:txBody>
+          </p:sp>
+          <p:sp>
+            <p:nvSpPr>
+              <p:cNvPr id="58" name="Rounded Rectangle 57"/>
+              <p:cNvSpPr/>
+              <p:nvPr/>
+            </p:nvSpPr>
+            <p:spPr>
+              <a:xfrm>
+                <a:off x="1524000" y="1905000"/>
+                <a:ext cx="1905000" cy="533400"/>
+              </a:xfrm>
+              <a:prstGeom prst="roundRect">
+                <a:avLst/>
+              </a:prstGeom>
+              <a:solidFill>
+                <a:schemeClr val="accent1"/>
+              </a:solidFill>
+            </p:spPr>
+            <p:style>
+              <a:lnRef idx="2">
+                <a:schemeClr val="accent1">
+                  <a:shade val="50000"/>
+                </a:schemeClr>
+              </a:lnRef>
+              <a:fillRef idx="1">
+                <a:schemeClr val="accent1"/>
+              </a:fillRef>
+              <a:effectRef idx="0">
+                <a:schemeClr val="accent1"/>
+              </a:effectRef>
+              <a:fontRef idx="minor">
+                <a:schemeClr val="lt1"/>
+              </a:fontRef>
+            </p:style>
+            <p:txBody>
+              <a:bodyPr rtlCol="0" anchor="ctr"/>
+              <a:lstStyle/>
+              <a:p>
+                <a:pPr algn="ctr"/>
+                <a:r>
+                  <a:rPr lang="en-US" sz="2800" dirty="0" smtClean="0"/>
+                  <a:t>chemical entities in solution</a:t>
+                </a:r>
+                <a:endParaRPr lang="en-US" sz="2800" dirty="0"/>
+              </a:p>
+            </p:txBody>
+          </p:sp>
+          <p:cxnSp>
+            <p:nvCxnSpPr>
+              <p:cNvPr id="59" name="Straight Arrow Connector 58"/>
+              <p:cNvCxnSpPr>
+                <a:stCxn id="57" idx="3"/>
+                <a:endCxn id="58" idx="1"/>
+              </p:cNvCxnSpPr>
+              <p:nvPr/>
+            </p:nvCxnSpPr>
+            <p:spPr>
+              <a:xfrm flipV="1">
+                <a:off x="1066800" y="2171700"/>
+                <a:ext cx="457200" cy="1066800"/>
+              </a:xfrm>
+              <a:prstGeom prst="straightConnector1">
+                <a:avLst/>
+              </a:prstGeom>
+              <a:ln w="28575">
+                <a:solidFill>
+                  <a:schemeClr val="tx1"/>
+                </a:solidFill>
+                <a:tailEnd type="arrow"/>
+              </a:ln>
+            </p:spPr>
+            <p:style>
+              <a:lnRef idx="1">
+                <a:schemeClr val="accent1"/>
+              </a:lnRef>
+              <a:fillRef idx="0">
+                <a:schemeClr val="accent1"/>
+              </a:fillRef>
+              <a:effectRef idx="0">
+                <a:schemeClr val="accent1"/>
+              </a:effectRef>
+              <a:fontRef idx="minor">
+                <a:schemeClr val="tx1"/>
+              </a:fontRef>
+            </p:style>
+          </p:cxnSp>
+          <p:cxnSp>
+            <p:nvCxnSpPr>
+              <p:cNvPr id="60" name="Straight Arrow Connector 59"/>
+              <p:cNvCxnSpPr>
+                <a:stCxn id="57" idx="3"/>
+                <a:endCxn id="54" idx="1"/>
+              </p:cNvCxnSpPr>
+              <p:nvPr/>
+            </p:nvCxnSpPr>
+            <p:spPr>
+              <a:xfrm flipV="1">
+                <a:off x="1066800" y="2857500"/>
+                <a:ext cx="457200" cy="381000"/>
+              </a:xfrm>
+              <a:prstGeom prst="straightConnector1">
+                <a:avLst/>
+              </a:prstGeom>
+              <a:ln w="28575">
+                <a:solidFill>
+                  <a:schemeClr val="tx1"/>
+                </a:solidFill>
+                <a:tailEnd type="arrow"/>
+              </a:ln>
+            </p:spPr>
+            <p:style>
+              <a:lnRef idx="1">
+                <a:schemeClr val="accent1"/>
+              </a:lnRef>
+              <a:fillRef idx="0">
+                <a:schemeClr val="accent1"/>
+              </a:fillRef>
+              <a:effectRef idx="0">
+                <a:schemeClr val="accent1"/>
+              </a:effectRef>
+              <a:fontRef idx="minor">
+                <a:schemeClr val="tx1"/>
+              </a:fontRef>
+            </p:style>
+          </p:cxnSp>
+          <p:cxnSp>
+            <p:nvCxnSpPr>
+              <p:cNvPr id="61" name="Straight Arrow Connector 60"/>
+              <p:cNvCxnSpPr>
+                <a:stCxn id="57" idx="3"/>
+                <a:endCxn id="56" idx="1"/>
+              </p:cNvCxnSpPr>
+              <p:nvPr/>
+            </p:nvCxnSpPr>
+            <p:spPr>
+              <a:xfrm flipV="1">
+                <a:off x="1066800" y="800100"/>
+                <a:ext cx="457200" cy="2438400"/>
+              </a:xfrm>
+              <a:prstGeom prst="straightConnector1">
+                <a:avLst/>
+              </a:prstGeom>
+              <a:ln w="28575">
+                <a:solidFill>
+                  <a:schemeClr val="tx1"/>
+                </a:solidFill>
+                <a:tailEnd type="arrow"/>
+              </a:ln>
+            </p:spPr>
+            <p:style>
+              <a:lnRef idx="1">
+                <a:schemeClr val="accent1"/>
+              </a:lnRef>
+              <a:fillRef idx="0">
+                <a:schemeClr val="accent1"/>
+              </a:fillRef>
+              <a:effectRef idx="0">
+                <a:schemeClr val="accent1"/>
+              </a:effectRef>
+              <a:fontRef idx="minor">
+                <a:schemeClr val="tx1"/>
+              </a:fontRef>
+            </p:style>
+          </p:cxnSp>
+          <p:cxnSp>
+            <p:nvCxnSpPr>
+              <p:cNvPr id="62" name="Straight Arrow Connector 61"/>
+              <p:cNvCxnSpPr>
+                <a:stCxn id="57" idx="3"/>
+                <a:endCxn id="55" idx="1"/>
+              </p:cNvCxnSpPr>
+              <p:nvPr/>
+            </p:nvCxnSpPr>
+            <p:spPr>
+              <a:xfrm>
+                <a:off x="1066800" y="3238500"/>
+                <a:ext cx="457200" cy="2362200"/>
+              </a:xfrm>
+              <a:prstGeom prst="straightConnector1">
+                <a:avLst/>
+              </a:prstGeom>
+              <a:ln w="28575">
+                <a:solidFill>
+                  <a:schemeClr val="tx1"/>
+                </a:solidFill>
+                <a:tailEnd type="arrow"/>
+              </a:ln>
+            </p:spPr>
+            <p:style>
+              <a:lnRef idx="1">
+                <a:schemeClr val="accent1"/>
+              </a:lnRef>
+              <a:fillRef idx="0">
+                <a:schemeClr val="accent1"/>
+              </a:fillRef>
+              <a:effectRef idx="0">
+                <a:schemeClr val="accent1"/>
+              </a:effectRef>
+              <a:fontRef idx="minor">
+                <a:schemeClr val="tx1"/>
+              </a:fontRef>
+            </p:style>
+          </p:cxnSp>
+          <p:cxnSp>
+            <p:nvCxnSpPr>
+              <p:cNvPr id="63" name="Straight Arrow Connector 62"/>
+              <p:cNvCxnSpPr>
+                <a:stCxn id="57" idx="3"/>
+                <a:endCxn id="52" idx="1"/>
+              </p:cNvCxnSpPr>
+              <p:nvPr/>
+            </p:nvCxnSpPr>
+            <p:spPr>
+              <a:xfrm>
+                <a:off x="1066800" y="3238500"/>
+                <a:ext cx="457200" cy="1676400"/>
+              </a:xfrm>
+              <a:prstGeom prst="straightConnector1">
+                <a:avLst/>
+              </a:prstGeom>
+              <a:ln w="28575">
+                <a:solidFill>
+                  <a:schemeClr val="tx1"/>
+                </a:solidFill>
+                <a:tailEnd type="arrow"/>
+              </a:ln>
+            </p:spPr>
+            <p:style>
+              <a:lnRef idx="1">
+                <a:schemeClr val="accent1"/>
+              </a:lnRef>
+              <a:fillRef idx="0">
+                <a:schemeClr val="accent1"/>
+              </a:fillRef>
+              <a:effectRef idx="0">
+                <a:schemeClr val="accent1"/>
+              </a:effectRef>
+              <a:fontRef idx="minor">
+                <a:schemeClr val="tx1"/>
+              </a:fontRef>
+            </p:style>
+          </p:cxnSp>
+          <p:cxnSp>
+            <p:nvCxnSpPr>
+              <p:cNvPr id="64" name="Straight Arrow Connector 63"/>
+              <p:cNvCxnSpPr>
+                <a:stCxn id="57" idx="3"/>
+                <a:endCxn id="53" idx="1"/>
+              </p:cNvCxnSpPr>
+              <p:nvPr/>
+            </p:nvCxnSpPr>
+            <p:spPr>
+              <a:xfrm>
+                <a:off x="1066800" y="3238500"/>
+                <a:ext cx="457200" cy="304800"/>
+              </a:xfrm>
+              <a:prstGeom prst="straightConnector1">
+                <a:avLst/>
+              </a:prstGeom>
+              <a:ln w="28575">
+                <a:solidFill>
+                  <a:schemeClr val="tx1"/>
+                </a:solidFill>
+                <a:tailEnd type="arrow"/>
+              </a:ln>
+            </p:spPr>
+            <p:style>
+              <a:lnRef idx="1">
+                <a:schemeClr val="accent1"/>
+              </a:lnRef>
+              <a:fillRef idx="0">
+                <a:schemeClr val="accent1"/>
+              </a:fillRef>
+              <a:effectRef idx="0">
+                <a:schemeClr val="accent1"/>
+              </a:effectRef>
+              <a:fontRef idx="minor">
+                <a:schemeClr val="tx1"/>
+              </a:fontRef>
+            </p:style>
+          </p:cxnSp>
+          <p:cxnSp>
+            <p:nvCxnSpPr>
+              <p:cNvPr id="65" name="Straight Arrow Connector 64"/>
+              <p:cNvCxnSpPr>
+                <a:stCxn id="56" idx="3"/>
+                <a:endCxn id="66" idx="1"/>
+              </p:cNvCxnSpPr>
+              <p:nvPr/>
+            </p:nvCxnSpPr>
+            <p:spPr>
+              <a:xfrm>
+                <a:off x="3429000" y="800100"/>
+                <a:ext cx="457200" cy="1588"/>
+              </a:xfrm>
+              <a:prstGeom prst="straightConnector1">
+                <a:avLst/>
+              </a:prstGeom>
+              <a:ln w="28575">
+                <a:solidFill>
+                  <a:schemeClr val="tx1"/>
+                </a:solidFill>
+                <a:tailEnd type="arrow"/>
+              </a:ln>
+            </p:spPr>
+            <p:style>
+              <a:lnRef idx="1">
+                <a:schemeClr val="accent1"/>
+              </a:lnRef>
+              <a:fillRef idx="0">
+                <a:schemeClr val="accent1"/>
+              </a:fillRef>
+              <a:effectRef idx="0">
+                <a:schemeClr val="accent1"/>
+              </a:effectRef>
+              <a:fontRef idx="minor">
+                <a:schemeClr val="tx1"/>
+              </a:fontRef>
+            </p:style>
+          </p:cxnSp>
+          <p:sp>
+            <p:nvSpPr>
+              <p:cNvPr id="66" name="Rounded Rectangle 65"/>
+              <p:cNvSpPr/>
+              <p:nvPr/>
+            </p:nvSpPr>
+            <p:spPr>
+              <a:xfrm>
+                <a:off x="3886200" y="533400"/>
+                <a:ext cx="1143000" cy="533400"/>
+              </a:xfrm>
+              <a:prstGeom prst="roundRect">
+                <a:avLst/>
+              </a:prstGeom>
+            </p:spPr>
+            <p:style>
+              <a:lnRef idx="2">
+                <a:schemeClr val="accent1">
+                  <a:shade val="50000"/>
+                </a:schemeClr>
+              </a:lnRef>
+              <a:fillRef idx="1">
+                <a:schemeClr val="accent1"/>
+              </a:fillRef>
+              <a:effectRef idx="0">
+                <a:schemeClr val="accent1"/>
+              </a:effectRef>
+              <a:fontRef idx="minor">
+                <a:schemeClr val="lt1"/>
+              </a:fontRef>
+            </p:style>
+            <p:txBody>
+              <a:bodyPr rtlCol="0" anchor="ctr"/>
+              <a:lstStyle/>
+              <a:p>
+                <a:pPr algn="ctr"/>
+                <a:r>
+                  <a:rPr lang="en-US" sz="2800" dirty="0" smtClean="0"/>
+                  <a:t>device</a:t>
+                </a:r>
+                <a:endParaRPr lang="en-US" sz="2800" dirty="0"/>
+              </a:p>
+            </p:txBody>
+          </p:sp>
+          <p:sp>
+            <p:nvSpPr>
+              <p:cNvPr id="67" name="Rounded Rectangle 66"/>
+              <p:cNvSpPr/>
+              <p:nvPr/>
+            </p:nvSpPr>
+            <p:spPr>
+              <a:xfrm>
+                <a:off x="3886200" y="1219200"/>
+                <a:ext cx="1143000" cy="533400"/>
+              </a:xfrm>
+              <a:prstGeom prst="roundRect">
+                <a:avLst/>
+              </a:prstGeom>
+            </p:spPr>
+            <p:style>
+              <a:lnRef idx="2">
+                <a:schemeClr val="accent1">
+                  <a:shade val="50000"/>
+                </a:schemeClr>
+              </a:lnRef>
+              <a:fillRef idx="1">
+                <a:schemeClr val="accent1"/>
+              </a:fillRef>
+              <a:effectRef idx="0">
+                <a:schemeClr val="accent1"/>
+              </a:effectRef>
+              <a:fontRef idx="minor">
+                <a:schemeClr val="lt1"/>
+              </a:fontRef>
+            </p:style>
+            <p:txBody>
+              <a:bodyPr rtlCol="0" anchor="ctr"/>
+              <a:lstStyle/>
+              <a:p>
+                <a:pPr algn="ctr"/>
+                <a:r>
+                  <a:rPr lang="en-US" sz="2800" dirty="0" smtClean="0"/>
+                  <a:t>cell culture</a:t>
+                </a:r>
+                <a:endParaRPr lang="en-US" sz="2800" dirty="0"/>
+              </a:p>
+            </p:txBody>
+          </p:sp>
+          <p:sp>
+            <p:nvSpPr>
+              <p:cNvPr id="68" name="Rounded Rectangle 67"/>
+              <p:cNvSpPr/>
+              <p:nvPr/>
+            </p:nvSpPr>
+            <p:spPr>
+              <a:xfrm>
+                <a:off x="1524000" y="1219200"/>
+                <a:ext cx="1905000" cy="533400"/>
+              </a:xfrm>
+              <a:prstGeom prst="roundRect">
+                <a:avLst/>
+              </a:prstGeom>
+              <a:solidFill>
+                <a:schemeClr val="accent1"/>
+              </a:solidFill>
+            </p:spPr>
+            <p:style>
+              <a:lnRef idx="2">
+                <a:schemeClr val="accent1">
+                  <a:shade val="50000"/>
+                </a:schemeClr>
+              </a:lnRef>
+              <a:fillRef idx="1">
+                <a:schemeClr val="accent1"/>
+              </a:fillRef>
+              <a:effectRef idx="0">
+                <a:schemeClr val="accent1"/>
+              </a:effectRef>
+              <a:fontRef idx="minor">
+                <a:schemeClr val="lt1"/>
+              </a:fontRef>
+            </p:style>
+            <p:txBody>
+              <a:bodyPr rtlCol="0" anchor="ctr"/>
+              <a:lstStyle/>
+              <a:p>
+                <a:pPr algn="ctr"/>
+                <a:r>
+                  <a:rPr lang="en-US" sz="2800" dirty="0" smtClean="0"/>
+                  <a:t>organization</a:t>
+                </a:r>
+                <a:endParaRPr lang="en-US" sz="2800" dirty="0"/>
+              </a:p>
+            </p:txBody>
+          </p:sp>
+          <p:cxnSp>
+            <p:nvCxnSpPr>
+              <p:cNvPr id="69" name="Straight Arrow Connector 68"/>
+              <p:cNvCxnSpPr>
+                <a:stCxn id="57" idx="3"/>
+                <a:endCxn id="68" idx="1"/>
+              </p:cNvCxnSpPr>
+              <p:nvPr/>
+            </p:nvCxnSpPr>
+            <p:spPr>
+              <a:xfrm flipV="1">
+                <a:off x="1066800" y="1485900"/>
+                <a:ext cx="457200" cy="1752600"/>
+              </a:xfrm>
+              <a:prstGeom prst="straightConnector1">
+                <a:avLst/>
+              </a:prstGeom>
+              <a:ln w="28575">
+                <a:solidFill>
+                  <a:schemeClr val="tx1"/>
+                </a:solidFill>
+                <a:tailEnd type="arrow"/>
+              </a:ln>
+            </p:spPr>
+            <p:style>
+              <a:lnRef idx="1">
+                <a:schemeClr val="accent1"/>
+              </a:lnRef>
+              <a:fillRef idx="0">
+                <a:schemeClr val="accent1"/>
+              </a:fillRef>
+              <a:effectRef idx="0">
+                <a:schemeClr val="accent1"/>
+              </a:effectRef>
+              <a:fontRef idx="minor">
+                <a:schemeClr val="tx1"/>
+              </a:fontRef>
+            </p:style>
+          </p:cxnSp>
+          <p:sp>
+            <p:nvSpPr>
+              <p:cNvPr id="70" name="Rounded Rectangle 69"/>
+              <p:cNvSpPr/>
+              <p:nvPr/>
+            </p:nvSpPr>
+            <p:spPr>
+              <a:xfrm>
+                <a:off x="1524000" y="3962400"/>
+                <a:ext cx="1905000" cy="533400"/>
+              </a:xfrm>
+              <a:prstGeom prst="roundRect">
+                <a:avLst/>
+              </a:prstGeom>
+              <a:solidFill>
+                <a:srgbClr val="FF0000"/>
+              </a:solidFill>
+            </p:spPr>
+            <p:style>
+              <a:lnRef idx="2">
+                <a:schemeClr val="accent1">
+                  <a:shade val="50000"/>
+                </a:schemeClr>
+              </a:lnRef>
+              <a:fillRef idx="1">
+                <a:schemeClr val="accent1"/>
+              </a:fillRef>
+              <a:effectRef idx="0">
+                <a:schemeClr val="accent1"/>
+              </a:effectRef>
+              <a:fontRef idx="minor">
+                <a:schemeClr val="lt1"/>
+              </a:fontRef>
+            </p:style>
+            <p:txBody>
+              <a:bodyPr rtlCol="0" anchor="ctr"/>
+              <a:lstStyle/>
+              <a:p>
+                <a:pPr algn="ctr"/>
+                <a:r>
+                  <a:rPr lang="en-US" sz="2800" dirty="0" smtClean="0"/>
+                  <a:t>cell</a:t>
+                </a:r>
+                <a:br>
+                  <a:rPr lang="en-US" sz="2800" dirty="0" smtClean="0"/>
+                </a:br>
+                <a:r>
+                  <a:rPr lang="en-US" sz="2800" dirty="0" smtClean="0"/>
+                  <a:t>(Cell Ontology)</a:t>
+                </a:r>
+                <a:endParaRPr lang="en-US" sz="2800" dirty="0"/>
+              </a:p>
+            </p:txBody>
+          </p:sp>
+          <p:cxnSp>
+            <p:nvCxnSpPr>
+              <p:cNvPr id="71" name="Straight Arrow Connector 70"/>
+              <p:cNvCxnSpPr>
+                <a:stCxn id="57" idx="3"/>
+                <a:endCxn id="70" idx="1"/>
+              </p:cNvCxnSpPr>
+              <p:nvPr/>
+            </p:nvCxnSpPr>
+            <p:spPr>
+              <a:xfrm>
+                <a:off x="1066800" y="3238500"/>
+                <a:ext cx="457200" cy="990600"/>
+              </a:xfrm>
+              <a:prstGeom prst="straightConnector1">
+                <a:avLst/>
+              </a:prstGeom>
+              <a:ln w="28575">
+                <a:solidFill>
+                  <a:schemeClr val="tx1"/>
+                </a:solidFill>
+                <a:tailEnd type="arrow"/>
+              </a:ln>
+            </p:spPr>
+            <p:style>
+              <a:lnRef idx="1">
+                <a:schemeClr val="accent1"/>
+              </a:lnRef>
+              <a:fillRef idx="0">
+                <a:schemeClr val="accent1"/>
+              </a:fillRef>
+              <a:effectRef idx="0">
+                <a:schemeClr val="accent1"/>
+              </a:effectRef>
+              <a:fontRef idx="minor">
+                <a:schemeClr val="tx1"/>
+              </a:fontRef>
+            </p:style>
+          </p:cxnSp>
+          <p:sp>
+            <p:nvSpPr>
+              <p:cNvPr id="72" name="Rounded Rectangle 71"/>
+              <p:cNvSpPr/>
+              <p:nvPr/>
+            </p:nvSpPr>
+            <p:spPr>
+              <a:xfrm>
+                <a:off x="3886200" y="1905000"/>
+                <a:ext cx="1143000" cy="533400"/>
+              </a:xfrm>
+              <a:prstGeom prst="roundRect">
+                <a:avLst/>
+              </a:prstGeom>
+            </p:spPr>
+            <p:style>
+              <a:lnRef idx="2">
+                <a:schemeClr val="accent1">
+                  <a:shade val="50000"/>
+                </a:schemeClr>
+              </a:lnRef>
+              <a:fillRef idx="1">
+                <a:schemeClr val="accent1"/>
+              </a:fillRef>
+              <a:effectRef idx="0">
+                <a:schemeClr val="accent1"/>
+              </a:effectRef>
+              <a:fontRef idx="minor">
+                <a:schemeClr val="lt1"/>
+              </a:fontRef>
+            </p:style>
+            <p:txBody>
+              <a:bodyPr rtlCol="0" anchor="ctr"/>
+              <a:lstStyle/>
+              <a:p>
+                <a:pPr algn="ctr"/>
+                <a:r>
+                  <a:rPr lang="en-US" sz="2800" dirty="0" smtClean="0"/>
+                  <a:t>PCR product</a:t>
+                </a:r>
+                <a:endParaRPr lang="en-US" sz="2800" dirty="0"/>
+              </a:p>
+            </p:txBody>
+          </p:sp>
+          <p:cxnSp>
+            <p:nvCxnSpPr>
+              <p:cNvPr id="73" name="Straight Arrow Connector 72"/>
+              <p:cNvCxnSpPr>
+                <a:stCxn id="56" idx="3"/>
+                <a:endCxn id="67" idx="1"/>
+              </p:cNvCxnSpPr>
+              <p:nvPr/>
+            </p:nvCxnSpPr>
+            <p:spPr>
+              <a:xfrm>
+                <a:off x="3429000" y="800100"/>
+                <a:ext cx="457200" cy="685800"/>
+              </a:xfrm>
+              <a:prstGeom prst="straightConnector1">
+                <a:avLst/>
+              </a:prstGeom>
+              <a:ln w="28575">
+                <a:solidFill>
+                  <a:schemeClr val="tx1"/>
+                </a:solidFill>
+                <a:tailEnd type="arrow"/>
+              </a:ln>
+            </p:spPr>
+            <p:style>
+              <a:lnRef idx="1">
+                <a:schemeClr val="accent1"/>
+              </a:lnRef>
+              <a:fillRef idx="0">
+                <a:schemeClr val="accent1"/>
+              </a:fillRef>
+              <a:effectRef idx="0">
+                <a:schemeClr val="accent1"/>
+              </a:effectRef>
+              <a:fontRef idx="minor">
+                <a:schemeClr val="tx1"/>
+              </a:fontRef>
+            </p:style>
+          </p:cxnSp>
+          <p:cxnSp>
+            <p:nvCxnSpPr>
+              <p:cNvPr id="74" name="Straight Arrow Connector 73"/>
+              <p:cNvCxnSpPr>
+                <a:stCxn id="56" idx="3"/>
+                <a:endCxn id="72" idx="1"/>
+              </p:cNvCxnSpPr>
+              <p:nvPr/>
+            </p:nvCxnSpPr>
+            <p:spPr>
+              <a:xfrm>
+                <a:off x="3429000" y="800100"/>
+                <a:ext cx="457200" cy="1371600"/>
+              </a:xfrm>
+              <a:prstGeom prst="straightConnector1">
+                <a:avLst/>
+              </a:prstGeom>
+              <a:ln w="28575">
+                <a:solidFill>
+                  <a:schemeClr val="tx1"/>
+                </a:solidFill>
+                <a:tailEnd type="arrow"/>
+              </a:ln>
+            </p:spPr>
+            <p:style>
+              <a:lnRef idx="1">
+                <a:schemeClr val="accent1"/>
+              </a:lnRef>
+              <a:fillRef idx="0">
+                <a:schemeClr val="accent1"/>
+              </a:fillRef>
+              <a:effectRef idx="0">
+                <a:schemeClr val="accent1"/>
+              </a:effectRef>
+              <a:fontRef idx="minor">
+                <a:schemeClr val="tx1"/>
+              </a:fontRef>
+            </p:style>
+          </p:cxnSp>
+        </p:grpSp>
+        <p:sp>
+          <p:nvSpPr>
+            <p:cNvPr id="26" name="Rounded Rectangle 25"/>
+            <p:cNvSpPr/>
+            <p:nvPr/>
+          </p:nvSpPr>
+          <p:spPr>
+            <a:xfrm>
+              <a:off x="3961765" y="5039360"/>
+              <a:ext cx="1242907" cy="568960"/>
+            </a:xfrm>
+            <a:prstGeom prst="roundRect">
+              <a:avLst/>
+            </a:prstGeom>
+          </p:spPr>
+          <p:style>
+            <a:lnRef idx="2">
+              <a:schemeClr val="accent1">
+                <a:shade val="50000"/>
+              </a:schemeClr>
+            </a:lnRef>
+            <a:fillRef idx="1">
+              <a:schemeClr val="accent1"/>
+            </a:fillRef>
+            <a:effectRef idx="0">
+              <a:schemeClr val="accent1"/>
+            </a:effectRef>
+            <a:fontRef idx="minor">
+              <a:schemeClr val="lt1"/>
+            </a:fontRef>
+          </p:style>
+          <p:txBody>
+            <a:bodyPr lIns="95061" tIns="47531" rIns="95061" bIns="47531" rtlCol="0" anchor="ctr"/>
+            <a:lstStyle/>
+            <a:p>
+              <a:pPr algn="ctr"/>
+              <a:r>
+                <a:rPr lang="en-US" sz="2800" dirty="0" smtClean="0"/>
+                <a:t>planned process</a:t>
+              </a:r>
+              <a:endParaRPr lang="en-US" sz="2800" dirty="0"/>
+            </a:p>
+          </p:txBody>
+        </p:sp>
+        <p:sp>
+          <p:nvSpPr>
+            <p:cNvPr id="27" name="Rounded Rectangle 26"/>
+            <p:cNvSpPr/>
+            <p:nvPr/>
+          </p:nvSpPr>
+          <p:spPr>
+            <a:xfrm>
+              <a:off x="5593080" y="6502400"/>
+              <a:ext cx="1553633" cy="568960"/>
+            </a:xfrm>
+            <a:prstGeom prst="roundRect">
+              <a:avLst/>
+            </a:prstGeom>
+          </p:spPr>
+          <p:style>
+            <a:lnRef idx="2">
+              <a:schemeClr val="accent1">
+                <a:shade val="50000"/>
+              </a:schemeClr>
+            </a:lnRef>
+            <a:fillRef idx="1">
+              <a:schemeClr val="accent1"/>
+            </a:fillRef>
+            <a:effectRef idx="0">
+              <a:schemeClr val="accent1"/>
+            </a:effectRef>
+            <a:fontRef idx="minor">
+              <a:schemeClr val="lt1"/>
+            </a:fontRef>
+          </p:style>
+          <p:txBody>
+            <a:bodyPr lIns="95061" tIns="47531" rIns="95061" bIns="47531" rtlCol="0" anchor="ctr"/>
+            <a:lstStyle/>
+            <a:p>
+              <a:pPr algn="ctr"/>
+              <a:r>
+                <a:rPr lang="en-US" sz="2800" dirty="0" smtClean="0"/>
+                <a:t>processing material</a:t>
+              </a:r>
+              <a:endParaRPr lang="en-US" sz="2800" dirty="0"/>
+            </a:p>
+          </p:txBody>
+        </p:sp>
+        <p:sp>
+          <p:nvSpPr>
+            <p:cNvPr id="28" name="Rounded Rectangle 27"/>
+            <p:cNvSpPr/>
+            <p:nvPr/>
+          </p:nvSpPr>
+          <p:spPr>
+            <a:xfrm>
+              <a:off x="5593080" y="3576320"/>
+              <a:ext cx="1553633" cy="568960"/>
+            </a:xfrm>
+            <a:prstGeom prst="roundRect">
+              <a:avLst/>
+            </a:prstGeom>
+          </p:spPr>
+          <p:style>
+            <a:lnRef idx="2">
+              <a:schemeClr val="accent1">
+                <a:shade val="50000"/>
+              </a:schemeClr>
+            </a:lnRef>
+            <a:fillRef idx="1">
+              <a:schemeClr val="accent1"/>
+            </a:fillRef>
+            <a:effectRef idx="0">
+              <a:schemeClr val="accent1"/>
+            </a:effectRef>
+            <a:fontRef idx="minor">
+              <a:schemeClr val="lt1"/>
+            </a:fontRef>
+          </p:style>
+          <p:txBody>
+            <a:bodyPr lIns="95061" tIns="47531" rIns="95061" bIns="47531" rtlCol="0" anchor="ctr"/>
+            <a:lstStyle/>
+            <a:p>
+              <a:pPr algn="ctr"/>
+              <a:r>
+                <a:rPr lang="en-US" sz="2800" dirty="0" smtClean="0"/>
+                <a:t>planning</a:t>
+              </a:r>
+              <a:endParaRPr lang="en-US" sz="2800" dirty="0"/>
+            </a:p>
+          </p:txBody>
+        </p:sp>
+        <p:sp>
+          <p:nvSpPr>
+            <p:cNvPr id="29" name="Rounded Rectangle 28"/>
+            <p:cNvSpPr/>
+            <p:nvPr/>
+          </p:nvSpPr>
+          <p:spPr>
+            <a:xfrm>
+              <a:off x="5593080" y="4307840"/>
+              <a:ext cx="1553633" cy="568960"/>
+            </a:xfrm>
+            <a:prstGeom prst="roundRect">
+              <a:avLst/>
+            </a:prstGeom>
+          </p:spPr>
+          <p:style>
+            <a:lnRef idx="2">
+              <a:schemeClr val="accent1">
+                <a:shade val="50000"/>
+              </a:schemeClr>
+            </a:lnRef>
+            <a:fillRef idx="1">
+              <a:schemeClr val="accent1"/>
+            </a:fillRef>
+            <a:effectRef idx="0">
+              <a:schemeClr val="accent1"/>
+            </a:effectRef>
+            <a:fontRef idx="minor">
+              <a:schemeClr val="lt1"/>
+            </a:fontRef>
+          </p:style>
+          <p:txBody>
+            <a:bodyPr lIns="95061" tIns="47531" rIns="95061" bIns="47531" rtlCol="0" anchor="ctr"/>
+            <a:lstStyle/>
+            <a:p>
+              <a:pPr algn="ctr"/>
+              <a:r>
+                <a:rPr lang="en-US" sz="2800" dirty="0" smtClean="0"/>
+                <a:t>investigation</a:t>
+              </a:r>
+              <a:endParaRPr lang="en-US" sz="2800" dirty="0"/>
+            </a:p>
+          </p:txBody>
+        </p:sp>
+        <p:sp>
+          <p:nvSpPr>
+            <p:cNvPr id="30" name="Rounded Rectangle 29"/>
+            <p:cNvSpPr/>
+            <p:nvPr/>
+          </p:nvSpPr>
+          <p:spPr>
+            <a:xfrm>
+              <a:off x="5593080" y="5039360"/>
+              <a:ext cx="1553633" cy="568960"/>
+            </a:xfrm>
+            <a:prstGeom prst="roundRect">
+              <a:avLst/>
+            </a:prstGeom>
+          </p:spPr>
+          <p:style>
+            <a:lnRef idx="2">
+              <a:schemeClr val="accent1">
+                <a:shade val="50000"/>
+              </a:schemeClr>
+            </a:lnRef>
+            <a:fillRef idx="1">
+              <a:schemeClr val="accent1"/>
+            </a:fillRef>
+            <a:effectRef idx="0">
+              <a:schemeClr val="accent1"/>
+            </a:effectRef>
+            <a:fontRef idx="minor">
+              <a:schemeClr val="lt1"/>
+            </a:fontRef>
+          </p:style>
+          <p:txBody>
+            <a:bodyPr lIns="95061" tIns="47531" rIns="95061" bIns="47531" rtlCol="0" anchor="ctr"/>
+            <a:lstStyle/>
+            <a:p>
+              <a:pPr algn="ctr"/>
+              <a:r>
+                <a:rPr lang="en-US" sz="2800" dirty="0" smtClean="0"/>
+                <a:t>study design execution</a:t>
+              </a:r>
+              <a:endParaRPr lang="en-US" sz="2800" dirty="0"/>
+            </a:p>
+          </p:txBody>
+        </p:sp>
+        <p:sp>
+          <p:nvSpPr>
+            <p:cNvPr id="31" name="Rounded Rectangle 30"/>
+            <p:cNvSpPr/>
+            <p:nvPr/>
+          </p:nvSpPr>
+          <p:spPr>
+            <a:xfrm>
+              <a:off x="5593080" y="5770880"/>
+              <a:ext cx="1553633" cy="568960"/>
+            </a:xfrm>
+            <a:prstGeom prst="roundRect">
+              <a:avLst/>
+            </a:prstGeom>
+          </p:spPr>
+          <p:style>
+            <a:lnRef idx="2">
+              <a:schemeClr val="accent1">
+                <a:shade val="50000"/>
+              </a:schemeClr>
+            </a:lnRef>
+            <a:fillRef idx="1">
+              <a:schemeClr val="accent1"/>
+            </a:fillRef>
+            <a:effectRef idx="0">
+              <a:schemeClr val="accent1"/>
+            </a:effectRef>
+            <a:fontRef idx="minor">
+              <a:schemeClr val="lt1"/>
+            </a:fontRef>
+          </p:style>
+          <p:txBody>
+            <a:bodyPr lIns="95061" tIns="47531" rIns="95061" bIns="47531" rtlCol="0" anchor="ctr"/>
+            <a:lstStyle/>
+            <a:p>
+              <a:pPr algn="ctr"/>
+              <a:r>
+                <a:rPr lang="en-US" sz="2800" dirty="0" smtClean="0"/>
+                <a:t>assay</a:t>
+              </a:r>
+              <a:endParaRPr lang="en-US" sz="2800" dirty="0"/>
+            </a:p>
+          </p:txBody>
+        </p:sp>
+        <p:cxnSp>
+          <p:nvCxnSpPr>
+            <p:cNvPr id="32" name="Straight Arrow Connector 31"/>
+            <p:cNvCxnSpPr>
+              <a:stCxn id="26" idx="3"/>
+              <a:endCxn id="28" idx="1"/>
+            </p:cNvCxnSpPr>
+            <p:nvPr/>
+          </p:nvCxnSpPr>
+          <p:spPr>
+            <a:xfrm flipV="1">
+              <a:off x="5204672" y="3860800"/>
+              <a:ext cx="388408" cy="1463040"/>
+            </a:xfrm>
+            <a:prstGeom prst="straightConnector1">
+              <a:avLst/>
+            </a:prstGeom>
+            <a:ln w="28575">
+              <a:solidFill>
+                <a:schemeClr val="tx1"/>
+              </a:solidFill>
+              <a:tailEnd type="arrow"/>
+            </a:ln>
+          </p:spPr>
+          <p:style>
+            <a:lnRef idx="1">
+              <a:schemeClr val="accent1"/>
+            </a:lnRef>
+            <a:fillRef idx="0">
+              <a:schemeClr val="accent1"/>
+            </a:fillRef>
+            <a:effectRef idx="0">
+              <a:schemeClr val="accent1"/>
+            </a:effectRef>
+            <a:fontRef idx="minor">
+              <a:schemeClr val="tx1"/>
+            </a:fontRef>
+          </p:style>
+        </p:cxnSp>
+        <p:cxnSp>
+          <p:nvCxnSpPr>
+            <p:cNvPr id="33" name="Straight Arrow Connector 32"/>
+            <p:cNvCxnSpPr>
+              <a:stCxn id="26" idx="3"/>
+              <a:endCxn id="29" idx="1"/>
+            </p:cNvCxnSpPr>
+            <p:nvPr/>
+          </p:nvCxnSpPr>
+          <p:spPr>
+            <a:xfrm flipV="1">
+              <a:off x="5204672" y="4592320"/>
+              <a:ext cx="388408" cy="731520"/>
+            </a:xfrm>
+            <a:prstGeom prst="straightConnector1">
+              <a:avLst/>
+            </a:prstGeom>
+            <a:ln w="28575">
+              <a:solidFill>
+                <a:schemeClr val="tx1"/>
+              </a:solidFill>
+              <a:tailEnd type="arrow"/>
+            </a:ln>
+          </p:spPr>
+          <p:style>
+            <a:lnRef idx="1">
+              <a:schemeClr val="accent1"/>
+            </a:lnRef>
+            <a:fillRef idx="0">
+              <a:schemeClr val="accent1"/>
+            </a:fillRef>
+            <a:effectRef idx="0">
+              <a:schemeClr val="accent1"/>
+            </a:effectRef>
+            <a:fontRef idx="minor">
+              <a:schemeClr val="tx1"/>
+            </a:fontRef>
+          </p:style>
+        </p:cxnSp>
+        <p:cxnSp>
+          <p:nvCxnSpPr>
+            <p:cNvPr id="34" name="Straight Arrow Connector 33"/>
+            <p:cNvCxnSpPr>
+              <a:stCxn id="26" idx="3"/>
+              <a:endCxn id="30" idx="1"/>
+            </p:cNvCxnSpPr>
+            <p:nvPr/>
+          </p:nvCxnSpPr>
+          <p:spPr>
+            <a:xfrm>
+              <a:off x="5204672" y="5323840"/>
+              <a:ext cx="388408" cy="1694"/>
+            </a:xfrm>
+            <a:prstGeom prst="straightConnector1">
+              <a:avLst/>
+            </a:prstGeom>
+            <a:ln w="28575">
+              <a:solidFill>
+                <a:schemeClr val="tx1"/>
+              </a:solidFill>
+              <a:tailEnd type="arrow"/>
+            </a:ln>
+          </p:spPr>
+          <p:style>
+            <a:lnRef idx="1">
+              <a:schemeClr val="accent1"/>
+            </a:lnRef>
+            <a:fillRef idx="0">
+              <a:schemeClr val="accent1"/>
+            </a:fillRef>
+            <a:effectRef idx="0">
+              <a:schemeClr val="accent1"/>
+            </a:effectRef>
+            <a:fontRef idx="minor">
+              <a:schemeClr val="tx1"/>
+            </a:fontRef>
+          </p:style>
+        </p:cxnSp>
+        <p:cxnSp>
+          <p:nvCxnSpPr>
+            <p:cNvPr id="35" name="Straight Arrow Connector 34"/>
+            <p:cNvCxnSpPr>
+              <a:stCxn id="26" idx="3"/>
+              <a:endCxn id="31" idx="1"/>
+            </p:cNvCxnSpPr>
+            <p:nvPr/>
+          </p:nvCxnSpPr>
+          <p:spPr>
+            <a:xfrm>
+              <a:off x="5204672" y="5323840"/>
+              <a:ext cx="388408" cy="731520"/>
+            </a:xfrm>
+            <a:prstGeom prst="straightConnector1">
+              <a:avLst/>
+            </a:prstGeom>
+            <a:ln w="28575">
+              <a:solidFill>
+                <a:schemeClr val="tx1"/>
+              </a:solidFill>
+              <a:tailEnd type="arrow"/>
+            </a:ln>
+          </p:spPr>
+          <p:style>
+            <a:lnRef idx="1">
+              <a:schemeClr val="accent1"/>
+            </a:lnRef>
+            <a:fillRef idx="0">
+              <a:schemeClr val="accent1"/>
+            </a:fillRef>
+            <a:effectRef idx="0">
+              <a:schemeClr val="accent1"/>
+            </a:effectRef>
+            <a:fontRef idx="minor">
+              <a:schemeClr val="tx1"/>
+            </a:fontRef>
+          </p:style>
+        </p:cxnSp>
+        <p:cxnSp>
+          <p:nvCxnSpPr>
+            <p:cNvPr id="36" name="Straight Arrow Connector 35"/>
+            <p:cNvCxnSpPr>
+              <a:stCxn id="26" idx="3"/>
+              <a:endCxn id="27" idx="1"/>
+            </p:cNvCxnSpPr>
+            <p:nvPr/>
+          </p:nvCxnSpPr>
+          <p:spPr>
+            <a:xfrm>
+              <a:off x="5204672" y="5323840"/>
+              <a:ext cx="388408" cy="1463040"/>
+            </a:xfrm>
+            <a:prstGeom prst="straightConnector1">
+              <a:avLst/>
+            </a:prstGeom>
+            <a:ln w="28575">
+              <a:solidFill>
+                <a:schemeClr val="tx1"/>
+              </a:solidFill>
+              <a:tailEnd type="arrow"/>
+            </a:ln>
+          </p:spPr>
+          <p:style>
+            <a:lnRef idx="1">
+              <a:schemeClr val="accent1"/>
+            </a:lnRef>
+            <a:fillRef idx="0">
+              <a:schemeClr val="accent1"/>
+            </a:fillRef>
+            <a:effectRef idx="0">
+              <a:schemeClr val="accent1"/>
+            </a:effectRef>
+            <a:fontRef idx="minor">
+              <a:schemeClr val="tx1"/>
+            </a:fontRef>
+          </p:style>
+        </p:cxnSp>
+        <p:sp>
+          <p:nvSpPr>
+            <p:cNvPr id="37" name="Rounded Rectangle 36"/>
+            <p:cNvSpPr/>
+            <p:nvPr/>
+          </p:nvSpPr>
+          <p:spPr>
+            <a:xfrm>
+              <a:off x="7612803" y="5770880"/>
+              <a:ext cx="1631315" cy="568960"/>
+            </a:xfrm>
+            <a:prstGeom prst="roundRect">
+              <a:avLst/>
+            </a:prstGeom>
+          </p:spPr>
+          <p:style>
+            <a:lnRef idx="2">
+              <a:schemeClr val="accent1">
+                <a:shade val="50000"/>
+              </a:schemeClr>
+            </a:lnRef>
+            <a:fillRef idx="1">
+              <a:schemeClr val="accent1"/>
+            </a:fillRef>
+            <a:effectRef idx="0">
+              <a:schemeClr val="accent1"/>
+            </a:effectRef>
+            <a:fontRef idx="minor">
+              <a:schemeClr val="lt1"/>
+            </a:fontRef>
+          </p:style>
+          <p:txBody>
+            <a:bodyPr lIns="95061" tIns="47531" rIns="95061" bIns="47531" rtlCol="0" anchor="ctr"/>
+            <a:lstStyle/>
+            <a:p>
+              <a:pPr algn="ctr"/>
+              <a:r>
+                <a:rPr lang="en-US" sz="2800" dirty="0" smtClean="0"/>
+                <a:t>material separation</a:t>
+              </a:r>
+              <a:endParaRPr lang="en-US" sz="2800" dirty="0"/>
+            </a:p>
+          </p:txBody>
+        </p:sp>
+        <p:sp>
+          <p:nvSpPr>
+            <p:cNvPr id="38" name="Rounded Rectangle 37"/>
+            <p:cNvSpPr/>
+            <p:nvPr/>
+          </p:nvSpPr>
+          <p:spPr>
+            <a:xfrm>
+              <a:off x="7612803" y="6502400"/>
+              <a:ext cx="1631315" cy="568960"/>
+            </a:xfrm>
+            <a:prstGeom prst="roundRect">
+              <a:avLst/>
+            </a:prstGeom>
+          </p:spPr>
+          <p:style>
+            <a:lnRef idx="2">
+              <a:schemeClr val="accent1">
+                <a:shade val="50000"/>
+              </a:schemeClr>
+            </a:lnRef>
+            <a:fillRef idx="1">
+              <a:schemeClr val="accent1"/>
+            </a:fillRef>
+            <a:effectRef idx="0">
+              <a:schemeClr val="accent1"/>
+            </a:effectRef>
+            <a:fontRef idx="minor">
+              <a:schemeClr val="lt1"/>
+            </a:fontRef>
+          </p:style>
+          <p:txBody>
+            <a:bodyPr lIns="95061" tIns="47531" rIns="95061" bIns="47531" rtlCol="0" anchor="ctr"/>
+            <a:lstStyle/>
+            <a:p>
+              <a:pPr algn="ctr"/>
+              <a:r>
+                <a:rPr lang="en-US" sz="2800" dirty="0" smtClean="0"/>
+                <a:t>material combination</a:t>
+              </a:r>
+              <a:endParaRPr lang="en-US" sz="2800" dirty="0"/>
+            </a:p>
+          </p:txBody>
+        </p:sp>
+        <p:sp>
+          <p:nvSpPr>
+            <p:cNvPr id="39" name="Rounded Rectangle 38"/>
+            <p:cNvSpPr/>
+            <p:nvPr/>
+          </p:nvSpPr>
+          <p:spPr>
+            <a:xfrm>
+              <a:off x="7612803" y="5039360"/>
+              <a:ext cx="1631315" cy="568960"/>
+            </a:xfrm>
+            <a:prstGeom prst="roundRect">
+              <a:avLst/>
+            </a:prstGeom>
+          </p:spPr>
+          <p:style>
+            <a:lnRef idx="2">
+              <a:schemeClr val="accent1">
+                <a:shade val="50000"/>
+              </a:schemeClr>
+            </a:lnRef>
+            <a:fillRef idx="1">
+              <a:schemeClr val="accent1"/>
+            </a:fillRef>
+            <a:effectRef idx="0">
+              <a:schemeClr val="accent1"/>
+            </a:effectRef>
+            <a:fontRef idx="minor">
+              <a:schemeClr val="lt1"/>
+            </a:fontRef>
+          </p:style>
+          <p:txBody>
+            <a:bodyPr lIns="95061" tIns="47531" rIns="95061" bIns="47531" rtlCol="0" anchor="ctr"/>
+            <a:lstStyle/>
+            <a:p>
+              <a:pPr algn="ctr"/>
+              <a:r>
+                <a:rPr lang="en-US" sz="2800" dirty="0" smtClean="0"/>
+                <a:t>manufacturing</a:t>
+              </a:r>
+              <a:endParaRPr lang="en-US" sz="2800" dirty="0"/>
+            </a:p>
+          </p:txBody>
+        </p:sp>
+        <p:cxnSp>
+          <p:nvCxnSpPr>
+            <p:cNvPr id="40" name="Straight Arrow Connector 39"/>
+            <p:cNvCxnSpPr>
+              <a:stCxn id="27" idx="3"/>
+              <a:endCxn id="38" idx="1"/>
+            </p:cNvCxnSpPr>
+            <p:nvPr/>
+          </p:nvCxnSpPr>
+          <p:spPr>
+            <a:xfrm>
+              <a:off x="7146713" y="6786880"/>
+              <a:ext cx="466090" cy="1694"/>
+            </a:xfrm>
+            <a:prstGeom prst="straightConnector1">
+              <a:avLst/>
+            </a:prstGeom>
+            <a:ln w="28575">
+              <a:solidFill>
+                <a:schemeClr val="tx1"/>
+              </a:solidFill>
+              <a:tailEnd type="arrow"/>
+            </a:ln>
+          </p:spPr>
+          <p:style>
+            <a:lnRef idx="1">
+              <a:schemeClr val="accent1"/>
+            </a:lnRef>
+            <a:fillRef idx="0">
+              <a:schemeClr val="accent1"/>
+            </a:fillRef>
+            <a:effectRef idx="0">
+              <a:schemeClr val="accent1"/>
+            </a:effectRef>
+            <a:fontRef idx="minor">
+              <a:schemeClr val="tx1"/>
+            </a:fontRef>
+          </p:style>
+        </p:cxnSp>
+        <p:cxnSp>
+          <p:nvCxnSpPr>
+            <p:cNvPr id="41" name="Straight Arrow Connector 40"/>
+            <p:cNvCxnSpPr>
+              <a:stCxn id="27" idx="3"/>
+              <a:endCxn id="37" idx="1"/>
+            </p:cNvCxnSpPr>
+            <p:nvPr/>
+          </p:nvCxnSpPr>
+          <p:spPr>
+            <a:xfrm flipV="1">
+              <a:off x="7146713" y="6055360"/>
+              <a:ext cx="466090" cy="731520"/>
+            </a:xfrm>
+            <a:prstGeom prst="straightConnector1">
+              <a:avLst/>
+            </a:prstGeom>
+            <a:ln w="28575">
+              <a:solidFill>
+                <a:schemeClr val="tx1"/>
+              </a:solidFill>
+              <a:tailEnd type="arrow"/>
+            </a:ln>
+          </p:spPr>
+          <p:style>
+            <a:lnRef idx="1">
+              <a:schemeClr val="accent1"/>
+            </a:lnRef>
+            <a:fillRef idx="0">
+              <a:schemeClr val="accent1"/>
+            </a:fillRef>
+            <a:effectRef idx="0">
+              <a:schemeClr val="accent1"/>
+            </a:effectRef>
+            <a:fontRef idx="minor">
+              <a:schemeClr val="tx1"/>
+            </a:fontRef>
+          </p:style>
+        </p:cxnSp>
+        <p:cxnSp>
+          <p:nvCxnSpPr>
+            <p:cNvPr id="42" name="Straight Arrow Connector 41"/>
+            <p:cNvCxnSpPr>
+              <a:stCxn id="27" idx="3"/>
+              <a:endCxn id="39" idx="1"/>
+            </p:cNvCxnSpPr>
+            <p:nvPr/>
+          </p:nvCxnSpPr>
+          <p:spPr>
+            <a:xfrm flipV="1">
+              <a:off x="7146713" y="5323840"/>
+              <a:ext cx="466090" cy="1463040"/>
+            </a:xfrm>
+            <a:prstGeom prst="straightConnector1">
+              <a:avLst/>
+            </a:prstGeom>
+            <a:ln w="28575">
+              <a:solidFill>
+                <a:schemeClr val="tx1"/>
+              </a:solidFill>
+              <a:tailEnd type="arrow"/>
+            </a:ln>
+          </p:spPr>
+          <p:style>
+            <a:lnRef idx="1">
+              <a:schemeClr val="accent1"/>
+            </a:lnRef>
+            <a:fillRef idx="0">
+              <a:schemeClr val="accent1"/>
+            </a:fillRef>
+            <a:effectRef idx="0">
+              <a:schemeClr val="accent1"/>
+            </a:effectRef>
+            <a:fontRef idx="minor">
+              <a:schemeClr val="tx1"/>
+            </a:fontRef>
+          </p:style>
+        </p:cxnSp>
+        <p:sp>
+          <p:nvSpPr>
+            <p:cNvPr id="43" name="Rounded Rectangle 42"/>
+            <p:cNvSpPr/>
+            <p:nvPr/>
+          </p:nvSpPr>
+          <p:spPr>
+            <a:xfrm>
+              <a:off x="5670762" y="1544320"/>
+              <a:ext cx="1398270" cy="894080"/>
+            </a:xfrm>
+            <a:prstGeom prst="roundRect">
+              <a:avLst/>
+            </a:prstGeom>
+          </p:spPr>
+          <p:style>
+            <a:lnRef idx="2">
+              <a:schemeClr val="accent1">
+                <a:shade val="50000"/>
+              </a:schemeClr>
+            </a:lnRef>
+            <a:fillRef idx="1">
+              <a:schemeClr val="accent1"/>
+            </a:fillRef>
+            <a:effectRef idx="0">
+              <a:schemeClr val="accent1"/>
+            </a:effectRef>
+            <a:fontRef idx="minor">
+              <a:schemeClr val="lt1"/>
+            </a:fontRef>
+          </p:style>
+          <p:txBody>
+            <a:bodyPr lIns="95061" tIns="47531" rIns="95061" bIns="47531" rtlCol="0" anchor="ctr"/>
+            <a:lstStyle/>
+            <a:p>
+              <a:pPr algn="ctr"/>
+              <a:r>
+                <a:rPr lang="en-US" sz="2800" dirty="0" smtClean="0"/>
+                <a:t>Information content entity</a:t>
+              </a:r>
+              <a:endParaRPr lang="en-US" sz="2800" dirty="0"/>
+            </a:p>
+          </p:txBody>
+        </p:sp>
+        <p:sp>
+          <p:nvSpPr>
+            <p:cNvPr id="44" name="Rounded Rectangle 43"/>
+            <p:cNvSpPr/>
+            <p:nvPr/>
+          </p:nvSpPr>
+          <p:spPr>
+            <a:xfrm>
+              <a:off x="7457440" y="487680"/>
+              <a:ext cx="1553633" cy="568960"/>
+            </a:xfrm>
+            <a:prstGeom prst="roundRect">
+              <a:avLst/>
+            </a:prstGeom>
+          </p:spPr>
+          <p:style>
+            <a:lnRef idx="2">
+              <a:schemeClr val="accent1">
+                <a:shade val="50000"/>
+              </a:schemeClr>
+            </a:lnRef>
+            <a:fillRef idx="1">
+              <a:schemeClr val="accent1"/>
+            </a:fillRef>
+            <a:effectRef idx="0">
+              <a:schemeClr val="accent1"/>
+            </a:effectRef>
+            <a:fontRef idx="minor">
+              <a:schemeClr val="lt1"/>
+            </a:fontRef>
+          </p:style>
+          <p:txBody>
+            <a:bodyPr lIns="95061" tIns="47531" rIns="95061" bIns="47531" rtlCol="0" anchor="ctr"/>
+            <a:lstStyle/>
+            <a:p>
+              <a:pPr algn="ctr"/>
+              <a:r>
+                <a:rPr lang="en-US" sz="2800" dirty="0" smtClean="0"/>
+                <a:t>data item</a:t>
+              </a:r>
+              <a:endParaRPr lang="en-US" sz="2800" dirty="0"/>
+            </a:p>
+          </p:txBody>
+        </p:sp>
+        <p:sp>
+          <p:nvSpPr>
+            <p:cNvPr id="45" name="Rounded Rectangle 44"/>
+            <p:cNvSpPr/>
+            <p:nvPr/>
+          </p:nvSpPr>
+          <p:spPr>
+            <a:xfrm>
+              <a:off x="7457440" y="1219200"/>
+              <a:ext cx="1553633" cy="568960"/>
+            </a:xfrm>
+            <a:prstGeom prst="roundRect">
+              <a:avLst/>
+            </a:prstGeom>
+          </p:spPr>
+          <p:style>
+            <a:lnRef idx="2">
+              <a:schemeClr val="accent1">
+                <a:shade val="50000"/>
+              </a:schemeClr>
+            </a:lnRef>
+            <a:fillRef idx="1">
+              <a:schemeClr val="accent1"/>
+            </a:fillRef>
+            <a:effectRef idx="0">
+              <a:schemeClr val="accent1"/>
+            </a:effectRef>
+            <a:fontRef idx="minor">
+              <a:schemeClr val="lt1"/>
+            </a:fontRef>
+          </p:style>
+          <p:txBody>
+            <a:bodyPr lIns="95061" tIns="47531" rIns="95061" bIns="47531" rtlCol="0" anchor="ctr"/>
+            <a:lstStyle/>
+            <a:p>
+              <a:pPr algn="ctr"/>
+              <a:r>
+                <a:rPr lang="en-US" sz="2800" dirty="0" smtClean="0"/>
+                <a:t>report</a:t>
+              </a:r>
+              <a:endParaRPr lang="en-US" sz="2800" dirty="0"/>
+            </a:p>
+          </p:txBody>
+        </p:sp>
+        <p:sp>
+          <p:nvSpPr>
+            <p:cNvPr id="46" name="Rounded Rectangle 45"/>
+            <p:cNvSpPr/>
+            <p:nvPr/>
+          </p:nvSpPr>
+          <p:spPr>
+            <a:xfrm>
+              <a:off x="7457440" y="1950720"/>
+              <a:ext cx="1553633" cy="568960"/>
+            </a:xfrm>
+            <a:prstGeom prst="roundRect">
+              <a:avLst/>
+            </a:prstGeom>
+          </p:spPr>
+          <p:style>
+            <a:lnRef idx="2">
+              <a:schemeClr val="accent1">
+                <a:shade val="50000"/>
+              </a:schemeClr>
+            </a:lnRef>
+            <a:fillRef idx="1">
+              <a:schemeClr val="accent1"/>
+            </a:fillRef>
+            <a:effectRef idx="0">
+              <a:schemeClr val="accent1"/>
+            </a:effectRef>
+            <a:fontRef idx="minor">
+              <a:schemeClr val="lt1"/>
+            </a:fontRef>
+          </p:style>
+          <p:txBody>
+            <a:bodyPr lIns="95061" tIns="47531" rIns="95061" bIns="47531" rtlCol="0" anchor="ctr"/>
+            <a:lstStyle/>
+            <a:p>
+              <a:pPr algn="ctr"/>
+              <a:r>
+                <a:rPr lang="en-US" sz="2800" dirty="0" smtClean="0"/>
+                <a:t>objective specification</a:t>
+              </a:r>
+              <a:endParaRPr lang="en-US" sz="2800" dirty="0"/>
+            </a:p>
+          </p:txBody>
+        </p:sp>
+        <p:sp>
+          <p:nvSpPr>
+            <p:cNvPr id="47" name="Rounded Rectangle 46"/>
+            <p:cNvSpPr/>
+            <p:nvPr/>
+          </p:nvSpPr>
+          <p:spPr>
+            <a:xfrm>
+              <a:off x="7457440" y="2682240"/>
+              <a:ext cx="1553633" cy="894080"/>
+            </a:xfrm>
+            <a:prstGeom prst="roundRect">
+              <a:avLst/>
+            </a:prstGeom>
+          </p:spPr>
+          <p:style>
+            <a:lnRef idx="2">
+              <a:schemeClr val="accent1">
+                <a:shade val="50000"/>
+              </a:schemeClr>
+            </a:lnRef>
+            <a:fillRef idx="1">
+              <a:schemeClr val="accent1"/>
+            </a:fillRef>
+            <a:effectRef idx="0">
+              <a:schemeClr val="accent1"/>
+            </a:effectRef>
+            <a:fontRef idx="minor">
+              <a:schemeClr val="lt1"/>
+            </a:fontRef>
+          </p:style>
+          <p:txBody>
+            <a:bodyPr lIns="95061" tIns="47531" rIns="95061" bIns="47531" rtlCol="0" anchor="ctr"/>
+            <a:lstStyle/>
+            <a:p>
+              <a:pPr algn="ctr"/>
+              <a:r>
+                <a:rPr lang="en-US" sz="2800" dirty="0" smtClean="0"/>
+                <a:t>Independent variable specification</a:t>
+              </a:r>
+              <a:endParaRPr lang="en-US" sz="2800" dirty="0"/>
+            </a:p>
+          </p:txBody>
+        </p:sp>
+        <p:cxnSp>
+          <p:nvCxnSpPr>
+            <p:cNvPr id="48" name="Straight Arrow Connector 47"/>
+            <p:cNvCxnSpPr>
+              <a:stCxn id="43" idx="3"/>
+              <a:endCxn id="44" idx="1"/>
+            </p:cNvCxnSpPr>
+            <p:nvPr/>
+          </p:nvCxnSpPr>
+          <p:spPr>
+            <a:xfrm flipV="1">
+              <a:off x="7069032" y="772160"/>
+              <a:ext cx="388408" cy="1219200"/>
+            </a:xfrm>
+            <a:prstGeom prst="straightConnector1">
+              <a:avLst/>
+            </a:prstGeom>
+            <a:ln w="28575">
+              <a:solidFill>
+                <a:schemeClr val="tx1"/>
+              </a:solidFill>
+              <a:tailEnd type="arrow"/>
+            </a:ln>
+          </p:spPr>
+          <p:style>
+            <a:lnRef idx="1">
+              <a:schemeClr val="accent1"/>
+            </a:lnRef>
+            <a:fillRef idx="0">
+              <a:schemeClr val="accent1"/>
+            </a:fillRef>
+            <a:effectRef idx="0">
+              <a:schemeClr val="accent1"/>
+            </a:effectRef>
+            <a:fontRef idx="minor">
+              <a:schemeClr val="tx1"/>
+            </a:fontRef>
+          </p:style>
+        </p:cxnSp>
+        <p:cxnSp>
+          <p:nvCxnSpPr>
+            <p:cNvPr id="49" name="Straight Arrow Connector 48"/>
+            <p:cNvCxnSpPr>
+              <a:stCxn id="43" idx="3"/>
+              <a:endCxn id="45" idx="1"/>
+            </p:cNvCxnSpPr>
+            <p:nvPr/>
+          </p:nvCxnSpPr>
+          <p:spPr>
+            <a:xfrm flipV="1">
+              <a:off x="7069032" y="1503680"/>
+              <a:ext cx="388408" cy="487680"/>
+            </a:xfrm>
+            <a:prstGeom prst="straightConnector1">
+              <a:avLst/>
+            </a:prstGeom>
+            <a:ln w="28575">
+              <a:solidFill>
+                <a:schemeClr val="tx1"/>
+              </a:solidFill>
+              <a:tailEnd type="arrow"/>
+            </a:ln>
+          </p:spPr>
+          <p:style>
+            <a:lnRef idx="1">
+              <a:schemeClr val="accent1"/>
+            </a:lnRef>
+            <a:fillRef idx="0">
+              <a:schemeClr val="accent1"/>
+            </a:fillRef>
+            <a:effectRef idx="0">
+              <a:schemeClr val="accent1"/>
+            </a:effectRef>
+            <a:fontRef idx="minor">
+              <a:schemeClr val="tx1"/>
+            </a:fontRef>
+          </p:style>
+        </p:cxnSp>
+        <p:cxnSp>
+          <p:nvCxnSpPr>
+            <p:cNvPr id="50" name="Straight Arrow Connector 49"/>
+            <p:cNvCxnSpPr>
+              <a:stCxn id="43" idx="3"/>
+              <a:endCxn id="46" idx="1"/>
+            </p:cNvCxnSpPr>
+            <p:nvPr/>
+          </p:nvCxnSpPr>
+          <p:spPr>
+            <a:xfrm>
+              <a:off x="7069032" y="1991360"/>
+              <a:ext cx="388408" cy="243840"/>
+            </a:xfrm>
+            <a:prstGeom prst="straightConnector1">
+              <a:avLst/>
+            </a:prstGeom>
+            <a:ln w="28575">
+              <a:solidFill>
+                <a:schemeClr val="tx1"/>
+              </a:solidFill>
+              <a:tailEnd type="arrow"/>
+            </a:ln>
+          </p:spPr>
+          <p:style>
+            <a:lnRef idx="1">
+              <a:schemeClr val="accent1"/>
+            </a:lnRef>
+            <a:fillRef idx="0">
+              <a:schemeClr val="accent1"/>
+            </a:fillRef>
+            <a:effectRef idx="0">
+              <a:schemeClr val="accent1"/>
+            </a:effectRef>
+            <a:fontRef idx="minor">
+              <a:schemeClr val="tx1"/>
+            </a:fontRef>
+          </p:style>
+        </p:cxnSp>
+        <p:cxnSp>
+          <p:nvCxnSpPr>
+            <p:cNvPr id="51" name="Straight Arrow Connector 50"/>
+            <p:cNvCxnSpPr>
+              <a:stCxn id="43" idx="3"/>
+              <a:endCxn id="47" idx="1"/>
+            </p:cNvCxnSpPr>
+            <p:nvPr/>
+          </p:nvCxnSpPr>
+          <p:spPr>
+            <a:xfrm>
+              <a:off x="7069032" y="1991360"/>
+              <a:ext cx="388408" cy="1137920"/>
+            </a:xfrm>
+            <a:prstGeom prst="straightConnector1">
+              <a:avLst/>
+            </a:prstGeom>
+            <a:ln w="28575">
+              <a:solidFill>
+                <a:schemeClr val="tx1"/>
+              </a:solidFill>
+              <a:tailEnd type="arrow"/>
+            </a:ln>
+          </p:spPr>
+          <p:style>
+            <a:lnRef idx="1">
+              <a:schemeClr val="accent1"/>
+            </a:lnRef>
+            <a:fillRef idx="0">
+              <a:schemeClr val="accent1"/>
+            </a:fillRef>
+            <a:effectRef idx="0">
+              <a:schemeClr val="accent1"/>
+            </a:effectRef>
+            <a:fontRef idx="minor">
+              <a:schemeClr val="tx1"/>
+            </a:fontRef>
+          </p:style>
+        </p:cxnSp>
+      </p:grpSp>
     </p:spTree>
   </p:cSld>
   <p:clrMapOvr>

--- a/docs/posters/general_ICBO 2009/Poster.pptx
+++ b/docs/posters/general_ICBO 2009/Poster.pptx
@@ -4227,7 +4227,7 @@
         </p:nvSpPr>
         <p:spPr>
           <a:xfrm>
-            <a:off x="5120640" y="506437"/>
+            <a:off x="5120640" y="381000"/>
             <a:ext cx="27066240" cy="4085593"/>
           </a:xfrm>
           <a:prstGeom prst="rect">
@@ -4261,13 +4261,18 @@
             <a:pPr algn="ctr"/>
             <a:r>
               <a:rPr lang="en-US" sz="6400" b="1" dirty="0" smtClean="0"/>
-              <a:t>The OBI Consortium*, </a:t>
-            </a:r>
-            <a:r>
-              <a:rPr lang="en-US" sz="6400" b="1" u="sng" dirty="0" smtClean="0">
+              <a:t>The OBI Consortium*,</a:t>
+            </a:r>
+            <a:r>
+              <a:rPr lang="en-US" sz="6400" b="1" dirty="0" smtClean="0"/>
+              <a:t> </a:t>
+            </a:r>
+            <a:r>
+              <a:rPr lang="en-US" sz="6600" b="1" u="sng" dirty="0" smtClean="0">
+                <a:latin typeface="Calibri" pitchFamily="-65" charset="0"/>
                 <a:hlinkClick r:id="rId3"/>
               </a:rPr>
-              <a:t>http://obi-ontology.org</a:t>
+              <a:t>http://purl.obolibrary.org/obo/obi</a:t>
             </a:r>
             <a:r>
               <a:rPr lang="en-US" sz="6400" b="1" u="sng" dirty="0" smtClean="0"/>
@@ -4331,8 +4336,8 @@
         </p:nvSpPr>
         <p:spPr>
           <a:xfrm>
-            <a:off x="731520" y="4057034"/>
-            <a:ext cx="31455360" cy="6578583"/>
+            <a:off x="731520" y="3886200"/>
+            <a:ext cx="31455360" cy="6932525"/>
           </a:xfrm>
           <a:prstGeom prst="rect">
             <a:avLst/>
@@ -4347,38 +4352,56 @@
           <a:p>
             <a:pPr algn="just"/>
             <a:r>
-              <a:rPr lang="en-US" sz="5000" i="1" dirty="0" smtClean="0"/>
-              <a:t>The goal of OBI is to enable a formal representation of biomedical investigations that captures the experimental evidence on which their findings are based. OBI allows for the comparison of experimental data from the wide array of scientific disciplines represented by domain experts in the OBI consortium. OBI follows the principles laid out by the OBO foundry, and integrates tightly with other foundry candidate ontologies, such as GO (</a:t>
-            </a:r>
-            <a:r>
-              <a:rPr lang="en-GB" sz="5000" i="1" dirty="0" smtClean="0"/>
+              <a:rPr lang="en-US" sz="4600" i="1" dirty="0" smtClean="0">
+                <a:latin typeface="Calibri" pitchFamily="-65" charset="0"/>
+              </a:rPr>
+              <a:t>The goal of OBI is to enable a formal representation of biomedical investigations that captures the experimental evidence on which their findings are based. The scope of OBI includes: materials made in and produced for investigations, research objectives, experimental protocols, roles of people in investigations and processing and publication of data gathered in investigations. Use of OBI will allow comparison of experimental data from the wide array of scientific disciplines represented by domain experts in the OBI consortium. OBI follows the principles laid out by the OBO foundry, and integrates tightly with other foundry candidate ontologies, such as GO (</a:t>
+            </a:r>
+            <a:r>
+              <a:rPr lang="en-GB" sz="4600" i="1" dirty="0" err="1" smtClean="0">
+                <a:latin typeface="Calibri" pitchFamily="-65" charset="0"/>
+              </a:rPr>
               <a:t>www.geneontology.org</a:t>
             </a:r>
             <a:r>
-              <a:rPr lang="en-US" sz="5000" i="1" dirty="0" smtClean="0"/>
+              <a:rPr lang="en-US" sz="4600" i="1" dirty="0" smtClean="0">
+                <a:latin typeface="Calibri" pitchFamily="-65" charset="0"/>
+              </a:rPr>
               <a:t>) and </a:t>
             </a:r>
             <a:r>
-              <a:rPr lang="en-US" sz="5000" i="1" dirty="0" err="1" smtClean="0"/>
+              <a:rPr lang="en-US" sz="4600" i="1" dirty="0" err="1" smtClean="0">
+                <a:latin typeface="Calibri" pitchFamily="-65" charset="0"/>
+              </a:rPr>
               <a:t>ChEBI</a:t>
             </a:r>
             <a:r>
-              <a:rPr lang="en-US" sz="5000" i="1" dirty="0"/>
-              <a:t> </a:t>
-            </a:r>
-            <a:r>
-              <a:rPr lang="en-US" sz="5000" i="1" dirty="0" smtClean="0"/>
-              <a:t>(</a:t>
-            </a:r>
-            <a:r>
-              <a:rPr lang="en-GB" sz="5000" i="1" dirty="0" smtClean="0"/>
-              <a:t>www.ebi.ac.uk/chebi/</a:t>
-            </a:r>
-            <a:r>
-              <a:rPr lang="en-US" sz="5000" i="1" dirty="0" smtClean="0"/>
-              <a:t>) whose terms are used to describe biological reality. The use of OBI by the scientific community to represent or annotate their investigations within electronic data resources will alleviate the need for lower accuracy text mining and enable semantic web searches and third-party understanding of information related to life-science and clinical investigations.</a:t>
-            </a:r>
-            <a:endParaRPr lang="en-US" sz="5000" dirty="0"/>
+              <a:rPr lang="en-US" sz="4600" i="1" dirty="0" smtClean="0">
+                <a:latin typeface="Calibri" pitchFamily="-65" charset="0"/>
+              </a:rPr>
+              <a:t> (</a:t>
+            </a:r>
+            <a:r>
+              <a:rPr lang="en-GB" sz="4600" i="1" dirty="0" err="1" smtClean="0">
+                <a:latin typeface="Calibri" pitchFamily="-65" charset="0"/>
+              </a:rPr>
+              <a:t>www.ebi.ac.uk/chebi</a:t>
+            </a:r>
+            <a:r>
+              <a:rPr lang="en-GB" sz="4600" i="1" dirty="0" smtClean="0">
+                <a:latin typeface="Calibri" pitchFamily="-65" charset="0"/>
+              </a:rPr>
+              <a:t>/</a:t>
+            </a:r>
+            <a:r>
+              <a:rPr lang="en-US" sz="4600" i="1" dirty="0" smtClean="0">
+                <a:latin typeface="Calibri" pitchFamily="-65" charset="0"/>
+              </a:rPr>
+              <a:t>) whose terms are used to describe biological reality. The use of OBI by the scientific community to represent or annotate their investigations within electronic data resources will facilitate interdisciplinary data synthesis, enable access to their data on the semantic web and improve third-party understanding of information related to life-science and clinical investigations.</a:t>
+            </a:r>
+            <a:endParaRPr lang="en-US" sz="4600" dirty="0">
+              <a:latin typeface="Calibri" pitchFamily="-65" charset="0"/>
+            </a:endParaRPr>
           </a:p>
         </p:txBody>
       </p:sp>
@@ -4391,9 +4414,9 @@
         <p:grpSpPr>
           <a:xfrm>
             <a:off x="731520" y="21607975"/>
-            <a:ext cx="31455360" cy="18231729"/>
+            <a:ext cx="31455360" cy="18583266"/>
             <a:chOff x="152400" y="4800600"/>
-            <a:chExt cx="6553200" cy="4114800"/>
+            <a:chExt cx="6553200" cy="4194140"/>
           </a:xfrm>
         </p:grpSpPr>
         <p:sp>
@@ -4479,8 +4502,8 @@
           </p:nvSpPr>
           <p:spPr>
             <a:xfrm>
-              <a:off x="4540250" y="5105400"/>
-              <a:ext cx="2155825" cy="3695456"/>
+              <a:off x="4540250" y="5083175"/>
+              <a:ext cx="2155825" cy="3911565"/>
             </a:xfrm>
             <a:prstGeom prst="rect">
               <a:avLst/>
@@ -4493,71 +4516,110 @@
             </a:bodyPr>
             <a:lstStyle/>
             <a:p>
+              <a:pPr>
+                <a:lnSpc>
+                  <a:spcPts val="5500"/>
+                </a:lnSpc>
+              </a:pPr>
               <a:r>
-                <a:rPr lang="en-US" sz="4600" b="1" dirty="0" smtClean="0"/>
+                <a:rPr lang="en-US" sz="4800" b="1" dirty="0" smtClean="0">
+                  <a:latin typeface="Calibri" pitchFamily="-65" charset="0"/>
+                </a:rPr>
                 <a:t>Measuring the glucose concentration in blood. </a:t>
               </a:r>
               <a:r>
-                <a:rPr lang="en-US" sz="4600" dirty="0" smtClean="0"/>
+                <a:rPr lang="en-US" sz="4800" dirty="0" smtClean="0">
+                  <a:latin typeface="Calibri" pitchFamily="-65" charset="0"/>
+                </a:rPr>
                 <a:t>The large</a:t>
               </a:r>
               <a:r>
-                <a:rPr lang="en-US" sz="4600" b="1" dirty="0" smtClean="0"/>
+                <a:rPr lang="en-US" sz="4800" b="1" dirty="0" smtClean="0">
+                  <a:latin typeface="Calibri" pitchFamily="-65" charset="0"/>
+                </a:rPr>
                 <a:t> </a:t>
               </a:r>
               <a:r>
-                <a:rPr lang="en-US" sz="4600" dirty="0" smtClean="0"/>
+                <a:rPr lang="en-US" sz="4800" dirty="0" smtClean="0">
+                  <a:latin typeface="Calibri" pitchFamily="-65" charset="0"/>
+                </a:rPr>
                 <a:t>boxes represent processes and contain their participants. The </a:t>
               </a:r>
               <a:r>
-                <a:rPr lang="en-US" sz="4600" i="1" dirty="0" smtClean="0"/>
+                <a:rPr lang="en-US" sz="4800" i="1" dirty="0" smtClean="0">
+                  <a:latin typeface="Calibri" pitchFamily="-65" charset="0"/>
+                </a:rPr>
                 <a:t>taking sample from organism</a:t>
               </a:r>
               <a:r>
-                <a:rPr lang="en-US" sz="4600" dirty="0" smtClean="0"/>
+                <a:rPr lang="en-US" sz="4800" dirty="0" smtClean="0">
+                  <a:latin typeface="Calibri" pitchFamily="-65" charset="0"/>
+                </a:rPr>
                 <a:t> process takes place first. In this process, a syringe is used as a device to draw blood from the mouse which bears the specimen role. At the end of this process, a tube contains the blood specimen. In a second step, that blood will be used as the </a:t>
               </a:r>
               <a:r>
-                <a:rPr lang="en-US" sz="4600" dirty="0" err="1" smtClean="0"/>
+                <a:rPr lang="en-US" sz="4800" dirty="0" err="1" smtClean="0">
+                  <a:latin typeface="Calibri" pitchFamily="-65" charset="0"/>
+                </a:rPr>
                 <a:t>evaluant</a:t>
               </a:r>
               <a:r>
-                <a:rPr lang="en-US" sz="4600" dirty="0" smtClean="0"/>
+                <a:rPr lang="en-US" sz="4800" dirty="0" smtClean="0">
+                  <a:latin typeface="Calibri" pitchFamily="-65" charset="0"/>
+                </a:rPr>
                 <a:t> in an </a:t>
               </a:r>
               <a:r>
-                <a:rPr lang="en-US" sz="4600" dirty="0" err="1" smtClean="0"/>
+                <a:rPr lang="en-US" sz="4800" dirty="0" err="1" smtClean="0">
+                  <a:latin typeface="Calibri" pitchFamily="-65" charset="0"/>
+                </a:rPr>
                 <a:t>analyte</a:t>
               </a:r>
               <a:r>
-                <a:rPr lang="en-US" sz="4600" dirty="0" smtClean="0"/>
+                <a:rPr lang="en-US" sz="4800" dirty="0" smtClean="0">
+                  <a:latin typeface="Calibri" pitchFamily="-65" charset="0"/>
+                </a:rPr>
                 <a:t> assay in which the concentration of glucose in the blood is measured. A </a:t>
               </a:r>
               <a:r>
-                <a:rPr lang="en-US" sz="4600" dirty="0" err="1" smtClean="0"/>
+                <a:rPr lang="en-US" sz="4800" dirty="0" err="1" smtClean="0">
+                  <a:latin typeface="Calibri" pitchFamily="-65" charset="0"/>
+                </a:rPr>
                 <a:t>glucometer</a:t>
               </a:r>
               <a:r>
-                <a:rPr lang="en-US" sz="4600" dirty="0" smtClean="0"/>
+                <a:rPr lang="en-US" sz="4800" dirty="0" smtClean="0">
+                  <a:latin typeface="Calibri" pitchFamily="-65" charset="0"/>
+                </a:rPr>
                 <a:t> device is used to make this measurement. The </a:t>
               </a:r>
               <a:r>
-                <a:rPr lang="en-US" sz="4600" dirty="0" err="1" smtClean="0"/>
+                <a:rPr lang="en-US" sz="4800" dirty="0" err="1" smtClean="0">
+                  <a:latin typeface="Calibri" pitchFamily="-65" charset="0"/>
+                </a:rPr>
                 <a:t>analyte</a:t>
               </a:r>
               <a:r>
-                <a:rPr lang="en-US" sz="4600" dirty="0" smtClean="0"/>
+                <a:rPr lang="en-US" sz="4800" dirty="0" smtClean="0">
+                  <a:latin typeface="Calibri" pitchFamily="-65" charset="0"/>
+                </a:rPr>
                 <a:t> role inheres in the glucose molecules scattered throughout the blood specimen. The objective of this planned process is to analyze the </a:t>
               </a:r>
               <a:r>
-                <a:rPr lang="en-US" sz="4600" dirty="0" err="1" smtClean="0"/>
+                <a:rPr lang="en-US" sz="4800" dirty="0" err="1" smtClean="0">
+                  <a:latin typeface="Calibri" pitchFamily="-65" charset="0"/>
+                </a:rPr>
                 <a:t>analyte</a:t>
               </a:r>
               <a:r>
-                <a:rPr lang="en-US" sz="4600" dirty="0" smtClean="0"/>
-                <a:t> (glucose) concentration. This modeling of a specific use case is used as the basis for generation of pattern templates allowing us to automate following additions of similar processes</a:t>
+                <a:rPr lang="en-US" sz="4800" dirty="0" smtClean="0">
+                  <a:latin typeface="Calibri" pitchFamily="-65" charset="0"/>
+                </a:rPr>
+                <a:t> (glucose) concentration. This model of a specific use case is being used as the basis for generation of templates allowing us to automate subsequent additions of similar processes</a:t>
               </a:r>
-              <a:endParaRPr lang="en-US" sz="4600" dirty="0"/>
+              <a:endParaRPr lang="en-US" sz="4800" dirty="0">
+                <a:latin typeface="Calibri" pitchFamily="-65" charset="0"/>
+              </a:endParaRPr>
             </a:p>
           </p:txBody>
         </p:sp>
@@ -4660,11 +4722,7 @@
             </a:r>
             <a:r>
               <a:rPr lang="en-US" sz="4400" dirty="0" smtClean="0"/>
-              <a:t>are initiated by an agent in order to achieve a specific objective. </a:t>
-            </a:r>
-            <a:r>
-              <a:rPr lang="en-US" sz="4400" dirty="0" smtClean="0"/>
-              <a:t>This includes all research activities, such as an </a:t>
+              <a:t>are initiated by an agent in order to achieve a specific objective. This includes all research activities, such as an </a:t>
             </a:r>
             <a:r>
               <a:rPr lang="en-US" sz="4400" i="1" dirty="0" smtClean="0"/>
@@ -4680,11 +4738,7 @@
             </a:r>
             <a:r>
               <a:rPr lang="en-US" sz="4400" dirty="0" smtClean="0"/>
-              <a:t>.</a:t>
-            </a:r>
-            <a:r>
-              <a:rPr lang="en-US" sz="4400" dirty="0" smtClean="0"/>
-              <a:t> </a:t>
+              <a:t>. </a:t>
             </a:r>
           </a:p>
           <a:p>
